--- a/TFM.pptx
+++ b/TFM.pptx
@@ -5,10 +5,11 @@
     <p:sldMasterId id="2147483648" r:id="rId1"/>
   </p:sldMasterIdLst>
   <p:sldIdLst>
-    <p:sldId id="256" r:id="rId2"/>
-    <p:sldId id="258" r:id="rId3"/>
-    <p:sldId id="259" r:id="rId4"/>
-    <p:sldId id="260" r:id="rId5"/>
+    <p:sldId id="260" r:id="rId2"/>
+    <p:sldId id="259" r:id="rId3"/>
+    <p:sldId id="256" r:id="rId4"/>
+    <p:sldId id="258" r:id="rId5"/>
+    <p:sldId id="261" r:id="rId6"/>
   </p:sldIdLst>
   <p:sldSz cx="12192000" cy="6858000"/>
   <p:notesSz cx="6858000" cy="9144000"/>
@@ -262,7 +263,7 @@
           <a:p>
             <a:fld id="{34AF5FA5-E445-47AC-92B5-2312DCAE05A3}" type="datetimeFigureOut">
               <a:rPr lang="es-ES" smtClean="0"/>
-              <a:t>19/11/2020</a:t>
+              <a:t>20/11/2020</a:t>
             </a:fld>
             <a:endParaRPr lang="es-ES"/>
           </a:p>
@@ -460,7 +461,7 @@
           <a:p>
             <a:fld id="{34AF5FA5-E445-47AC-92B5-2312DCAE05A3}" type="datetimeFigureOut">
               <a:rPr lang="es-ES" smtClean="0"/>
-              <a:t>19/11/2020</a:t>
+              <a:t>20/11/2020</a:t>
             </a:fld>
             <a:endParaRPr lang="es-ES"/>
           </a:p>
@@ -668,7 +669,7 @@
           <a:p>
             <a:fld id="{34AF5FA5-E445-47AC-92B5-2312DCAE05A3}" type="datetimeFigureOut">
               <a:rPr lang="es-ES" smtClean="0"/>
-              <a:t>19/11/2020</a:t>
+              <a:t>20/11/2020</a:t>
             </a:fld>
             <a:endParaRPr lang="es-ES"/>
           </a:p>
@@ -866,7 +867,7 @@
           <a:p>
             <a:fld id="{34AF5FA5-E445-47AC-92B5-2312DCAE05A3}" type="datetimeFigureOut">
               <a:rPr lang="es-ES" smtClean="0"/>
-              <a:t>19/11/2020</a:t>
+              <a:t>20/11/2020</a:t>
             </a:fld>
             <a:endParaRPr lang="es-ES"/>
           </a:p>
@@ -1141,7 +1142,7 @@
           <a:p>
             <a:fld id="{34AF5FA5-E445-47AC-92B5-2312DCAE05A3}" type="datetimeFigureOut">
               <a:rPr lang="es-ES" smtClean="0"/>
-              <a:t>19/11/2020</a:t>
+              <a:t>20/11/2020</a:t>
             </a:fld>
             <a:endParaRPr lang="es-ES"/>
           </a:p>
@@ -1406,7 +1407,7 @@
           <a:p>
             <a:fld id="{34AF5FA5-E445-47AC-92B5-2312DCAE05A3}" type="datetimeFigureOut">
               <a:rPr lang="es-ES" smtClean="0"/>
-              <a:t>19/11/2020</a:t>
+              <a:t>20/11/2020</a:t>
             </a:fld>
             <a:endParaRPr lang="es-ES"/>
           </a:p>
@@ -1818,7 +1819,7 @@
           <a:p>
             <a:fld id="{34AF5FA5-E445-47AC-92B5-2312DCAE05A3}" type="datetimeFigureOut">
               <a:rPr lang="es-ES" smtClean="0"/>
-              <a:t>19/11/2020</a:t>
+              <a:t>20/11/2020</a:t>
             </a:fld>
             <a:endParaRPr lang="es-ES"/>
           </a:p>
@@ -1959,7 +1960,7 @@
           <a:p>
             <a:fld id="{34AF5FA5-E445-47AC-92B5-2312DCAE05A3}" type="datetimeFigureOut">
               <a:rPr lang="es-ES" smtClean="0"/>
-              <a:t>19/11/2020</a:t>
+              <a:t>20/11/2020</a:t>
             </a:fld>
             <a:endParaRPr lang="es-ES"/>
           </a:p>
@@ -2072,7 +2073,7 @@
           <a:p>
             <a:fld id="{34AF5FA5-E445-47AC-92B5-2312DCAE05A3}" type="datetimeFigureOut">
               <a:rPr lang="es-ES" smtClean="0"/>
-              <a:t>19/11/2020</a:t>
+              <a:t>20/11/2020</a:t>
             </a:fld>
             <a:endParaRPr lang="es-ES"/>
           </a:p>
@@ -2383,7 +2384,7 @@
           <a:p>
             <a:fld id="{34AF5FA5-E445-47AC-92B5-2312DCAE05A3}" type="datetimeFigureOut">
               <a:rPr lang="es-ES" smtClean="0"/>
-              <a:t>19/11/2020</a:t>
+              <a:t>20/11/2020</a:t>
             </a:fld>
             <a:endParaRPr lang="es-ES"/>
           </a:p>
@@ -2671,7 +2672,7 @@
           <a:p>
             <a:fld id="{34AF5FA5-E445-47AC-92B5-2312DCAE05A3}" type="datetimeFigureOut">
               <a:rPr lang="es-ES" smtClean="0"/>
-              <a:t>19/11/2020</a:t>
+              <a:t>20/11/2020</a:t>
             </a:fld>
             <a:endParaRPr lang="es-ES"/>
           </a:p>
@@ -2912,7 +2913,7 @@
           <a:p>
             <a:fld id="{34AF5FA5-E445-47AC-92B5-2312DCAE05A3}" type="datetimeFigureOut">
               <a:rPr lang="es-ES" smtClean="0"/>
-              <a:t>19/11/2020</a:t>
+              <a:t>20/11/2020</a:t>
             </a:fld>
             <a:endParaRPr lang="es-ES"/>
           </a:p>
@@ -3329,6 +3330,382 @@
           <a:chExt cx="0" cy="0"/>
         </a:xfrm>
       </p:grpSpPr>
+      <p:sp>
+        <p:nvSpPr>
+          <p:cNvPr id="2" name="Título 1">
+            <a:extLst>
+              <a:ext uri="{FF2B5EF4-FFF2-40B4-BE49-F238E27FC236}">
+                <a16:creationId xmlns:a16="http://schemas.microsoft.com/office/drawing/2014/main" id="{4E91DF51-4B69-4655-8F7D-A17C194AA57A}"/>
+              </a:ext>
+            </a:extLst>
+          </p:cNvPr>
+          <p:cNvSpPr>
+            <a:spLocks noGrp="1"/>
+          </p:cNvSpPr>
+          <p:nvPr>
+            <p:ph type="title"/>
+          </p:nvPr>
+        </p:nvSpPr>
+        <p:spPr/>
+        <p:txBody>
+          <a:bodyPr/>
+          <a:lstStyle/>
+          <a:p>
+            <a:r>
+              <a:rPr lang="es-ES" dirty="0">
+                <a:latin typeface="LM Roman 10" panose="00000500000000000000" pitchFamily="50" charset="0"/>
+              </a:rPr>
+              <a:t>Descripción del TFM</a:t>
+            </a:r>
+          </a:p>
+        </p:txBody>
+      </p:sp>
+      <p:sp>
+        <p:nvSpPr>
+          <p:cNvPr id="3" name="Marcador de contenido 2">
+            <a:extLst>
+              <a:ext uri="{FF2B5EF4-FFF2-40B4-BE49-F238E27FC236}">
+                <a16:creationId xmlns:a16="http://schemas.microsoft.com/office/drawing/2014/main" id="{1498D5FD-6E52-4E1D-87B5-8D4DB1DEF55F}"/>
+              </a:ext>
+            </a:extLst>
+          </p:cNvPr>
+          <p:cNvSpPr>
+            <a:spLocks noGrp="1"/>
+          </p:cNvSpPr>
+          <p:nvPr>
+            <p:ph idx="1"/>
+          </p:nvPr>
+        </p:nvSpPr>
+        <p:spPr>
+          <a:xfrm>
+            <a:off x="561474" y="1540042"/>
+            <a:ext cx="10792326" cy="4636921"/>
+          </a:xfrm>
+        </p:spPr>
+        <p:txBody>
+          <a:bodyPr>
+            <a:normAutofit/>
+          </a:bodyPr>
+          <a:lstStyle/>
+          <a:p>
+            <a:r>
+              <a:rPr lang="es-ES" dirty="0">
+                <a:latin typeface="LM Roman 10" panose="00000500000000000000" pitchFamily="50" charset="0"/>
+              </a:rPr>
+              <a:t>Desarrollar una API para fomentar el uso de coche eléctricos mediante la planificación de rutas (corta/media/larga distancia) según la autonomía del coche. </a:t>
+            </a:r>
+          </a:p>
+          <a:p>
+            <a:pPr marL="0" indent="0">
+              <a:buNone/>
+            </a:pPr>
+            <a:r>
+              <a:rPr lang="es-ES" u="sng" dirty="0">
+                <a:latin typeface="LM Roman 10" panose="00000500000000000000" pitchFamily="50" charset="0"/>
+              </a:rPr>
+              <a:t>Variables input</a:t>
+            </a:r>
+            <a:r>
+              <a:rPr lang="es-ES" dirty="0">
+                <a:latin typeface="LM Roman 10" panose="00000500000000000000" pitchFamily="50" charset="0"/>
+              </a:rPr>
+              <a:t>: modelo coche (autonomía, velocidad de carga, velocidad máxima, antigüedad), lugar de origen y de destino, hora de salida/llegada, número de paradas, puntos de recarga.</a:t>
+            </a:r>
+          </a:p>
+          <a:p>
+            <a:pPr marL="0" indent="0">
+              <a:buNone/>
+            </a:pPr>
+            <a:r>
+              <a:rPr lang="es-ES" u="sng" dirty="0">
+                <a:latin typeface="LM Roman 10" panose="00000500000000000000" pitchFamily="50" charset="0"/>
+              </a:rPr>
+              <a:t>Variable objetivo:</a:t>
+            </a:r>
+            <a:r>
+              <a:rPr lang="es-ES" dirty="0">
+                <a:latin typeface="LM Roman 10" panose="00000500000000000000" pitchFamily="50" charset="0"/>
+              </a:rPr>
+              <a:t> ruta, tiempo de trayecto, paradas reales.</a:t>
+            </a:r>
+          </a:p>
+          <a:p>
+            <a:pPr marL="0" indent="0">
+              <a:buNone/>
+            </a:pPr>
+            <a:r>
+              <a:rPr lang="es-ES" u="sng" dirty="0">
+                <a:latin typeface="LM Roman 10" panose="00000500000000000000" pitchFamily="50" charset="0"/>
+              </a:rPr>
+              <a:t>Fuentes de datos:</a:t>
+            </a:r>
+            <a:r>
+              <a:rPr lang="es-ES" dirty="0">
+                <a:latin typeface="LM Roman 10" panose="00000500000000000000" pitchFamily="50" charset="0"/>
+              </a:rPr>
+              <a:t> Wikipedia, Gobierno de España, </a:t>
+            </a:r>
+            <a:r>
+              <a:rPr lang="es-ES" dirty="0" err="1">
+                <a:latin typeface="LM Roman 10" panose="00000500000000000000" pitchFamily="50" charset="0"/>
+              </a:rPr>
+              <a:t>Kaggle</a:t>
+            </a:r>
+            <a:r>
+              <a:rPr lang="es-ES" dirty="0">
+                <a:latin typeface="LM Roman 10" panose="00000500000000000000" pitchFamily="50" charset="0"/>
+              </a:rPr>
+              <a:t>.</a:t>
+            </a:r>
+          </a:p>
+          <a:p>
+            <a:pPr marL="0" indent="0">
+              <a:buNone/>
+            </a:pPr>
+            <a:r>
+              <a:rPr lang="es-ES" u="sng" dirty="0">
+                <a:latin typeface="LM Roman 10" panose="00000500000000000000" pitchFamily="50" charset="0"/>
+              </a:rPr>
+              <a:t>Tecnologías a utilizar:</a:t>
+            </a:r>
+            <a:r>
+              <a:rPr lang="es-ES" dirty="0">
+                <a:latin typeface="LM Roman 10" panose="00000500000000000000" pitchFamily="50" charset="0"/>
+              </a:rPr>
+              <a:t> Google Cloud, Docker, GitHub, R/Python, </a:t>
+            </a:r>
+            <a:r>
+              <a:rPr lang="es-ES" dirty="0" err="1">
+                <a:latin typeface="LM Roman 10" panose="00000500000000000000" pitchFamily="50" charset="0"/>
+              </a:rPr>
+              <a:t>Shinny</a:t>
+            </a:r>
+            <a:r>
+              <a:rPr lang="es-ES" dirty="0">
+                <a:latin typeface="LM Roman 10" panose="00000500000000000000" pitchFamily="50" charset="0"/>
+              </a:rPr>
+              <a:t>/</a:t>
+            </a:r>
+            <a:r>
+              <a:rPr lang="es-ES" dirty="0" err="1">
+                <a:latin typeface="LM Roman 10" panose="00000500000000000000" pitchFamily="50" charset="0"/>
+              </a:rPr>
+              <a:t>Flask</a:t>
+            </a:r>
+            <a:r>
+              <a:rPr lang="es-ES" dirty="0">
+                <a:latin typeface="LM Roman 10" panose="00000500000000000000" pitchFamily="50" charset="0"/>
+              </a:rPr>
+              <a:t>, </a:t>
+            </a:r>
+            <a:r>
+              <a:rPr lang="es-ES" dirty="0">
+                <a:solidFill>
+                  <a:srgbClr val="FF0000"/>
+                </a:solidFill>
+                <a:latin typeface="LM Roman 10" panose="00000500000000000000" pitchFamily="50" charset="0"/>
+              </a:rPr>
+              <a:t>MySQL y </a:t>
+            </a:r>
+            <a:r>
+              <a:rPr lang="es-ES" dirty="0" err="1">
+                <a:solidFill>
+                  <a:srgbClr val="FF0000"/>
+                </a:solidFill>
+                <a:latin typeface="LM Roman 10" panose="00000500000000000000" pitchFamily="50" charset="0"/>
+              </a:rPr>
+              <a:t>Grafana</a:t>
+            </a:r>
+            <a:r>
+              <a:rPr lang="es-ES" dirty="0">
+                <a:solidFill>
+                  <a:srgbClr val="FF0000"/>
+                </a:solidFill>
+                <a:latin typeface="LM Roman 10" panose="00000500000000000000" pitchFamily="50" charset="0"/>
+              </a:rPr>
+              <a:t> (opcionales) </a:t>
+            </a:r>
+            <a:endParaRPr lang="es-ES" u="sng" dirty="0">
+              <a:solidFill>
+                <a:srgbClr val="FF0000"/>
+              </a:solidFill>
+              <a:latin typeface="LM Roman 10" panose="00000500000000000000" pitchFamily="50" charset="0"/>
+            </a:endParaRPr>
+          </a:p>
+        </p:txBody>
+      </p:sp>
+    </p:spTree>
+    <p:extLst>
+      <p:ext uri="{BB962C8B-B14F-4D97-AF65-F5344CB8AC3E}">
+        <p14:creationId xmlns:p14="http://schemas.microsoft.com/office/powerpoint/2010/main" val="3301289630"/>
+      </p:ext>
+    </p:extLst>
+  </p:cSld>
+  <p:clrMapOvr>
+    <a:masterClrMapping/>
+  </p:clrMapOvr>
+</p:sld>
+</file>
+
+<file path=ppt/slides/slide2.xml><?xml version="1.0" encoding="utf-8"?>
+<p:sld xmlns:a="http://schemas.openxmlformats.org/drawingml/2006/main" xmlns:r="http://schemas.openxmlformats.org/officeDocument/2006/relationships" xmlns:p="http://schemas.openxmlformats.org/presentationml/2006/main">
+  <p:cSld>
+    <p:spTree>
+      <p:nvGrpSpPr>
+        <p:cNvPr id="1" name=""/>
+        <p:cNvGrpSpPr/>
+        <p:nvPr/>
+      </p:nvGrpSpPr>
+      <p:grpSpPr>
+        <a:xfrm>
+          <a:off x="0" y="0"/>
+          <a:ext cx="0" cy="0"/>
+          <a:chOff x="0" y="0"/>
+          <a:chExt cx="0" cy="0"/>
+        </a:xfrm>
+      </p:grpSpPr>
+      <p:sp>
+        <p:nvSpPr>
+          <p:cNvPr id="2" name="Título 1">
+            <a:extLst>
+              <a:ext uri="{FF2B5EF4-FFF2-40B4-BE49-F238E27FC236}">
+                <a16:creationId xmlns:a16="http://schemas.microsoft.com/office/drawing/2014/main" id="{381107A1-60CA-4DBD-8FE6-8216CF60B895}"/>
+              </a:ext>
+            </a:extLst>
+          </p:cNvPr>
+          <p:cNvSpPr>
+            <a:spLocks noGrp="1"/>
+          </p:cNvSpPr>
+          <p:nvPr>
+            <p:ph type="title"/>
+          </p:nvPr>
+        </p:nvSpPr>
+        <p:spPr/>
+        <p:txBody>
+          <a:bodyPr/>
+          <a:lstStyle/>
+          <a:p>
+            <a:r>
+              <a:rPr lang="es-ES" dirty="0" err="1">
+                <a:latin typeface="LM Roman 10" panose="00000500000000000000" pitchFamily="50" charset="0"/>
+              </a:rPr>
+              <a:t>Indice</a:t>
+            </a:r>
+            <a:endParaRPr lang="es-ES" dirty="0">
+              <a:latin typeface="LM Roman 10" panose="00000500000000000000" pitchFamily="50" charset="0"/>
+            </a:endParaRPr>
+          </a:p>
+        </p:txBody>
+      </p:sp>
+      <p:sp>
+        <p:nvSpPr>
+          <p:cNvPr id="3" name="Marcador de contenido 2">
+            <a:extLst>
+              <a:ext uri="{FF2B5EF4-FFF2-40B4-BE49-F238E27FC236}">
+                <a16:creationId xmlns:a16="http://schemas.microsoft.com/office/drawing/2014/main" id="{2E9420CC-D042-4096-B036-9F5364CAA97B}"/>
+              </a:ext>
+            </a:extLst>
+          </p:cNvPr>
+          <p:cNvSpPr>
+            <a:spLocks noGrp="1"/>
+          </p:cNvSpPr>
+          <p:nvPr>
+            <p:ph idx="1"/>
+          </p:nvPr>
+        </p:nvSpPr>
+        <p:spPr>
+          <a:xfrm>
+            <a:off x="548640" y="1512916"/>
+            <a:ext cx="10805160" cy="4664047"/>
+          </a:xfrm>
+        </p:spPr>
+        <p:txBody>
+          <a:bodyPr/>
+          <a:lstStyle/>
+          <a:p>
+            <a:r>
+              <a:rPr lang="es-ES" dirty="0">
+                <a:latin typeface="LM Roman 10" panose="00000500000000000000" pitchFamily="50" charset="0"/>
+              </a:rPr>
+              <a:t>1) Introducción</a:t>
+            </a:r>
+          </a:p>
+          <a:p>
+            <a:r>
+              <a:rPr lang="es-ES" dirty="0">
+                <a:latin typeface="LM Roman 10" panose="00000500000000000000" pitchFamily="50" charset="0"/>
+              </a:rPr>
+              <a:t>2) Análisis Fase EDA</a:t>
+            </a:r>
+          </a:p>
+          <a:p>
+            <a:r>
+              <a:rPr lang="es-ES" dirty="0">
+                <a:latin typeface="LM Roman 10" panose="00000500000000000000" pitchFamily="50" charset="0"/>
+              </a:rPr>
+              <a:t>3) Modelos de predicción (ML)</a:t>
+            </a:r>
+          </a:p>
+          <a:p>
+            <a:r>
+              <a:rPr lang="es-ES" dirty="0">
+                <a:latin typeface="LM Roman 10" panose="00000500000000000000" pitchFamily="50" charset="0"/>
+              </a:rPr>
+              <a:t>4) </a:t>
+            </a:r>
+            <a:r>
+              <a:rPr lang="es-ES" dirty="0" err="1">
+                <a:latin typeface="LM Roman 10" panose="00000500000000000000" pitchFamily="50" charset="0"/>
+              </a:rPr>
+              <a:t>Productivizar</a:t>
+            </a:r>
+            <a:r>
+              <a:rPr lang="es-ES" dirty="0">
+                <a:latin typeface="LM Roman 10" panose="00000500000000000000" pitchFamily="50" charset="0"/>
+              </a:rPr>
+              <a:t> el modelo</a:t>
+            </a:r>
+          </a:p>
+          <a:p>
+            <a:r>
+              <a:rPr lang="es-ES" dirty="0">
+                <a:latin typeface="LM Roman 10" panose="00000500000000000000" pitchFamily="50" charset="0"/>
+              </a:rPr>
+              <a:t>5) Conclusiones</a:t>
+            </a:r>
+          </a:p>
+        </p:txBody>
+      </p:sp>
+    </p:spTree>
+    <p:extLst>
+      <p:ext uri="{BB962C8B-B14F-4D97-AF65-F5344CB8AC3E}">
+        <p14:creationId xmlns:p14="http://schemas.microsoft.com/office/powerpoint/2010/main" val="2480941097"/>
+      </p:ext>
+    </p:extLst>
+  </p:cSld>
+  <p:clrMapOvr>
+    <a:masterClrMapping/>
+  </p:clrMapOvr>
+</p:sld>
+</file>
+
+<file path=ppt/slides/slide3.xml><?xml version="1.0" encoding="utf-8"?>
+<p:sld xmlns:a="http://schemas.openxmlformats.org/drawingml/2006/main" xmlns:r="http://schemas.openxmlformats.org/officeDocument/2006/relationships" xmlns:p="http://schemas.openxmlformats.org/presentationml/2006/main">
+  <p:cSld>
+    <p:spTree>
+      <p:nvGrpSpPr>
+        <p:cNvPr id="1" name=""/>
+        <p:cNvGrpSpPr/>
+        <p:nvPr/>
+      </p:nvGrpSpPr>
+      <p:grpSpPr>
+        <a:xfrm>
+          <a:off x="0" y="0"/>
+          <a:ext cx="0" cy="0"/>
+          <a:chOff x="0" y="0"/>
+          <a:chExt cx="0" cy="0"/>
+        </a:xfrm>
+      </p:grpSpPr>
       <p:pic>
         <p:nvPicPr>
           <p:cNvPr id="1026" name="Picture 2" descr="Telefónica firma un acuerdo con Google para situar a empresas en &quot;la nube&quot;">
@@ -3519,10 +3896,10 @@
       </p:pic>
       <p:pic>
         <p:nvPicPr>
-          <p:cNvPr id="1034" name="Picture 10" descr="How to edit existing repositories on Bitbucket using Git | by Estefani  Rangel | Medium">
-            <a:extLst>
-              <a:ext uri="{FF2B5EF4-FFF2-40B4-BE49-F238E27FC236}">
-                <a16:creationId xmlns:a16="http://schemas.microsoft.com/office/drawing/2014/main" id="{C662FA42-B901-48B1-BBA5-F89C6AB96B0B}"/>
+          <p:cNvPr id="2" name="Picture 2" descr="Shiny - RStudio">
+            <a:extLst>
+              <a:ext uri="{FF2B5EF4-FFF2-40B4-BE49-F238E27FC236}">
+                <a16:creationId xmlns:a16="http://schemas.microsoft.com/office/drawing/2014/main" id="{84AA7645-F404-4FD0-8695-4AFCBAAE4D5C}"/>
               </a:ext>
             </a:extLst>
           </p:cNvPr>
@@ -3533,53 +3910,6 @@
         </p:nvPicPr>
         <p:blipFill>
           <a:blip r:embed="rId6">
-            <a:extLst>
-              <a:ext uri="{28A0092B-C50C-407E-A947-70E740481C1C}">
-                <a14:useLocalDpi xmlns:a14="http://schemas.microsoft.com/office/drawing/2010/main" val="0"/>
-              </a:ext>
-            </a:extLst>
-          </a:blip>
-          <a:srcRect/>
-          <a:stretch>
-            <a:fillRect/>
-          </a:stretch>
-        </p:blipFill>
-        <p:spPr bwMode="auto">
-          <a:xfrm>
-            <a:off x="1086177" y="2472263"/>
-            <a:ext cx="3733612" cy="1120084"/>
-          </a:xfrm>
-          <a:prstGeom prst="rect">
-            <a:avLst/>
-          </a:prstGeom>
-          <a:noFill/>
-          <a:extLst>
-            <a:ext uri="{909E8E84-426E-40DD-AFC4-6F175D3DCCD1}">
-              <a14:hiddenFill xmlns:a14="http://schemas.microsoft.com/office/drawing/2010/main">
-                <a:solidFill>
-                  <a:srgbClr val="FFFFFF"/>
-                </a:solidFill>
-              </a14:hiddenFill>
-            </a:ext>
-          </a:extLst>
-        </p:spPr>
-      </p:pic>
-      <p:pic>
-        <p:nvPicPr>
-          <p:cNvPr id="2" name="Picture 2" descr="Shiny - RStudio">
-            <a:extLst>
-              <a:ext uri="{FF2B5EF4-FFF2-40B4-BE49-F238E27FC236}">
-                <a16:creationId xmlns:a16="http://schemas.microsoft.com/office/drawing/2014/main" id="{84AA7645-F404-4FD0-8695-4AFCBAAE4D5C}"/>
-              </a:ext>
-            </a:extLst>
-          </p:cNvPr>
-          <p:cNvPicPr>
-            <a:picLocks noChangeAspect="1" noChangeArrowheads="1"/>
-          </p:cNvPicPr>
-          <p:nvPr/>
-        </p:nvPicPr>
-        <p:blipFill>
-          <a:blip r:embed="rId7">
             <a:extLst>
               <a:ext uri="{28A0092B-C50C-407E-A947-70E740481C1C}">
                 <a14:useLocalDpi xmlns:a14="http://schemas.microsoft.com/office/drawing/2010/main" val="0"/>
@@ -3626,7 +3956,7 @@
           <p:nvPr/>
         </p:nvPicPr>
         <p:blipFill>
-          <a:blip r:embed="rId8">
+          <a:blip r:embed="rId7">
             <a:extLst>
               <a:ext uri="{28A0092B-C50C-407E-A947-70E740481C1C}">
                 <a14:useLocalDpi xmlns:a14="http://schemas.microsoft.com/office/drawing/2010/main" val="0"/>
@@ -3821,7 +4151,7 @@
           <p:nvPr/>
         </p:nvPicPr>
         <p:blipFill>
-          <a:blip r:embed="rId9">
+          <a:blip r:embed="rId8">
             <a:extLst>
               <a:ext uri="{28A0092B-C50C-407E-A947-70E740481C1C}">
                 <a14:useLocalDpi xmlns:a14="http://schemas.microsoft.com/office/drawing/2010/main" val="0"/>
@@ -3897,86 +4227,12 @@
           </a:fontRef>
         </p:style>
       </p:cxnSp>
-    </p:spTree>
-    <p:extLst>
-      <p:ext uri="{BB962C8B-B14F-4D97-AF65-F5344CB8AC3E}">
-        <p14:creationId xmlns:p14="http://schemas.microsoft.com/office/powerpoint/2010/main" val="3539393597"/>
-      </p:ext>
-    </p:extLst>
-  </p:cSld>
-  <p:clrMapOvr>
-    <a:masterClrMapping/>
-  </p:clrMapOvr>
-</p:sld>
-</file>
-
-<file path=ppt/slides/slide2.xml><?xml version="1.0" encoding="utf-8"?>
-<p:sld xmlns:a="http://schemas.openxmlformats.org/drawingml/2006/main" xmlns:r="http://schemas.openxmlformats.org/officeDocument/2006/relationships" xmlns:p="http://schemas.openxmlformats.org/presentationml/2006/main">
-  <p:cSld>
-    <p:spTree>
-      <p:nvGrpSpPr>
-        <p:cNvPr id="1" name=""/>
-        <p:cNvGrpSpPr/>
-        <p:nvPr/>
-      </p:nvGrpSpPr>
-      <p:grpSpPr>
-        <a:xfrm>
-          <a:off x="0" y="0"/>
-          <a:ext cx="0" cy="0"/>
-          <a:chOff x="0" y="0"/>
-          <a:chExt cx="0" cy="0"/>
-        </a:xfrm>
-      </p:grpSpPr>
-      <p:sp>
-        <p:nvSpPr>
-          <p:cNvPr id="3" name="Marcador de contenido 2">
-            <a:extLst>
-              <a:ext uri="{FF2B5EF4-FFF2-40B4-BE49-F238E27FC236}">
-                <a16:creationId xmlns:a16="http://schemas.microsoft.com/office/drawing/2014/main" id="{A6F746BD-1C2D-4701-96AF-96C5374ACFF0}"/>
-              </a:ext>
-            </a:extLst>
-          </p:cNvPr>
-          <p:cNvSpPr>
-            <a:spLocks noGrp="1"/>
-          </p:cNvSpPr>
-          <p:nvPr>
-            <p:ph idx="1"/>
-          </p:nvPr>
-        </p:nvSpPr>
-        <p:spPr>
-          <a:xfrm>
-            <a:off x="838200" y="2130425"/>
-            <a:ext cx="10515600" cy="4351338"/>
-          </a:xfrm>
-        </p:spPr>
-        <p:txBody>
-          <a:bodyPr/>
-          <a:lstStyle/>
-          <a:p>
-            <a:r>
-              <a:rPr lang="es-ES" dirty="0"/>
-              <a:t>Google Cloud (o AWS/Azure) se pueden usar para generar </a:t>
-            </a:r>
-            <a:r>
-              <a:rPr lang="es-ES" dirty="0" err="1"/>
-              <a:t>clusters</a:t>
-            </a:r>
-            <a:endParaRPr lang="es-ES" dirty="0"/>
-          </a:p>
-          <a:p>
-            <a:r>
-              <a:rPr lang="es-ES" dirty="0"/>
-              <a:t>Descargar Google Cloud SDK</a:t>
-            </a:r>
-          </a:p>
-        </p:txBody>
-      </p:sp>
       <p:pic>
         <p:nvPicPr>
-          <p:cNvPr id="5" name="Picture 2" descr="Telefónica firma un acuerdo con Google para situar a empresas en &quot;la nube&quot;">
-            <a:extLst>
-              <a:ext uri="{FF2B5EF4-FFF2-40B4-BE49-F238E27FC236}">
-                <a16:creationId xmlns:a16="http://schemas.microsoft.com/office/drawing/2014/main" id="{C953E722-35E5-43DD-9611-18531BEC4A85}"/>
+          <p:cNvPr id="6" name="Picture 2" descr="GitHub Key Features Now Free For All Users - Somag News">
+            <a:extLst>
+              <a:ext uri="{FF2B5EF4-FFF2-40B4-BE49-F238E27FC236}">
+                <a16:creationId xmlns:a16="http://schemas.microsoft.com/office/drawing/2014/main" id="{532BB007-DA03-4601-B398-70F8AF7800A7}"/>
               </a:ext>
             </a:extLst>
           </p:cNvPr>
@@ -3986,7 +4242,7 @@
           <p:nvPr/>
         </p:nvPicPr>
         <p:blipFill>
-          <a:blip r:embed="rId2">
+          <a:blip r:embed="rId9">
             <a:extLst>
               <a:ext uri="{28A0092B-C50C-407E-A947-70E740481C1C}">
                 <a14:useLocalDpi xmlns:a14="http://schemas.microsoft.com/office/drawing/2010/main" val="0"/>
@@ -4000,8 +4256,8 @@
         </p:blipFill>
         <p:spPr bwMode="auto">
           <a:xfrm>
-            <a:off x="4162440" y="357872"/>
-            <a:ext cx="3597571" cy="1772553"/>
+            <a:off x="1680301" y="1885408"/>
+            <a:ext cx="2795574" cy="1543592"/>
           </a:xfrm>
           <a:prstGeom prst="rect">
             <a:avLst/>
@@ -4021,149 +4277,7 @@
     </p:spTree>
     <p:extLst>
       <p:ext uri="{BB962C8B-B14F-4D97-AF65-F5344CB8AC3E}">
-        <p14:creationId xmlns:p14="http://schemas.microsoft.com/office/powerpoint/2010/main" val="2486503768"/>
-      </p:ext>
-    </p:extLst>
-  </p:cSld>
-  <p:clrMapOvr>
-    <a:masterClrMapping/>
-  </p:clrMapOvr>
-</p:sld>
-</file>
-
-<file path=ppt/slides/slide3.xml><?xml version="1.0" encoding="utf-8"?>
-<p:sld xmlns:a="http://schemas.openxmlformats.org/drawingml/2006/main" xmlns:r="http://schemas.openxmlformats.org/officeDocument/2006/relationships" xmlns:p="http://schemas.openxmlformats.org/presentationml/2006/main">
-  <p:cSld>
-    <p:spTree>
-      <p:nvGrpSpPr>
-        <p:cNvPr id="1" name=""/>
-        <p:cNvGrpSpPr/>
-        <p:nvPr/>
-      </p:nvGrpSpPr>
-      <p:grpSpPr>
-        <a:xfrm>
-          <a:off x="0" y="0"/>
-          <a:ext cx="0" cy="0"/>
-          <a:chOff x="0" y="0"/>
-          <a:chExt cx="0" cy="0"/>
-        </a:xfrm>
-      </p:grpSpPr>
-      <p:sp>
-        <p:nvSpPr>
-          <p:cNvPr id="2" name="Título 1">
-            <a:extLst>
-              <a:ext uri="{FF2B5EF4-FFF2-40B4-BE49-F238E27FC236}">
-                <a16:creationId xmlns:a16="http://schemas.microsoft.com/office/drawing/2014/main" id="{381107A1-60CA-4DBD-8FE6-8216CF60B895}"/>
-              </a:ext>
-            </a:extLst>
-          </p:cNvPr>
-          <p:cNvSpPr>
-            <a:spLocks noGrp="1"/>
-          </p:cNvSpPr>
-          <p:nvPr>
-            <p:ph type="title"/>
-          </p:nvPr>
-        </p:nvSpPr>
-        <p:spPr/>
-        <p:txBody>
-          <a:bodyPr/>
-          <a:lstStyle/>
-          <a:p>
-            <a:r>
-              <a:rPr lang="es-ES" dirty="0" err="1">
-                <a:latin typeface="LM Roman 10" panose="00000500000000000000" pitchFamily="50" charset="0"/>
-              </a:rPr>
-              <a:t>Indice</a:t>
-            </a:r>
-            <a:endParaRPr lang="es-ES" dirty="0">
-              <a:latin typeface="LM Roman 10" panose="00000500000000000000" pitchFamily="50" charset="0"/>
-            </a:endParaRPr>
-          </a:p>
-        </p:txBody>
-      </p:sp>
-      <p:sp>
-        <p:nvSpPr>
-          <p:cNvPr id="3" name="Marcador de contenido 2">
-            <a:extLst>
-              <a:ext uri="{FF2B5EF4-FFF2-40B4-BE49-F238E27FC236}">
-                <a16:creationId xmlns:a16="http://schemas.microsoft.com/office/drawing/2014/main" id="{2E9420CC-D042-4096-B036-9F5364CAA97B}"/>
-              </a:ext>
-            </a:extLst>
-          </p:cNvPr>
-          <p:cNvSpPr>
-            <a:spLocks noGrp="1"/>
-          </p:cNvSpPr>
-          <p:nvPr>
-            <p:ph idx="1"/>
-          </p:nvPr>
-        </p:nvSpPr>
-        <p:spPr>
-          <a:xfrm>
-            <a:off x="548640" y="1512916"/>
-            <a:ext cx="10805160" cy="4664047"/>
-          </a:xfrm>
-        </p:spPr>
-        <p:txBody>
-          <a:bodyPr/>
-          <a:lstStyle/>
-          <a:p>
-            <a:r>
-              <a:rPr lang="es-ES" dirty="0">
-                <a:latin typeface="LM Roman 10" panose="00000500000000000000" pitchFamily="50" charset="0"/>
-              </a:rPr>
-              <a:t>1) Introducción</a:t>
-            </a:r>
-          </a:p>
-          <a:p>
-            <a:r>
-              <a:rPr lang="es-ES" dirty="0">
-                <a:latin typeface="LM Roman 10" panose="00000500000000000000" pitchFamily="50" charset="0"/>
-              </a:rPr>
-              <a:t>2) Análisis Fase EDA</a:t>
-            </a:r>
-          </a:p>
-          <a:p>
-            <a:r>
-              <a:rPr lang="es-ES" dirty="0">
-                <a:latin typeface="LM Roman 10" panose="00000500000000000000" pitchFamily="50" charset="0"/>
-              </a:rPr>
-              <a:t>3) Modelos de predicción (ML)</a:t>
-            </a:r>
-          </a:p>
-          <a:p>
-            <a:r>
-              <a:rPr lang="es-ES" dirty="0">
-                <a:latin typeface="LM Roman 10" panose="00000500000000000000" pitchFamily="50" charset="0"/>
-              </a:rPr>
-              <a:t>4) </a:t>
-            </a:r>
-            <a:r>
-              <a:rPr lang="es-ES" dirty="0" err="1">
-                <a:latin typeface="LM Roman 10" panose="00000500000000000000" pitchFamily="50" charset="0"/>
-              </a:rPr>
-              <a:t>Productivizar</a:t>
-            </a:r>
-            <a:r>
-              <a:rPr lang="es-ES" dirty="0">
-                <a:latin typeface="LM Roman 10" panose="00000500000000000000" pitchFamily="50" charset="0"/>
-              </a:rPr>
-              <a:t> el modelo</a:t>
-            </a:r>
-          </a:p>
-          <a:p>
-            <a:r>
-              <a:rPr lang="es-ES" dirty="0">
-                <a:latin typeface="LM Roman 10" panose="00000500000000000000" pitchFamily="50" charset="0"/>
-              </a:rPr>
-              <a:t>5) Conclusiones</a:t>
-            </a:r>
-          </a:p>
-        </p:txBody>
-      </p:sp>
-    </p:spTree>
-    <p:extLst>
-      <p:ext uri="{BB962C8B-B14F-4D97-AF65-F5344CB8AC3E}">
-        <p14:creationId xmlns:p14="http://schemas.microsoft.com/office/powerpoint/2010/main" val="2480941097"/>
+        <p14:creationId xmlns:p14="http://schemas.microsoft.com/office/powerpoint/2010/main" val="3539393597"/>
       </p:ext>
     </p:extLst>
   </p:cSld>
@@ -4192,40 +4306,10 @@
       </p:grpSpPr>
       <p:sp>
         <p:nvSpPr>
-          <p:cNvPr id="2" name="Título 1">
-            <a:extLst>
-              <a:ext uri="{FF2B5EF4-FFF2-40B4-BE49-F238E27FC236}">
-                <a16:creationId xmlns:a16="http://schemas.microsoft.com/office/drawing/2014/main" id="{4E91DF51-4B69-4655-8F7D-A17C194AA57A}"/>
-              </a:ext>
-            </a:extLst>
-          </p:cNvPr>
-          <p:cNvSpPr>
-            <a:spLocks noGrp="1"/>
-          </p:cNvSpPr>
-          <p:nvPr>
-            <p:ph type="title"/>
-          </p:nvPr>
-        </p:nvSpPr>
-        <p:spPr/>
-        <p:txBody>
-          <a:bodyPr/>
-          <a:lstStyle/>
-          <a:p>
-            <a:r>
-              <a:rPr lang="es-ES" dirty="0">
-                <a:latin typeface="LM Roman 10" panose="00000500000000000000" pitchFamily="50" charset="0"/>
-              </a:rPr>
-              <a:t>Descripción del TFM</a:t>
-            </a:r>
-          </a:p>
-        </p:txBody>
-      </p:sp>
-      <p:sp>
-        <p:nvSpPr>
           <p:cNvPr id="3" name="Marcador de contenido 2">
             <a:extLst>
               <a:ext uri="{FF2B5EF4-FFF2-40B4-BE49-F238E27FC236}">
-                <a16:creationId xmlns:a16="http://schemas.microsoft.com/office/drawing/2014/main" id="{1498D5FD-6E52-4E1D-87B5-8D4DB1DEF55F}"/>
+                <a16:creationId xmlns:a16="http://schemas.microsoft.com/office/drawing/2014/main" id="{A6F746BD-1C2D-4701-96AF-96C5374ACFF0}"/>
               </a:ext>
             </a:extLst>
           </p:cNvPr>
@@ -4238,21 +4322,43 @@
         </p:nvSpPr>
         <p:spPr>
           <a:xfrm>
-            <a:off x="561474" y="1540042"/>
-            <a:ext cx="10792326" cy="4636921"/>
+            <a:off x="511035" y="1044002"/>
+            <a:ext cx="11169927" cy="2384998"/>
           </a:xfrm>
         </p:spPr>
         <p:txBody>
           <a:bodyPr>
-            <a:normAutofit/>
+            <a:normAutofit fontScale="92500" lnSpcReduction="10000"/>
           </a:bodyPr>
           <a:lstStyle/>
           <a:p>
             <a:r>
-              <a:rPr lang="es-ES" dirty="0">
-                <a:latin typeface="LM Roman 10" panose="00000500000000000000" pitchFamily="50" charset="0"/>
-              </a:rPr>
-              <a:t>Desarrollar una API para fomentar el uso de coche eléctricos mediante la planificación de rutas (corta/media/larga distancia) según la autonomía del coche. </a:t>
+              <a:rPr lang="es-ES" dirty="0"/>
+              <a:t>Google Cloud se pueden usar para generar </a:t>
+            </a:r>
+            <a:r>
+              <a:rPr lang="es-ES" dirty="0" err="1"/>
+              <a:t>clusters</a:t>
+            </a:r>
+            <a:r>
+              <a:rPr lang="es-ES" dirty="0"/>
+              <a:t>, pero también para lanzar servicios Docker directamente (Cloud Run) con imágenes generadas en local y subidas a Google Cloud </a:t>
+            </a:r>
+            <a:r>
+              <a:rPr lang="es-ES" dirty="0" err="1"/>
+              <a:t>Platform’s</a:t>
+            </a:r>
+            <a:r>
+              <a:rPr lang="es-ES" dirty="0"/>
+              <a:t> Container </a:t>
+            </a:r>
+            <a:r>
+              <a:rPr lang="es-ES" dirty="0" err="1"/>
+              <a:t>Repository</a:t>
+            </a:r>
+            <a:r>
+              <a:rPr lang="es-ES" dirty="0"/>
+              <a:t>.</a:t>
             </a:r>
           </a:p>
           <a:p>
@@ -4260,144 +4366,449 @@
               <a:buNone/>
             </a:pPr>
             <a:r>
-              <a:rPr lang="es-ES" u="sng" dirty="0">
-                <a:latin typeface="LM Roman 10" panose="00000500000000000000" pitchFamily="50" charset="0"/>
-              </a:rPr>
-              <a:t>Variables input</a:t>
-            </a:r>
-            <a:r>
-              <a:rPr lang="es-ES" dirty="0">
-                <a:latin typeface="LM Roman 10" panose="00000500000000000000" pitchFamily="50" charset="0"/>
-              </a:rPr>
-              <a:t>: modelo coche (autonomía, velocidad de carga, velocidad máxima, antigüedad), lugar de origen y de destino, hora de salida/llegada, número de paradas, puntos de recarga.</a:t>
-            </a:r>
-          </a:p>
-          <a:p>
-            <a:pPr marL="0" indent="0">
-              <a:buNone/>
-            </a:pPr>
-            <a:r>
-              <a:rPr lang="es-ES" u="sng" dirty="0">
-                <a:latin typeface="LM Roman 10" panose="00000500000000000000" pitchFamily="50" charset="0"/>
-              </a:rPr>
-              <a:t>Variable objetivo:</a:t>
-            </a:r>
-            <a:r>
-              <a:rPr lang="es-ES" dirty="0">
-                <a:latin typeface="LM Roman 10" panose="00000500000000000000" pitchFamily="50" charset="0"/>
-              </a:rPr>
-              <a:t> ruta, tiempo de trayecto, paradas reales.</a:t>
-            </a:r>
-          </a:p>
-          <a:p>
-            <a:pPr marL="0" indent="0">
-              <a:buNone/>
-            </a:pPr>
-            <a:r>
-              <a:rPr lang="es-ES" u="sng" dirty="0">
-                <a:latin typeface="LM Roman 10" panose="00000500000000000000" pitchFamily="50" charset="0"/>
-              </a:rPr>
-              <a:t>Fuentes de datos:</a:t>
-            </a:r>
-            <a:r>
-              <a:rPr lang="es-ES" dirty="0">
-                <a:latin typeface="LM Roman 10" panose="00000500000000000000" pitchFamily="50" charset="0"/>
-              </a:rPr>
-              <a:t> Wikipedia, Gobierno de España, </a:t>
-            </a:r>
-            <a:r>
-              <a:rPr lang="es-ES" dirty="0" err="1">
-                <a:latin typeface="LM Roman 10" panose="00000500000000000000" pitchFamily="50" charset="0"/>
-              </a:rPr>
-              <a:t>Kaggle</a:t>
-            </a:r>
-            <a:r>
-              <a:rPr lang="es-ES" dirty="0">
-                <a:latin typeface="LM Roman 10" panose="00000500000000000000" pitchFamily="50" charset="0"/>
-              </a:rPr>
-              <a:t>.</a:t>
-            </a:r>
-          </a:p>
-          <a:p>
-            <a:pPr marL="0" indent="0">
-              <a:buNone/>
-            </a:pPr>
-            <a:r>
-              <a:rPr lang="es-ES" u="sng" dirty="0">
-                <a:latin typeface="LM Roman 10" panose="00000500000000000000" pitchFamily="50" charset="0"/>
-              </a:rPr>
-              <a:t>Tecnologías a utilizar:</a:t>
-            </a:r>
-            <a:r>
-              <a:rPr lang="es-ES" dirty="0">
-                <a:latin typeface="LM Roman 10" panose="00000500000000000000" pitchFamily="50" charset="0"/>
-              </a:rPr>
-              <a:t> Google Cloud, Docker, GitHub, R/Python, </a:t>
-            </a:r>
-            <a:r>
-              <a:rPr lang="es-ES" dirty="0" err="1">
-                <a:latin typeface="LM Roman 10" panose="00000500000000000000" pitchFamily="50" charset="0"/>
-              </a:rPr>
-              <a:t>Shinny</a:t>
-            </a:r>
-            <a:r>
-              <a:rPr lang="es-ES" dirty="0">
-                <a:latin typeface="LM Roman 10" panose="00000500000000000000" pitchFamily="50" charset="0"/>
-              </a:rPr>
-              <a:t>/</a:t>
-            </a:r>
-            <a:r>
-              <a:rPr lang="es-ES" dirty="0" err="1">
-                <a:latin typeface="LM Roman 10" panose="00000500000000000000" pitchFamily="50" charset="0"/>
-              </a:rPr>
-              <a:t>Flask</a:t>
-            </a:r>
-            <a:r>
-              <a:rPr lang="es-ES" dirty="0">
-                <a:latin typeface="LM Roman 10" panose="00000500000000000000" pitchFamily="50" charset="0"/>
-              </a:rPr>
-              <a:t>, </a:t>
-            </a:r>
-            <a:r>
-              <a:rPr lang="es-ES" dirty="0">
+              <a:rPr lang="es-ES" dirty="0"/>
+              <a:t>(https://towardsdatascience.com/how-to-deploy-docker-containers-to-the-cloud-b4d89b2c6c31)</a:t>
+            </a:r>
+          </a:p>
+          <a:p>
+            <a:r>
+              <a:rPr lang="es-ES" dirty="0"/>
+              <a:t>Descargar Google Cloud SDK para poder trabajar desde consola</a:t>
+            </a:r>
+          </a:p>
+        </p:txBody>
+      </p:sp>
+      <p:pic>
+        <p:nvPicPr>
+          <p:cNvPr id="5" name="Picture 2" descr="Telefónica firma un acuerdo con Google para situar a empresas en &quot;la nube&quot;">
+            <a:extLst>
+              <a:ext uri="{FF2B5EF4-FFF2-40B4-BE49-F238E27FC236}">
+                <a16:creationId xmlns:a16="http://schemas.microsoft.com/office/drawing/2014/main" id="{C953E722-35E5-43DD-9611-18531BEC4A85}"/>
+              </a:ext>
+            </a:extLst>
+          </p:cNvPr>
+          <p:cNvPicPr>
+            <a:picLocks noChangeAspect="1" noChangeArrowheads="1"/>
+          </p:cNvPicPr>
+          <p:nvPr/>
+        </p:nvPicPr>
+        <p:blipFill rotWithShape="1">
+          <a:blip r:embed="rId2">
+            <a:extLst>
+              <a:ext uri="{28A0092B-C50C-407E-A947-70E740481C1C}">
+                <a14:useLocalDpi xmlns:a14="http://schemas.microsoft.com/office/drawing/2010/main" val="0"/>
+              </a:ext>
+            </a:extLst>
+          </a:blip>
+          <a:srcRect t="27910" r="2786" b="31495"/>
+          <a:stretch/>
+        </p:blipFill>
+        <p:spPr bwMode="auto">
+          <a:xfrm>
+            <a:off x="3950402" y="276835"/>
+            <a:ext cx="3497319" cy="636105"/>
+          </a:xfrm>
+          <a:prstGeom prst="rect">
+            <a:avLst/>
+          </a:prstGeom>
+          <a:noFill/>
+          <a:extLst>
+            <a:ext uri="{909E8E84-426E-40DD-AFC4-6F175D3DCCD1}">
+              <a14:hiddenFill xmlns:a14="http://schemas.microsoft.com/office/drawing/2010/main">
                 <a:solidFill>
-                  <a:srgbClr val="FF0000"/>
+                  <a:srgbClr val="FFFFFF"/>
                 </a:solidFill>
-                <a:latin typeface="LM Roman 10" panose="00000500000000000000" pitchFamily="50" charset="0"/>
-              </a:rPr>
-              <a:t>MySQL y </a:t>
-            </a:r>
-            <a:r>
-              <a:rPr lang="es-ES" dirty="0" err="1">
+              </a14:hiddenFill>
+            </a:ext>
+          </a:extLst>
+        </p:spPr>
+      </p:pic>
+      <p:pic>
+        <p:nvPicPr>
+          <p:cNvPr id="4" name="Picture 4" descr="Get to Know Docker's Ecosystem — Nick Janetakis">
+            <a:extLst>
+              <a:ext uri="{FF2B5EF4-FFF2-40B4-BE49-F238E27FC236}">
+                <a16:creationId xmlns:a16="http://schemas.microsoft.com/office/drawing/2014/main" id="{017FDD13-C7C1-4431-B60B-9F2A900B1008}"/>
+              </a:ext>
+            </a:extLst>
+          </p:cNvPr>
+          <p:cNvPicPr>
+            <a:picLocks noChangeAspect="1" noChangeArrowheads="1"/>
+          </p:cNvPicPr>
+          <p:nvPr/>
+        </p:nvPicPr>
+        <p:blipFill>
+          <a:blip r:embed="rId3">
+            <a:extLst>
+              <a:ext uri="{28A0092B-C50C-407E-A947-70E740481C1C}">
+                <a14:useLocalDpi xmlns:a14="http://schemas.microsoft.com/office/drawing/2010/main" val="0"/>
+              </a:ext>
+            </a:extLst>
+          </a:blip>
+          <a:srcRect/>
+          <a:stretch>
+            <a:fillRect/>
+          </a:stretch>
+        </p:blipFill>
+        <p:spPr bwMode="auto">
+          <a:xfrm>
+            <a:off x="4722357" y="3560062"/>
+            <a:ext cx="1953408" cy="1099118"/>
+          </a:xfrm>
+          <a:prstGeom prst="rect">
+            <a:avLst/>
+          </a:prstGeom>
+          <a:noFill/>
+          <a:extLst>
+            <a:ext uri="{909E8E84-426E-40DD-AFC4-6F175D3DCCD1}">
+              <a14:hiddenFill xmlns:a14="http://schemas.microsoft.com/office/drawing/2010/main">
                 <a:solidFill>
-                  <a:srgbClr val="FF0000"/>
+                  <a:srgbClr val="FFFFFF"/>
                 </a:solidFill>
-                <a:latin typeface="LM Roman 10" panose="00000500000000000000" pitchFamily="50" charset="0"/>
-              </a:rPr>
-              <a:t>Grafana</a:t>
-            </a:r>
-            <a:r>
-              <a:rPr lang="es-ES" dirty="0">
+              </a14:hiddenFill>
+            </a:ext>
+          </a:extLst>
+        </p:spPr>
+      </p:pic>
+      <p:sp>
+        <p:nvSpPr>
+          <p:cNvPr id="6" name="Marcador de contenido 2">
+            <a:extLst>
+              <a:ext uri="{FF2B5EF4-FFF2-40B4-BE49-F238E27FC236}">
+                <a16:creationId xmlns:a16="http://schemas.microsoft.com/office/drawing/2014/main" id="{D663CCAF-2D4D-4E2C-A5A7-6176F8689828}"/>
+              </a:ext>
+            </a:extLst>
+          </p:cNvPr>
+          <p:cNvSpPr txBox="1">
+            <a:spLocks/>
+          </p:cNvSpPr>
+          <p:nvPr/>
+        </p:nvSpPr>
+        <p:spPr>
+          <a:xfrm>
+            <a:off x="902804" y="4790242"/>
+            <a:ext cx="10386391" cy="2010879"/>
+          </a:xfrm>
+          <a:prstGeom prst="rect">
+            <a:avLst/>
+          </a:prstGeom>
+        </p:spPr>
+        <p:txBody>
+          <a:bodyPr vert="horz" lIns="91440" tIns="45720" rIns="91440" bIns="45720" rtlCol="0">
+            <a:normAutofit fontScale="92500"/>
+          </a:bodyPr>
+          <a:lstStyle>
+            <a:lvl1pPr marL="228600" indent="-228600" algn="l" defTabSz="914400" rtl="0" eaLnBrk="1" latinLnBrk="0" hangingPunct="1">
+              <a:lnSpc>
+                <a:spcPct val="90000"/>
+              </a:lnSpc>
+              <a:spcBef>
+                <a:spcPts val="1000"/>
+              </a:spcBef>
+              <a:buFont typeface="Arial" panose="020B0604020202020204" pitchFamily="34" charset="0"/>
+              <a:buChar char="•"/>
+              <a:defRPr sz="2800" kern="1200">
                 <a:solidFill>
-                  <a:srgbClr val="FF0000"/>
+                  <a:schemeClr val="tx1"/>
                 </a:solidFill>
-                <a:latin typeface="LM Roman 10" panose="00000500000000000000" pitchFamily="50" charset="0"/>
-              </a:rPr>
-              <a:t> (opcionales) </a:t>
-            </a:r>
-            <a:endParaRPr lang="es-ES" u="sng" dirty="0">
-              <a:solidFill>
-                <a:srgbClr val="FF0000"/>
-              </a:solidFill>
-              <a:latin typeface="LM Roman 10" panose="00000500000000000000" pitchFamily="50" charset="0"/>
-            </a:endParaRPr>
+                <a:latin typeface="+mn-lt"/>
+                <a:ea typeface="+mn-ea"/>
+                <a:cs typeface="+mn-cs"/>
+              </a:defRPr>
+            </a:lvl1pPr>
+            <a:lvl2pPr marL="685800" indent="-228600" algn="l" defTabSz="914400" rtl="0" eaLnBrk="1" latinLnBrk="0" hangingPunct="1">
+              <a:lnSpc>
+                <a:spcPct val="90000"/>
+              </a:lnSpc>
+              <a:spcBef>
+                <a:spcPts val="500"/>
+              </a:spcBef>
+              <a:buFont typeface="Arial" panose="020B0604020202020204" pitchFamily="34" charset="0"/>
+              <a:buChar char="•"/>
+              <a:defRPr sz="2400" kern="1200">
+                <a:solidFill>
+                  <a:schemeClr val="tx1"/>
+                </a:solidFill>
+                <a:latin typeface="+mn-lt"/>
+                <a:ea typeface="+mn-ea"/>
+                <a:cs typeface="+mn-cs"/>
+              </a:defRPr>
+            </a:lvl2pPr>
+            <a:lvl3pPr marL="1143000" indent="-228600" algn="l" defTabSz="914400" rtl="0" eaLnBrk="1" latinLnBrk="0" hangingPunct="1">
+              <a:lnSpc>
+                <a:spcPct val="90000"/>
+              </a:lnSpc>
+              <a:spcBef>
+                <a:spcPts val="500"/>
+              </a:spcBef>
+              <a:buFont typeface="Arial" panose="020B0604020202020204" pitchFamily="34" charset="0"/>
+              <a:buChar char="•"/>
+              <a:defRPr sz="2000" kern="1200">
+                <a:solidFill>
+                  <a:schemeClr val="tx1"/>
+                </a:solidFill>
+                <a:latin typeface="+mn-lt"/>
+                <a:ea typeface="+mn-ea"/>
+                <a:cs typeface="+mn-cs"/>
+              </a:defRPr>
+            </a:lvl3pPr>
+            <a:lvl4pPr marL="1600200" indent="-228600" algn="l" defTabSz="914400" rtl="0" eaLnBrk="1" latinLnBrk="0" hangingPunct="1">
+              <a:lnSpc>
+                <a:spcPct val="90000"/>
+              </a:lnSpc>
+              <a:spcBef>
+                <a:spcPts val="500"/>
+              </a:spcBef>
+              <a:buFont typeface="Arial" panose="020B0604020202020204" pitchFamily="34" charset="0"/>
+              <a:buChar char="•"/>
+              <a:defRPr sz="1800" kern="1200">
+                <a:solidFill>
+                  <a:schemeClr val="tx1"/>
+                </a:solidFill>
+                <a:latin typeface="+mn-lt"/>
+                <a:ea typeface="+mn-ea"/>
+                <a:cs typeface="+mn-cs"/>
+              </a:defRPr>
+            </a:lvl4pPr>
+            <a:lvl5pPr marL="2057400" indent="-228600" algn="l" defTabSz="914400" rtl="0" eaLnBrk="1" latinLnBrk="0" hangingPunct="1">
+              <a:lnSpc>
+                <a:spcPct val="90000"/>
+              </a:lnSpc>
+              <a:spcBef>
+                <a:spcPts val="500"/>
+              </a:spcBef>
+              <a:buFont typeface="Arial" panose="020B0604020202020204" pitchFamily="34" charset="0"/>
+              <a:buChar char="•"/>
+              <a:defRPr sz="1800" kern="1200">
+                <a:solidFill>
+                  <a:schemeClr val="tx1"/>
+                </a:solidFill>
+                <a:latin typeface="+mn-lt"/>
+                <a:ea typeface="+mn-ea"/>
+                <a:cs typeface="+mn-cs"/>
+              </a:defRPr>
+            </a:lvl5pPr>
+            <a:lvl6pPr marL="2514600" indent="-228600" algn="l" defTabSz="914400" rtl="0" eaLnBrk="1" latinLnBrk="0" hangingPunct="1">
+              <a:lnSpc>
+                <a:spcPct val="90000"/>
+              </a:lnSpc>
+              <a:spcBef>
+                <a:spcPts val="500"/>
+              </a:spcBef>
+              <a:buFont typeface="Arial" panose="020B0604020202020204" pitchFamily="34" charset="0"/>
+              <a:buChar char="•"/>
+              <a:defRPr sz="1800" kern="1200">
+                <a:solidFill>
+                  <a:schemeClr val="tx1"/>
+                </a:solidFill>
+                <a:latin typeface="+mn-lt"/>
+                <a:ea typeface="+mn-ea"/>
+                <a:cs typeface="+mn-cs"/>
+              </a:defRPr>
+            </a:lvl6pPr>
+            <a:lvl7pPr marL="2971800" indent="-228600" algn="l" defTabSz="914400" rtl="0" eaLnBrk="1" latinLnBrk="0" hangingPunct="1">
+              <a:lnSpc>
+                <a:spcPct val="90000"/>
+              </a:lnSpc>
+              <a:spcBef>
+                <a:spcPts val="500"/>
+              </a:spcBef>
+              <a:buFont typeface="Arial" panose="020B0604020202020204" pitchFamily="34" charset="0"/>
+              <a:buChar char="•"/>
+              <a:defRPr sz="1800" kern="1200">
+                <a:solidFill>
+                  <a:schemeClr val="tx1"/>
+                </a:solidFill>
+                <a:latin typeface="+mn-lt"/>
+                <a:ea typeface="+mn-ea"/>
+                <a:cs typeface="+mn-cs"/>
+              </a:defRPr>
+            </a:lvl7pPr>
+            <a:lvl8pPr marL="3429000" indent="-228600" algn="l" defTabSz="914400" rtl="0" eaLnBrk="1" latinLnBrk="0" hangingPunct="1">
+              <a:lnSpc>
+                <a:spcPct val="90000"/>
+              </a:lnSpc>
+              <a:spcBef>
+                <a:spcPts val="500"/>
+              </a:spcBef>
+              <a:buFont typeface="Arial" panose="020B0604020202020204" pitchFamily="34" charset="0"/>
+              <a:buChar char="•"/>
+              <a:defRPr sz="1800" kern="1200">
+                <a:solidFill>
+                  <a:schemeClr val="tx1"/>
+                </a:solidFill>
+                <a:latin typeface="+mn-lt"/>
+                <a:ea typeface="+mn-ea"/>
+                <a:cs typeface="+mn-cs"/>
+              </a:defRPr>
+            </a:lvl8pPr>
+            <a:lvl9pPr marL="3886200" indent="-228600" algn="l" defTabSz="914400" rtl="0" eaLnBrk="1" latinLnBrk="0" hangingPunct="1">
+              <a:lnSpc>
+                <a:spcPct val="90000"/>
+              </a:lnSpc>
+              <a:spcBef>
+                <a:spcPts val="500"/>
+              </a:spcBef>
+              <a:buFont typeface="Arial" panose="020B0604020202020204" pitchFamily="34" charset="0"/>
+              <a:buChar char="•"/>
+              <a:defRPr sz="1800" kern="1200">
+                <a:solidFill>
+                  <a:schemeClr val="tx1"/>
+                </a:solidFill>
+                <a:latin typeface="+mn-lt"/>
+                <a:ea typeface="+mn-ea"/>
+                <a:cs typeface="+mn-cs"/>
+              </a:defRPr>
+            </a:lvl9pPr>
+          </a:lstStyle>
+          <a:p>
+            <a:r>
+              <a:rPr lang="es-ES" dirty="0"/>
+              <a:t>Docker permite crear contenedores de aplicaciones autocontenidos.</a:t>
+            </a:r>
+          </a:p>
+          <a:p>
+            <a:r>
+              <a:rPr lang="es-ES" dirty="0"/>
+              <a:t>Descargar Docker Desktop para poder trabajar desde Windows en local.</a:t>
+            </a:r>
+          </a:p>
+          <a:p>
+            <a:r>
+              <a:rPr lang="es-ES" dirty="0"/>
+              <a:t>Existe la posibilidad de trabajar en remoto desde un </a:t>
+            </a:r>
+            <a:r>
+              <a:rPr lang="es-ES" dirty="0" err="1"/>
+              <a:t>cluster</a:t>
+            </a:r>
+            <a:r>
+              <a:rPr lang="es-ES" dirty="0"/>
+              <a:t> de Google Cloud.</a:t>
+            </a:r>
           </a:p>
         </p:txBody>
       </p:sp>
     </p:spTree>
     <p:extLst>
       <p:ext uri="{BB962C8B-B14F-4D97-AF65-F5344CB8AC3E}">
-        <p14:creationId xmlns:p14="http://schemas.microsoft.com/office/powerpoint/2010/main" val="3301289630"/>
+        <p14:creationId xmlns:p14="http://schemas.microsoft.com/office/powerpoint/2010/main" val="2486503768"/>
+      </p:ext>
+    </p:extLst>
+  </p:cSld>
+  <p:clrMapOvr>
+    <a:masterClrMapping/>
+  </p:clrMapOvr>
+</p:sld>
+</file>
+
+<file path=ppt/slides/slide5.xml><?xml version="1.0" encoding="utf-8"?>
+<p:sld xmlns:a="http://schemas.openxmlformats.org/drawingml/2006/main" xmlns:r="http://schemas.openxmlformats.org/officeDocument/2006/relationships" xmlns:p="http://schemas.openxmlformats.org/presentationml/2006/main">
+  <p:cSld>
+    <p:spTree>
+      <p:nvGrpSpPr>
+        <p:cNvPr id="1" name=""/>
+        <p:cNvGrpSpPr/>
+        <p:nvPr/>
+      </p:nvGrpSpPr>
+      <p:grpSpPr>
+        <a:xfrm>
+          <a:off x="0" y="0"/>
+          <a:ext cx="0" cy="0"/>
+          <a:chOff x="0" y="0"/>
+          <a:chExt cx="0" cy="0"/>
+        </a:xfrm>
+      </p:grpSpPr>
+      <p:pic>
+        <p:nvPicPr>
+          <p:cNvPr id="4" name="Picture 2" descr="GitHub Key Features Now Free For All Users - Somag News">
+            <a:extLst>
+              <a:ext uri="{FF2B5EF4-FFF2-40B4-BE49-F238E27FC236}">
+                <a16:creationId xmlns:a16="http://schemas.microsoft.com/office/drawing/2014/main" id="{FD75182C-AC56-4859-95F6-E710AF1D1728}"/>
+              </a:ext>
+            </a:extLst>
+          </p:cNvPr>
+          <p:cNvPicPr>
+            <a:picLocks noChangeAspect="1" noChangeArrowheads="1"/>
+          </p:cNvPicPr>
+          <p:nvPr/>
+        </p:nvPicPr>
+        <p:blipFill>
+          <a:blip r:embed="rId2">
+            <a:extLst>
+              <a:ext uri="{28A0092B-C50C-407E-A947-70E740481C1C}">
+                <a14:useLocalDpi xmlns:a14="http://schemas.microsoft.com/office/drawing/2010/main" val="0"/>
+              </a:ext>
+            </a:extLst>
+          </a:blip>
+          <a:srcRect/>
+          <a:stretch>
+            <a:fillRect/>
+          </a:stretch>
+        </p:blipFill>
+        <p:spPr bwMode="auto">
+          <a:xfrm>
+            <a:off x="4609031" y="242139"/>
+            <a:ext cx="1897786" cy="1047873"/>
+          </a:xfrm>
+          <a:prstGeom prst="rect">
+            <a:avLst/>
+          </a:prstGeom>
+          <a:noFill/>
+          <a:extLst>
+            <a:ext uri="{909E8E84-426E-40DD-AFC4-6F175D3DCCD1}">
+              <a14:hiddenFill xmlns:a14="http://schemas.microsoft.com/office/drawing/2010/main">
+                <a:solidFill>
+                  <a:srgbClr val="FFFFFF"/>
+                </a:solidFill>
+              </a14:hiddenFill>
+            </a:ext>
+          </a:extLst>
+        </p:spPr>
+      </p:pic>
+      <p:sp>
+        <p:nvSpPr>
+          <p:cNvPr id="5" name="Marcador de contenido 2">
+            <a:extLst>
+              <a:ext uri="{FF2B5EF4-FFF2-40B4-BE49-F238E27FC236}">
+                <a16:creationId xmlns:a16="http://schemas.microsoft.com/office/drawing/2014/main" id="{87EDB435-03CB-4719-955E-9F74DAA1DEB7}"/>
+              </a:ext>
+            </a:extLst>
+          </p:cNvPr>
+          <p:cNvSpPr>
+            <a:spLocks noGrp="1"/>
+          </p:cNvSpPr>
+          <p:nvPr>
+            <p:ph idx="1"/>
+          </p:nvPr>
+        </p:nvSpPr>
+        <p:spPr>
+          <a:xfrm>
+            <a:off x="902804" y="1455873"/>
+            <a:ext cx="10386391" cy="1566932"/>
+          </a:xfrm>
+        </p:spPr>
+        <p:txBody>
+          <a:bodyPr/>
+          <a:lstStyle/>
+          <a:p>
+            <a:r>
+              <a:rPr lang="es-ES" dirty="0"/>
+              <a:t>Repositorio para control de versiones.</a:t>
+            </a:r>
+          </a:p>
+          <a:p>
+            <a:r>
+              <a:rPr lang="es-ES" dirty="0"/>
+              <a:t>Descargar GitHub Desktop para trabajar en local y acceder al repositorio remoto.</a:t>
+            </a:r>
+          </a:p>
+        </p:txBody>
+      </p:sp>
+    </p:spTree>
+    <p:extLst>
+      <p:ext uri="{BB962C8B-B14F-4D97-AF65-F5344CB8AC3E}">
+        <p14:creationId xmlns:p14="http://schemas.microsoft.com/office/powerpoint/2010/main" val="1422835843"/>
       </p:ext>
     </p:extLst>
   </p:cSld>

--- a/TFM.pptx
+++ b/TFM.pptx
@@ -3388,6 +3388,9 @@
           </a:bodyPr>
           <a:lstStyle/>
           <a:p>
+            <a:pPr marL="0" indent="0">
+              <a:buNone/>
+            </a:pPr>
             <a:r>
               <a:rPr lang="es-ES" dirty="0">
                 <a:latin typeface="LM Roman 10" panose="00000500000000000000" pitchFamily="50" charset="0"/>
@@ -3623,36 +3626,46 @@
           <a:bodyPr/>
           <a:lstStyle/>
           <a:p>
+            <a:pPr marL="514350" indent="-514350">
+              <a:buFont typeface="+mj-lt"/>
+              <a:buAutoNum type="arabicPeriod"/>
+            </a:pPr>
             <a:r>
               <a:rPr lang="es-ES" dirty="0">
                 <a:latin typeface="LM Roman 10" panose="00000500000000000000" pitchFamily="50" charset="0"/>
               </a:rPr>
-              <a:t>1) Introducción</a:t>
-            </a:r>
-          </a:p>
-          <a:p>
+              <a:t>Introducción</a:t>
+            </a:r>
+          </a:p>
+          <a:p>
+            <a:pPr marL="514350" indent="-514350">
+              <a:buFont typeface="+mj-lt"/>
+              <a:buAutoNum type="arabicPeriod"/>
+            </a:pPr>
             <a:r>
               <a:rPr lang="es-ES" dirty="0">
                 <a:latin typeface="LM Roman 10" panose="00000500000000000000" pitchFamily="50" charset="0"/>
               </a:rPr>
-              <a:t>2) Análisis Fase EDA</a:t>
-            </a:r>
-          </a:p>
-          <a:p>
+              <a:t>Análisis Fase EDA</a:t>
+            </a:r>
+          </a:p>
+          <a:p>
+            <a:pPr marL="514350" indent="-514350">
+              <a:buFont typeface="+mj-lt"/>
+              <a:buAutoNum type="arabicPeriod"/>
+            </a:pPr>
             <a:r>
               <a:rPr lang="es-ES" dirty="0">
                 <a:latin typeface="LM Roman 10" panose="00000500000000000000" pitchFamily="50" charset="0"/>
               </a:rPr>
-              <a:t>3) Modelos de predicción (ML)</a:t>
-            </a:r>
-          </a:p>
-          <a:p>
-            <a:r>
-              <a:rPr lang="es-ES" dirty="0">
-                <a:latin typeface="LM Roman 10" panose="00000500000000000000" pitchFamily="50" charset="0"/>
-              </a:rPr>
-              <a:t>4) </a:t>
-            </a:r>
+              <a:t>Modelos de predicción (ML)</a:t>
+            </a:r>
+          </a:p>
+          <a:p>
+            <a:pPr marL="514350" indent="-514350">
+              <a:buFont typeface="+mj-lt"/>
+              <a:buAutoNum type="arabicPeriod"/>
+            </a:pPr>
             <a:r>
               <a:rPr lang="es-ES" dirty="0" err="1">
                 <a:latin typeface="LM Roman 10" panose="00000500000000000000" pitchFamily="50" charset="0"/>
@@ -3667,11 +3680,15 @@
             </a:r>
           </a:p>
           <a:p>
+            <a:pPr marL="514350" indent="-514350">
+              <a:buFont typeface="+mj-lt"/>
+              <a:buAutoNum type="arabicPeriod"/>
+            </a:pPr>
             <a:r>
               <a:rPr lang="es-ES" dirty="0">
                 <a:latin typeface="LM Roman 10" panose="00000500000000000000" pitchFamily="50" charset="0"/>
               </a:rPr>
-              <a:t>5) Conclusiones</a:t>
+              <a:t>Conclusiones</a:t>
             </a:r>
           </a:p>
         </p:txBody>
@@ -4328,36 +4345,50 @@
         </p:spPr>
         <p:txBody>
           <a:bodyPr>
-            <a:normAutofit fontScale="92500" lnSpcReduction="10000"/>
+            <a:normAutofit fontScale="92500" lnSpcReduction="20000"/>
           </a:bodyPr>
           <a:lstStyle/>
           <a:p>
             <a:r>
-              <a:rPr lang="es-ES" dirty="0"/>
+              <a:rPr lang="es-ES" dirty="0">
+                <a:latin typeface="LM Roman 10" panose="00000500000000000000" pitchFamily="50" charset="0"/>
+              </a:rPr>
               <a:t>Google Cloud se pueden usar para generar </a:t>
             </a:r>
             <a:r>
-              <a:rPr lang="es-ES" dirty="0" err="1"/>
+              <a:rPr lang="es-ES" dirty="0" err="1">
+                <a:latin typeface="LM Roman 10" panose="00000500000000000000" pitchFamily="50" charset="0"/>
+              </a:rPr>
               <a:t>clusters</a:t>
             </a:r>
             <a:r>
-              <a:rPr lang="es-ES" dirty="0"/>
+              <a:rPr lang="es-ES" dirty="0">
+                <a:latin typeface="LM Roman 10" panose="00000500000000000000" pitchFamily="50" charset="0"/>
+              </a:rPr>
               <a:t>, pero también para lanzar servicios Docker directamente (Cloud Run) con imágenes generadas en local y subidas a Google Cloud </a:t>
             </a:r>
             <a:r>
-              <a:rPr lang="es-ES" dirty="0" err="1"/>
+              <a:rPr lang="es-ES" dirty="0" err="1">
+                <a:latin typeface="LM Roman 10" panose="00000500000000000000" pitchFamily="50" charset="0"/>
+              </a:rPr>
               <a:t>Platform’s</a:t>
             </a:r>
             <a:r>
-              <a:rPr lang="es-ES" dirty="0"/>
+              <a:rPr lang="es-ES" dirty="0">
+                <a:latin typeface="LM Roman 10" panose="00000500000000000000" pitchFamily="50" charset="0"/>
+              </a:rPr>
               <a:t> Container </a:t>
             </a:r>
             <a:r>
-              <a:rPr lang="es-ES" dirty="0" err="1"/>
+              <a:rPr lang="es-ES" dirty="0" err="1">
+                <a:latin typeface="LM Roman 10" panose="00000500000000000000" pitchFamily="50" charset="0"/>
+              </a:rPr>
               <a:t>Repository</a:t>
             </a:r>
             <a:r>
-              <a:rPr lang="es-ES" dirty="0"/>
+              <a:rPr lang="es-ES" dirty="0">
+                <a:latin typeface="LM Roman 10" panose="00000500000000000000" pitchFamily="50" charset="0"/>
+              </a:rPr>
               <a:t>.</a:t>
             </a:r>
           </a:p>
@@ -4366,13 +4397,17 @@
               <a:buNone/>
             </a:pPr>
             <a:r>
-              <a:rPr lang="es-ES" dirty="0"/>
+              <a:rPr lang="es-ES" dirty="0">
+                <a:latin typeface="LM Roman 10" panose="00000500000000000000" pitchFamily="50" charset="0"/>
+              </a:rPr>
               <a:t>(https://towardsdatascience.com/how-to-deploy-docker-containers-to-the-cloud-b4d89b2c6c31)</a:t>
             </a:r>
           </a:p>
           <a:p>
             <a:r>
-              <a:rPr lang="es-ES" dirty="0"/>
+              <a:rPr lang="es-ES" dirty="0">
+                <a:latin typeface="LM Roman 10" panose="00000500000000000000" pitchFamily="50" charset="0"/>
+              </a:rPr>
               <a:t>Descargar Google Cloud SDK para poder trabajar desde consola</a:t>
             </a:r>
           </a:p>
@@ -4486,7 +4521,7 @@
         </p:nvSpPr>
         <p:spPr>
           <a:xfrm>
-            <a:off x="902804" y="4790242"/>
+            <a:off x="704022" y="4678639"/>
             <a:ext cx="10386391" cy="2010879"/>
           </a:xfrm>
           <a:prstGeom prst="rect">
@@ -4495,7 +4530,7 @@
         </p:spPr>
         <p:txBody>
           <a:bodyPr vert="horz" lIns="91440" tIns="45720" rIns="91440" bIns="45720" rtlCol="0">
-            <a:normAutofit fontScale="92500"/>
+            <a:normAutofit fontScale="92500" lnSpcReduction="10000"/>
           </a:bodyPr>
           <a:lstStyle>
             <a:lvl1pPr marL="228600" indent="-228600" algn="l" defTabSz="914400" rtl="0" eaLnBrk="1" latinLnBrk="0" hangingPunct="1">
@@ -4663,27 +4698,37 @@
           </a:lstStyle>
           <a:p>
             <a:r>
-              <a:rPr lang="es-ES" dirty="0"/>
+              <a:rPr lang="es-ES" dirty="0">
+                <a:latin typeface="LM Roman 10" panose="00000500000000000000" pitchFamily="50" charset="0"/>
+              </a:rPr>
               <a:t>Docker permite crear contenedores de aplicaciones autocontenidos.</a:t>
             </a:r>
           </a:p>
           <a:p>
             <a:r>
-              <a:rPr lang="es-ES" dirty="0"/>
+              <a:rPr lang="es-ES" dirty="0">
+                <a:latin typeface="LM Roman 10" panose="00000500000000000000" pitchFamily="50" charset="0"/>
+              </a:rPr>
               <a:t>Descargar Docker Desktop para poder trabajar desde Windows en local.</a:t>
             </a:r>
           </a:p>
           <a:p>
             <a:r>
-              <a:rPr lang="es-ES" dirty="0"/>
+              <a:rPr lang="es-ES" dirty="0">
+                <a:latin typeface="LM Roman 10" panose="00000500000000000000" pitchFamily="50" charset="0"/>
+              </a:rPr>
               <a:t>Existe la posibilidad de trabajar en remoto desde un </a:t>
             </a:r>
             <a:r>
-              <a:rPr lang="es-ES" dirty="0" err="1"/>
+              <a:rPr lang="es-ES" dirty="0" err="1">
+                <a:latin typeface="LM Roman 10" panose="00000500000000000000" pitchFamily="50" charset="0"/>
+              </a:rPr>
               <a:t>cluster</a:t>
             </a:r>
             <a:r>
-              <a:rPr lang="es-ES" dirty="0"/>
+              <a:rPr lang="es-ES" dirty="0">
+                <a:latin typeface="LM Roman 10" panose="00000500000000000000" pitchFamily="50" charset="0"/>
+              </a:rPr>
               <a:t> de Google Cloud.</a:t>
             </a:r>
           </a:p>
@@ -4793,13 +4838,17 @@
           <a:lstStyle/>
           <a:p>
             <a:r>
-              <a:rPr lang="es-ES" dirty="0"/>
+              <a:rPr lang="es-ES" dirty="0">
+                <a:latin typeface="LM Roman 10" panose="00000500000000000000" pitchFamily="50" charset="0"/>
+              </a:rPr>
               <a:t>Repositorio para control de versiones.</a:t>
             </a:r>
           </a:p>
           <a:p>
             <a:r>
-              <a:rPr lang="es-ES" dirty="0"/>
+              <a:rPr lang="es-ES" dirty="0">
+                <a:latin typeface="LM Roman 10" panose="00000500000000000000" pitchFamily="50" charset="0"/>
+              </a:rPr>
               <a:t>Descargar GitHub Desktop para trabajar en local y acceder al repositorio remoto.</a:t>
             </a:r>
           </a:p>

--- a/TFM.pptx
+++ b/TFM.pptx
@@ -4,12 +4,18 @@
   <p:sldMasterIdLst>
     <p:sldMasterId id="2147483648" r:id="rId1"/>
   </p:sldMasterIdLst>
+  <p:notesMasterIdLst>
+    <p:notesMasterId r:id="rId10"/>
+  </p:notesMasterIdLst>
   <p:sldIdLst>
     <p:sldId id="260" r:id="rId2"/>
     <p:sldId id="259" r:id="rId3"/>
     <p:sldId id="256" r:id="rId4"/>
     <p:sldId id="258" r:id="rId5"/>
     <p:sldId id="261" r:id="rId6"/>
+    <p:sldId id="264" r:id="rId7"/>
+    <p:sldId id="265" r:id="rId8"/>
+    <p:sldId id="266" r:id="rId9"/>
   </p:sldIdLst>
   <p:sldSz cx="12192000" cy="6858000"/>
   <p:notesSz cx="6858000" cy="9144000"/>
@@ -110,10 +116,360 @@
   </p:defaultTextStyle>
   <p:extLst>
     <p:ext uri="{EFAFB233-063F-42B5-8137-9DF3F51BA10A}">
-      <p15:sldGuideLst xmlns:p15="http://schemas.microsoft.com/office/powerpoint/2012/main"/>
+      <p15:sldGuideLst xmlns="" xmlns:p15="http://schemas.microsoft.com/office/powerpoint/2012/main"/>
     </p:ext>
   </p:extLst>
 </p:presentation>
+</file>
+
+<file path=ppt/notesMasters/notesMaster1.xml><?xml version="1.0" encoding="utf-8"?>
+<p:notesMaster xmlns:a="http://schemas.openxmlformats.org/drawingml/2006/main" xmlns:r="http://schemas.openxmlformats.org/officeDocument/2006/relationships" xmlns:p="http://schemas.openxmlformats.org/presentationml/2006/main">
+  <p:cSld>
+    <p:bg>
+      <p:bgRef idx="1001">
+        <a:schemeClr val="bg1"/>
+      </p:bgRef>
+    </p:bg>
+    <p:spTree>
+      <p:nvGrpSpPr>
+        <p:cNvPr id="1" name=""/>
+        <p:cNvGrpSpPr/>
+        <p:nvPr/>
+      </p:nvGrpSpPr>
+      <p:grpSpPr>
+        <a:xfrm>
+          <a:off x="0" y="0"/>
+          <a:ext cx="0" cy="0"/>
+          <a:chOff x="0" y="0"/>
+          <a:chExt cx="0" cy="0"/>
+        </a:xfrm>
+      </p:grpSpPr>
+      <p:sp>
+        <p:nvSpPr>
+          <p:cNvPr id="2" name="1 Marcador de encabezado"/>
+          <p:cNvSpPr>
+            <a:spLocks noGrp="1"/>
+          </p:cNvSpPr>
+          <p:nvPr>
+            <p:ph type="hdr" sz="quarter"/>
+          </p:nvPr>
+        </p:nvSpPr>
+        <p:spPr>
+          <a:xfrm>
+            <a:off x="0" y="0"/>
+            <a:ext cx="2971800" cy="457200"/>
+          </a:xfrm>
+          <a:prstGeom prst="rect">
+            <a:avLst/>
+          </a:prstGeom>
+        </p:spPr>
+        <p:txBody>
+          <a:bodyPr vert="horz" lIns="91440" tIns="45720" rIns="91440" bIns="45720" rtlCol="0"/>
+          <a:lstStyle>
+            <a:lvl1pPr algn="l">
+              <a:defRPr sz="1200"/>
+            </a:lvl1pPr>
+          </a:lstStyle>
+          <a:p>
+            <a:endParaRPr lang="es-ES"/>
+          </a:p>
+        </p:txBody>
+      </p:sp>
+      <p:sp>
+        <p:nvSpPr>
+          <p:cNvPr id="3" name="2 Marcador de fecha"/>
+          <p:cNvSpPr>
+            <a:spLocks noGrp="1"/>
+          </p:cNvSpPr>
+          <p:nvPr>
+            <p:ph type="dt" idx="1"/>
+          </p:nvPr>
+        </p:nvSpPr>
+        <p:spPr>
+          <a:xfrm>
+            <a:off x="3884613" y="0"/>
+            <a:ext cx="2971800" cy="457200"/>
+          </a:xfrm>
+          <a:prstGeom prst="rect">
+            <a:avLst/>
+          </a:prstGeom>
+        </p:spPr>
+        <p:txBody>
+          <a:bodyPr vert="horz" lIns="91440" tIns="45720" rIns="91440" bIns="45720" rtlCol="0"/>
+          <a:lstStyle>
+            <a:lvl1pPr algn="r">
+              <a:defRPr sz="1200"/>
+            </a:lvl1pPr>
+          </a:lstStyle>
+          <a:p>
+            <a:fld id="{E10FAA90-B46C-4393-B4FE-662FE20AAC35}" type="datetimeFigureOut">
+              <a:rPr lang="es-ES" smtClean="0"/>
+              <a:t>04/12/2020</a:t>
+            </a:fld>
+            <a:endParaRPr lang="es-ES"/>
+          </a:p>
+        </p:txBody>
+      </p:sp>
+      <p:sp>
+        <p:nvSpPr>
+          <p:cNvPr id="4" name="3 Marcador de imagen de diapositiva"/>
+          <p:cNvSpPr>
+            <a:spLocks noGrp="1" noRot="1" noChangeAspect="1"/>
+          </p:cNvSpPr>
+          <p:nvPr>
+            <p:ph type="sldImg" idx="2"/>
+          </p:nvPr>
+        </p:nvSpPr>
+        <p:spPr>
+          <a:xfrm>
+            <a:off x="381000" y="685800"/>
+            <a:ext cx="6096000" cy="3429000"/>
+          </a:xfrm>
+          <a:prstGeom prst="rect">
+            <a:avLst/>
+          </a:prstGeom>
+          <a:noFill/>
+          <a:ln w="12700">
+            <a:solidFill>
+              <a:prstClr val="black"/>
+            </a:solidFill>
+          </a:ln>
+        </p:spPr>
+        <p:txBody>
+          <a:bodyPr vert="horz" lIns="91440" tIns="45720" rIns="91440" bIns="45720" rtlCol="0" anchor="ctr"/>
+          <a:lstStyle/>
+          <a:p>
+            <a:endParaRPr lang="es-ES"/>
+          </a:p>
+        </p:txBody>
+      </p:sp>
+      <p:sp>
+        <p:nvSpPr>
+          <p:cNvPr id="5" name="4 Marcador de notas"/>
+          <p:cNvSpPr>
+            <a:spLocks noGrp="1"/>
+          </p:cNvSpPr>
+          <p:nvPr>
+            <p:ph type="body" sz="quarter" idx="3"/>
+          </p:nvPr>
+        </p:nvSpPr>
+        <p:spPr>
+          <a:xfrm>
+            <a:off x="685800" y="4343400"/>
+            <a:ext cx="5486400" cy="4114800"/>
+          </a:xfrm>
+          <a:prstGeom prst="rect">
+            <a:avLst/>
+          </a:prstGeom>
+        </p:spPr>
+        <p:txBody>
+          <a:bodyPr vert="horz" lIns="91440" tIns="45720" rIns="91440" bIns="45720" rtlCol="0"/>
+          <a:lstStyle/>
+          <a:p>
+            <a:pPr lvl="0"/>
+            <a:r>
+              <a:rPr lang="es-ES" smtClean="0"/>
+              <a:t>Haga clic para modificar el estilo de texto del patrón</a:t>
+            </a:r>
+          </a:p>
+          <a:p>
+            <a:pPr lvl="1"/>
+            <a:r>
+              <a:rPr lang="es-ES" smtClean="0"/>
+              <a:t>Segundo nivel</a:t>
+            </a:r>
+          </a:p>
+          <a:p>
+            <a:pPr lvl="2"/>
+            <a:r>
+              <a:rPr lang="es-ES" smtClean="0"/>
+              <a:t>Tercer nivel</a:t>
+            </a:r>
+          </a:p>
+          <a:p>
+            <a:pPr lvl="3"/>
+            <a:r>
+              <a:rPr lang="es-ES" smtClean="0"/>
+              <a:t>Cuarto nivel</a:t>
+            </a:r>
+          </a:p>
+          <a:p>
+            <a:pPr lvl="4"/>
+            <a:r>
+              <a:rPr lang="es-ES" smtClean="0"/>
+              <a:t>Quinto nivel</a:t>
+            </a:r>
+            <a:endParaRPr lang="es-ES"/>
+          </a:p>
+        </p:txBody>
+      </p:sp>
+      <p:sp>
+        <p:nvSpPr>
+          <p:cNvPr id="6" name="5 Marcador de pie de página"/>
+          <p:cNvSpPr>
+            <a:spLocks noGrp="1"/>
+          </p:cNvSpPr>
+          <p:nvPr>
+            <p:ph type="ftr" sz="quarter" idx="4"/>
+          </p:nvPr>
+        </p:nvSpPr>
+        <p:spPr>
+          <a:xfrm>
+            <a:off x="0" y="8685213"/>
+            <a:ext cx="2971800" cy="457200"/>
+          </a:xfrm>
+          <a:prstGeom prst="rect">
+            <a:avLst/>
+          </a:prstGeom>
+        </p:spPr>
+        <p:txBody>
+          <a:bodyPr vert="horz" lIns="91440" tIns="45720" rIns="91440" bIns="45720" rtlCol="0" anchor="b"/>
+          <a:lstStyle>
+            <a:lvl1pPr algn="l">
+              <a:defRPr sz="1200"/>
+            </a:lvl1pPr>
+          </a:lstStyle>
+          <a:p>
+            <a:endParaRPr lang="es-ES"/>
+          </a:p>
+        </p:txBody>
+      </p:sp>
+      <p:sp>
+        <p:nvSpPr>
+          <p:cNvPr id="7" name="6 Marcador de número de diapositiva"/>
+          <p:cNvSpPr>
+            <a:spLocks noGrp="1"/>
+          </p:cNvSpPr>
+          <p:nvPr>
+            <p:ph type="sldNum" sz="quarter" idx="5"/>
+          </p:nvPr>
+        </p:nvSpPr>
+        <p:spPr>
+          <a:xfrm>
+            <a:off x="3884613" y="8685213"/>
+            <a:ext cx="2971800" cy="457200"/>
+          </a:xfrm>
+          <a:prstGeom prst="rect">
+            <a:avLst/>
+          </a:prstGeom>
+        </p:spPr>
+        <p:txBody>
+          <a:bodyPr vert="horz" lIns="91440" tIns="45720" rIns="91440" bIns="45720" rtlCol="0" anchor="b"/>
+          <a:lstStyle>
+            <a:lvl1pPr algn="r">
+              <a:defRPr sz="1200"/>
+            </a:lvl1pPr>
+          </a:lstStyle>
+          <a:p>
+            <a:fld id="{96CBA72B-09EA-4240-8576-CA1A0F98D4F8}" type="slidenum">
+              <a:rPr lang="es-ES" smtClean="0"/>
+              <a:t>‹Nº›</a:t>
+            </a:fld>
+            <a:endParaRPr lang="es-ES"/>
+          </a:p>
+        </p:txBody>
+      </p:sp>
+    </p:spTree>
+    <p:extLst>
+      <p:ext uri="{BB962C8B-B14F-4D97-AF65-F5344CB8AC3E}">
+        <p14:creationId xmlns:p14="http://schemas.microsoft.com/office/powerpoint/2010/main" val="1548816978"/>
+      </p:ext>
+    </p:extLst>
+  </p:cSld>
+  <p:clrMap bg1="lt1" tx1="dk1" bg2="lt2" tx2="dk2" accent1="accent1" accent2="accent2" accent3="accent3" accent4="accent4" accent5="accent5" accent6="accent6" hlink="hlink" folHlink="folHlink"/>
+  <p:notesStyle>
+    <a:lvl1pPr marL="0" algn="l" defTabSz="914400" rtl="0" eaLnBrk="1" latinLnBrk="0" hangingPunct="1">
+      <a:defRPr sz="1200" kern="1200">
+        <a:solidFill>
+          <a:schemeClr val="tx1"/>
+        </a:solidFill>
+        <a:latin typeface="+mn-lt"/>
+        <a:ea typeface="+mn-ea"/>
+        <a:cs typeface="+mn-cs"/>
+      </a:defRPr>
+    </a:lvl1pPr>
+    <a:lvl2pPr marL="457200" algn="l" defTabSz="914400" rtl="0" eaLnBrk="1" latinLnBrk="0" hangingPunct="1">
+      <a:defRPr sz="1200" kern="1200">
+        <a:solidFill>
+          <a:schemeClr val="tx1"/>
+        </a:solidFill>
+        <a:latin typeface="+mn-lt"/>
+        <a:ea typeface="+mn-ea"/>
+        <a:cs typeface="+mn-cs"/>
+      </a:defRPr>
+    </a:lvl2pPr>
+    <a:lvl3pPr marL="914400" algn="l" defTabSz="914400" rtl="0" eaLnBrk="1" latinLnBrk="0" hangingPunct="1">
+      <a:defRPr sz="1200" kern="1200">
+        <a:solidFill>
+          <a:schemeClr val="tx1"/>
+        </a:solidFill>
+        <a:latin typeface="+mn-lt"/>
+        <a:ea typeface="+mn-ea"/>
+        <a:cs typeface="+mn-cs"/>
+      </a:defRPr>
+    </a:lvl3pPr>
+    <a:lvl4pPr marL="1371600" algn="l" defTabSz="914400" rtl="0" eaLnBrk="1" latinLnBrk="0" hangingPunct="1">
+      <a:defRPr sz="1200" kern="1200">
+        <a:solidFill>
+          <a:schemeClr val="tx1"/>
+        </a:solidFill>
+        <a:latin typeface="+mn-lt"/>
+        <a:ea typeface="+mn-ea"/>
+        <a:cs typeface="+mn-cs"/>
+      </a:defRPr>
+    </a:lvl4pPr>
+    <a:lvl5pPr marL="1828800" algn="l" defTabSz="914400" rtl="0" eaLnBrk="1" latinLnBrk="0" hangingPunct="1">
+      <a:defRPr sz="1200" kern="1200">
+        <a:solidFill>
+          <a:schemeClr val="tx1"/>
+        </a:solidFill>
+        <a:latin typeface="+mn-lt"/>
+        <a:ea typeface="+mn-ea"/>
+        <a:cs typeface="+mn-cs"/>
+      </a:defRPr>
+    </a:lvl5pPr>
+    <a:lvl6pPr marL="2286000" algn="l" defTabSz="914400" rtl="0" eaLnBrk="1" latinLnBrk="0" hangingPunct="1">
+      <a:defRPr sz="1200" kern="1200">
+        <a:solidFill>
+          <a:schemeClr val="tx1"/>
+        </a:solidFill>
+        <a:latin typeface="+mn-lt"/>
+        <a:ea typeface="+mn-ea"/>
+        <a:cs typeface="+mn-cs"/>
+      </a:defRPr>
+    </a:lvl6pPr>
+    <a:lvl7pPr marL="2743200" algn="l" defTabSz="914400" rtl="0" eaLnBrk="1" latinLnBrk="0" hangingPunct="1">
+      <a:defRPr sz="1200" kern="1200">
+        <a:solidFill>
+          <a:schemeClr val="tx1"/>
+        </a:solidFill>
+        <a:latin typeface="+mn-lt"/>
+        <a:ea typeface="+mn-ea"/>
+        <a:cs typeface="+mn-cs"/>
+      </a:defRPr>
+    </a:lvl7pPr>
+    <a:lvl8pPr marL="3200400" algn="l" defTabSz="914400" rtl="0" eaLnBrk="1" latinLnBrk="0" hangingPunct="1">
+      <a:defRPr sz="1200" kern="1200">
+        <a:solidFill>
+          <a:schemeClr val="tx1"/>
+        </a:solidFill>
+        <a:latin typeface="+mn-lt"/>
+        <a:ea typeface="+mn-ea"/>
+        <a:cs typeface="+mn-cs"/>
+      </a:defRPr>
+    </a:lvl8pPr>
+    <a:lvl9pPr marL="3657600" algn="l" defTabSz="914400" rtl="0" eaLnBrk="1" latinLnBrk="0" hangingPunct="1">
+      <a:defRPr sz="1200" kern="1200">
+        <a:solidFill>
+          <a:schemeClr val="tx1"/>
+        </a:solidFill>
+        <a:latin typeface="+mn-lt"/>
+        <a:ea typeface="+mn-ea"/>
+        <a:cs typeface="+mn-cs"/>
+      </a:defRPr>
+    </a:lvl9pPr>
+  </p:notesStyle>
+</p:notesMaster>
 </file>
 
 <file path=ppt/slideLayouts/slideLayout1.xml><?xml version="1.0" encoding="utf-8"?>
@@ -138,7 +494,7 @@
           <p:cNvPr id="2" name="Título 1">
             <a:extLst>
               <a:ext uri="{FF2B5EF4-FFF2-40B4-BE49-F238E27FC236}">
-                <a16:creationId xmlns:a16="http://schemas.microsoft.com/office/drawing/2014/main" id="{42F87B88-98AD-42E4-B750-E7427C2E05A8}"/>
+                <a16:creationId xmlns="" xmlns:a16="http://schemas.microsoft.com/office/drawing/2014/main" id="{42F87B88-98AD-42E4-B750-E7427C2E05A8}"/>
               </a:ext>
             </a:extLst>
           </p:cNvPr>
@@ -175,7 +531,7 @@
           <p:cNvPr id="3" name="Subtítulo 2">
             <a:extLst>
               <a:ext uri="{FF2B5EF4-FFF2-40B4-BE49-F238E27FC236}">
-                <a16:creationId xmlns:a16="http://schemas.microsoft.com/office/drawing/2014/main" id="{7839AD9F-0468-4BCF-BF63-0CA547BF5EA8}"/>
+                <a16:creationId xmlns="" xmlns:a16="http://schemas.microsoft.com/office/drawing/2014/main" id="{7839AD9F-0468-4BCF-BF63-0CA547BF5EA8}"/>
               </a:ext>
             </a:extLst>
           </p:cNvPr>
@@ -245,7 +601,7 @@
           <p:cNvPr id="4" name="Marcador de fecha 3">
             <a:extLst>
               <a:ext uri="{FF2B5EF4-FFF2-40B4-BE49-F238E27FC236}">
-                <a16:creationId xmlns:a16="http://schemas.microsoft.com/office/drawing/2014/main" id="{F76ADA4B-6DA5-427E-B0F6-C056082E5EA2}"/>
+                <a16:creationId xmlns="" xmlns:a16="http://schemas.microsoft.com/office/drawing/2014/main" id="{F76ADA4B-6DA5-427E-B0F6-C056082E5EA2}"/>
               </a:ext>
             </a:extLst>
           </p:cNvPr>
@@ -263,7 +619,7 @@
           <a:p>
             <a:fld id="{34AF5FA5-E445-47AC-92B5-2312DCAE05A3}" type="datetimeFigureOut">
               <a:rPr lang="es-ES" smtClean="0"/>
-              <a:t>20/11/2020</a:t>
+              <a:t>04/12/2020</a:t>
             </a:fld>
             <a:endParaRPr lang="es-ES"/>
           </a:p>
@@ -274,7 +630,7 @@
           <p:cNvPr id="5" name="Marcador de pie de página 4">
             <a:extLst>
               <a:ext uri="{FF2B5EF4-FFF2-40B4-BE49-F238E27FC236}">
-                <a16:creationId xmlns:a16="http://schemas.microsoft.com/office/drawing/2014/main" id="{71C8BE63-CBE5-4334-AA2C-B18518E81613}"/>
+                <a16:creationId xmlns="" xmlns:a16="http://schemas.microsoft.com/office/drawing/2014/main" id="{71C8BE63-CBE5-4334-AA2C-B18518E81613}"/>
               </a:ext>
             </a:extLst>
           </p:cNvPr>
@@ -299,7 +655,7 @@
           <p:cNvPr id="6" name="Marcador de número de diapositiva 5">
             <a:extLst>
               <a:ext uri="{FF2B5EF4-FFF2-40B4-BE49-F238E27FC236}">
-                <a16:creationId xmlns:a16="http://schemas.microsoft.com/office/drawing/2014/main" id="{A8C83B13-A07C-4E12-9E03-052C9F685016}"/>
+                <a16:creationId xmlns="" xmlns:a16="http://schemas.microsoft.com/office/drawing/2014/main" id="{A8C83B13-A07C-4E12-9E03-052C9F685016}"/>
               </a:ext>
             </a:extLst>
           </p:cNvPr>
@@ -358,7 +714,7 @@
           <p:cNvPr id="2" name="Título 1">
             <a:extLst>
               <a:ext uri="{FF2B5EF4-FFF2-40B4-BE49-F238E27FC236}">
-                <a16:creationId xmlns:a16="http://schemas.microsoft.com/office/drawing/2014/main" id="{E7CE9400-22AC-4176-A3C7-E32B23D5063E}"/>
+                <a16:creationId xmlns="" xmlns:a16="http://schemas.microsoft.com/office/drawing/2014/main" id="{E7CE9400-22AC-4176-A3C7-E32B23D5063E}"/>
               </a:ext>
             </a:extLst>
           </p:cNvPr>
@@ -386,7 +742,7 @@
           <p:cNvPr id="3" name="Marcador de texto vertical 2">
             <a:extLst>
               <a:ext uri="{FF2B5EF4-FFF2-40B4-BE49-F238E27FC236}">
-                <a16:creationId xmlns:a16="http://schemas.microsoft.com/office/drawing/2014/main" id="{5C186AAC-EE32-47F3-A3F4-F28EFE2EB1F1}"/>
+                <a16:creationId xmlns="" xmlns:a16="http://schemas.microsoft.com/office/drawing/2014/main" id="{5C186AAC-EE32-47F3-A3F4-F28EFE2EB1F1}"/>
               </a:ext>
             </a:extLst>
           </p:cNvPr>
@@ -443,7 +799,7 @@
           <p:cNvPr id="4" name="Marcador de fecha 3">
             <a:extLst>
               <a:ext uri="{FF2B5EF4-FFF2-40B4-BE49-F238E27FC236}">
-                <a16:creationId xmlns:a16="http://schemas.microsoft.com/office/drawing/2014/main" id="{5F41AEFD-0638-40FE-8608-93C604A100ED}"/>
+                <a16:creationId xmlns="" xmlns:a16="http://schemas.microsoft.com/office/drawing/2014/main" id="{5F41AEFD-0638-40FE-8608-93C604A100ED}"/>
               </a:ext>
             </a:extLst>
           </p:cNvPr>
@@ -461,7 +817,7 @@
           <a:p>
             <a:fld id="{34AF5FA5-E445-47AC-92B5-2312DCAE05A3}" type="datetimeFigureOut">
               <a:rPr lang="es-ES" smtClean="0"/>
-              <a:t>20/11/2020</a:t>
+              <a:t>04/12/2020</a:t>
             </a:fld>
             <a:endParaRPr lang="es-ES"/>
           </a:p>
@@ -472,7 +828,7 @@
           <p:cNvPr id="5" name="Marcador de pie de página 4">
             <a:extLst>
               <a:ext uri="{FF2B5EF4-FFF2-40B4-BE49-F238E27FC236}">
-                <a16:creationId xmlns:a16="http://schemas.microsoft.com/office/drawing/2014/main" id="{71B777F5-C405-42EC-A082-055EF1B510EB}"/>
+                <a16:creationId xmlns="" xmlns:a16="http://schemas.microsoft.com/office/drawing/2014/main" id="{71B777F5-C405-42EC-A082-055EF1B510EB}"/>
               </a:ext>
             </a:extLst>
           </p:cNvPr>
@@ -497,7 +853,7 @@
           <p:cNvPr id="6" name="Marcador de número de diapositiva 5">
             <a:extLst>
               <a:ext uri="{FF2B5EF4-FFF2-40B4-BE49-F238E27FC236}">
-                <a16:creationId xmlns:a16="http://schemas.microsoft.com/office/drawing/2014/main" id="{64A79D95-051F-420E-BC6B-6968FCADAF50}"/>
+                <a16:creationId xmlns="" xmlns:a16="http://schemas.microsoft.com/office/drawing/2014/main" id="{64A79D95-051F-420E-BC6B-6968FCADAF50}"/>
               </a:ext>
             </a:extLst>
           </p:cNvPr>
@@ -556,7 +912,7 @@
           <p:cNvPr id="2" name="Título vertical 1">
             <a:extLst>
               <a:ext uri="{FF2B5EF4-FFF2-40B4-BE49-F238E27FC236}">
-                <a16:creationId xmlns:a16="http://schemas.microsoft.com/office/drawing/2014/main" id="{5485D769-AF55-4E9E-90F4-B3BE9E1A8984}"/>
+                <a16:creationId xmlns="" xmlns:a16="http://schemas.microsoft.com/office/drawing/2014/main" id="{5485D769-AF55-4E9E-90F4-B3BE9E1A8984}"/>
               </a:ext>
             </a:extLst>
           </p:cNvPr>
@@ -589,7 +945,7 @@
           <p:cNvPr id="3" name="Marcador de texto vertical 2">
             <a:extLst>
               <a:ext uri="{FF2B5EF4-FFF2-40B4-BE49-F238E27FC236}">
-                <a16:creationId xmlns:a16="http://schemas.microsoft.com/office/drawing/2014/main" id="{6666CCF3-DE6E-472E-9F19-0F9D29253512}"/>
+                <a16:creationId xmlns="" xmlns:a16="http://schemas.microsoft.com/office/drawing/2014/main" id="{6666CCF3-DE6E-472E-9F19-0F9D29253512}"/>
               </a:ext>
             </a:extLst>
           </p:cNvPr>
@@ -651,7 +1007,7 @@
           <p:cNvPr id="4" name="Marcador de fecha 3">
             <a:extLst>
               <a:ext uri="{FF2B5EF4-FFF2-40B4-BE49-F238E27FC236}">
-                <a16:creationId xmlns:a16="http://schemas.microsoft.com/office/drawing/2014/main" id="{FB932076-2DAA-43D5-A131-1FC41E294993}"/>
+                <a16:creationId xmlns="" xmlns:a16="http://schemas.microsoft.com/office/drawing/2014/main" id="{FB932076-2DAA-43D5-A131-1FC41E294993}"/>
               </a:ext>
             </a:extLst>
           </p:cNvPr>
@@ -669,7 +1025,7 @@
           <a:p>
             <a:fld id="{34AF5FA5-E445-47AC-92B5-2312DCAE05A3}" type="datetimeFigureOut">
               <a:rPr lang="es-ES" smtClean="0"/>
-              <a:t>20/11/2020</a:t>
+              <a:t>04/12/2020</a:t>
             </a:fld>
             <a:endParaRPr lang="es-ES"/>
           </a:p>
@@ -680,7 +1036,7 @@
           <p:cNvPr id="5" name="Marcador de pie de página 4">
             <a:extLst>
               <a:ext uri="{FF2B5EF4-FFF2-40B4-BE49-F238E27FC236}">
-                <a16:creationId xmlns:a16="http://schemas.microsoft.com/office/drawing/2014/main" id="{8304132D-2BD9-4D85-AFDF-6E135B0D5FEA}"/>
+                <a16:creationId xmlns="" xmlns:a16="http://schemas.microsoft.com/office/drawing/2014/main" id="{8304132D-2BD9-4D85-AFDF-6E135B0D5FEA}"/>
               </a:ext>
             </a:extLst>
           </p:cNvPr>
@@ -705,7 +1061,7 @@
           <p:cNvPr id="6" name="Marcador de número de diapositiva 5">
             <a:extLst>
               <a:ext uri="{FF2B5EF4-FFF2-40B4-BE49-F238E27FC236}">
-                <a16:creationId xmlns:a16="http://schemas.microsoft.com/office/drawing/2014/main" id="{00B00AEA-8167-4EAC-B553-4693F4D3166C}"/>
+                <a16:creationId xmlns="" xmlns:a16="http://schemas.microsoft.com/office/drawing/2014/main" id="{00B00AEA-8167-4EAC-B553-4693F4D3166C}"/>
               </a:ext>
             </a:extLst>
           </p:cNvPr>
@@ -764,7 +1120,7 @@
           <p:cNvPr id="2" name="Título 1">
             <a:extLst>
               <a:ext uri="{FF2B5EF4-FFF2-40B4-BE49-F238E27FC236}">
-                <a16:creationId xmlns:a16="http://schemas.microsoft.com/office/drawing/2014/main" id="{4D3527F0-16EB-4047-A27B-F06C3D6A8A62}"/>
+                <a16:creationId xmlns="" xmlns:a16="http://schemas.microsoft.com/office/drawing/2014/main" id="{4D3527F0-16EB-4047-A27B-F06C3D6A8A62}"/>
               </a:ext>
             </a:extLst>
           </p:cNvPr>
@@ -792,7 +1148,7 @@
           <p:cNvPr id="3" name="Marcador de contenido 2">
             <a:extLst>
               <a:ext uri="{FF2B5EF4-FFF2-40B4-BE49-F238E27FC236}">
-                <a16:creationId xmlns:a16="http://schemas.microsoft.com/office/drawing/2014/main" id="{5F74E244-1AF3-4DD2-A382-7ED93E889A56}"/>
+                <a16:creationId xmlns="" xmlns:a16="http://schemas.microsoft.com/office/drawing/2014/main" id="{5F74E244-1AF3-4DD2-A382-7ED93E889A56}"/>
               </a:ext>
             </a:extLst>
           </p:cNvPr>
@@ -849,7 +1205,7 @@
           <p:cNvPr id="4" name="Marcador de fecha 3">
             <a:extLst>
               <a:ext uri="{FF2B5EF4-FFF2-40B4-BE49-F238E27FC236}">
-                <a16:creationId xmlns:a16="http://schemas.microsoft.com/office/drawing/2014/main" id="{2403695A-2527-4559-BDB7-A4648C6CBE93}"/>
+                <a16:creationId xmlns="" xmlns:a16="http://schemas.microsoft.com/office/drawing/2014/main" id="{2403695A-2527-4559-BDB7-A4648C6CBE93}"/>
               </a:ext>
             </a:extLst>
           </p:cNvPr>
@@ -867,7 +1223,7 @@
           <a:p>
             <a:fld id="{34AF5FA5-E445-47AC-92B5-2312DCAE05A3}" type="datetimeFigureOut">
               <a:rPr lang="es-ES" smtClean="0"/>
-              <a:t>20/11/2020</a:t>
+              <a:t>04/12/2020</a:t>
             </a:fld>
             <a:endParaRPr lang="es-ES"/>
           </a:p>
@@ -878,7 +1234,7 @@
           <p:cNvPr id="5" name="Marcador de pie de página 4">
             <a:extLst>
               <a:ext uri="{FF2B5EF4-FFF2-40B4-BE49-F238E27FC236}">
-                <a16:creationId xmlns:a16="http://schemas.microsoft.com/office/drawing/2014/main" id="{17BA8D89-BDA9-4801-910C-196828D0BA57}"/>
+                <a16:creationId xmlns="" xmlns:a16="http://schemas.microsoft.com/office/drawing/2014/main" id="{17BA8D89-BDA9-4801-910C-196828D0BA57}"/>
               </a:ext>
             </a:extLst>
           </p:cNvPr>
@@ -903,7 +1259,7 @@
           <p:cNvPr id="6" name="Marcador de número de diapositiva 5">
             <a:extLst>
               <a:ext uri="{FF2B5EF4-FFF2-40B4-BE49-F238E27FC236}">
-                <a16:creationId xmlns:a16="http://schemas.microsoft.com/office/drawing/2014/main" id="{B98D2F78-8254-4182-8C89-8D800F40A1CC}"/>
+                <a16:creationId xmlns="" xmlns:a16="http://schemas.microsoft.com/office/drawing/2014/main" id="{B98D2F78-8254-4182-8C89-8D800F40A1CC}"/>
               </a:ext>
             </a:extLst>
           </p:cNvPr>
@@ -962,7 +1318,7 @@
           <p:cNvPr id="2" name="Título 1">
             <a:extLst>
               <a:ext uri="{FF2B5EF4-FFF2-40B4-BE49-F238E27FC236}">
-                <a16:creationId xmlns:a16="http://schemas.microsoft.com/office/drawing/2014/main" id="{470310E3-7976-404E-8AEE-4A443D929AC5}"/>
+                <a16:creationId xmlns="" xmlns:a16="http://schemas.microsoft.com/office/drawing/2014/main" id="{470310E3-7976-404E-8AEE-4A443D929AC5}"/>
               </a:ext>
             </a:extLst>
           </p:cNvPr>
@@ -999,7 +1355,7 @@
           <p:cNvPr id="3" name="Marcador de texto 2">
             <a:extLst>
               <a:ext uri="{FF2B5EF4-FFF2-40B4-BE49-F238E27FC236}">
-                <a16:creationId xmlns:a16="http://schemas.microsoft.com/office/drawing/2014/main" id="{F977C45E-4AE3-4A7F-9268-F9023DBB74A7}"/>
+                <a16:creationId xmlns="" xmlns:a16="http://schemas.microsoft.com/office/drawing/2014/main" id="{F977C45E-4AE3-4A7F-9268-F9023DBB74A7}"/>
               </a:ext>
             </a:extLst>
           </p:cNvPr>
@@ -1124,7 +1480,7 @@
           <p:cNvPr id="4" name="Marcador de fecha 3">
             <a:extLst>
               <a:ext uri="{FF2B5EF4-FFF2-40B4-BE49-F238E27FC236}">
-                <a16:creationId xmlns:a16="http://schemas.microsoft.com/office/drawing/2014/main" id="{196F947C-7949-445F-95C0-313BB4DBBEE6}"/>
+                <a16:creationId xmlns="" xmlns:a16="http://schemas.microsoft.com/office/drawing/2014/main" id="{196F947C-7949-445F-95C0-313BB4DBBEE6}"/>
               </a:ext>
             </a:extLst>
           </p:cNvPr>
@@ -1142,7 +1498,7 @@
           <a:p>
             <a:fld id="{34AF5FA5-E445-47AC-92B5-2312DCAE05A3}" type="datetimeFigureOut">
               <a:rPr lang="es-ES" smtClean="0"/>
-              <a:t>20/11/2020</a:t>
+              <a:t>04/12/2020</a:t>
             </a:fld>
             <a:endParaRPr lang="es-ES"/>
           </a:p>
@@ -1153,7 +1509,7 @@
           <p:cNvPr id="5" name="Marcador de pie de página 4">
             <a:extLst>
               <a:ext uri="{FF2B5EF4-FFF2-40B4-BE49-F238E27FC236}">
-                <a16:creationId xmlns:a16="http://schemas.microsoft.com/office/drawing/2014/main" id="{9EF370E3-37F4-4E30-8DD3-09ACC5478C0F}"/>
+                <a16:creationId xmlns="" xmlns:a16="http://schemas.microsoft.com/office/drawing/2014/main" id="{9EF370E3-37F4-4E30-8DD3-09ACC5478C0F}"/>
               </a:ext>
             </a:extLst>
           </p:cNvPr>
@@ -1178,7 +1534,7 @@
           <p:cNvPr id="6" name="Marcador de número de diapositiva 5">
             <a:extLst>
               <a:ext uri="{FF2B5EF4-FFF2-40B4-BE49-F238E27FC236}">
-                <a16:creationId xmlns:a16="http://schemas.microsoft.com/office/drawing/2014/main" id="{9CF433F4-C742-4333-82EA-A7E460E706F9}"/>
+                <a16:creationId xmlns="" xmlns:a16="http://schemas.microsoft.com/office/drawing/2014/main" id="{9CF433F4-C742-4333-82EA-A7E460E706F9}"/>
               </a:ext>
             </a:extLst>
           </p:cNvPr>
@@ -1237,7 +1593,7 @@
           <p:cNvPr id="2" name="Título 1">
             <a:extLst>
               <a:ext uri="{FF2B5EF4-FFF2-40B4-BE49-F238E27FC236}">
-                <a16:creationId xmlns:a16="http://schemas.microsoft.com/office/drawing/2014/main" id="{9E9E72F2-1F5A-467B-82A3-A24DABCA6F54}"/>
+                <a16:creationId xmlns="" xmlns:a16="http://schemas.microsoft.com/office/drawing/2014/main" id="{9E9E72F2-1F5A-467B-82A3-A24DABCA6F54}"/>
               </a:ext>
             </a:extLst>
           </p:cNvPr>
@@ -1265,7 +1621,7 @@
           <p:cNvPr id="3" name="Marcador de contenido 2">
             <a:extLst>
               <a:ext uri="{FF2B5EF4-FFF2-40B4-BE49-F238E27FC236}">
-                <a16:creationId xmlns:a16="http://schemas.microsoft.com/office/drawing/2014/main" id="{AAE6171C-B60E-49ED-9A7F-67D0BD2A507B}"/>
+                <a16:creationId xmlns="" xmlns:a16="http://schemas.microsoft.com/office/drawing/2014/main" id="{AAE6171C-B60E-49ED-9A7F-67D0BD2A507B}"/>
               </a:ext>
             </a:extLst>
           </p:cNvPr>
@@ -1327,7 +1683,7 @@
           <p:cNvPr id="4" name="Marcador de contenido 3">
             <a:extLst>
               <a:ext uri="{FF2B5EF4-FFF2-40B4-BE49-F238E27FC236}">
-                <a16:creationId xmlns:a16="http://schemas.microsoft.com/office/drawing/2014/main" id="{C674FD17-1B71-4267-AC0B-CF2CC2AC8F9C}"/>
+                <a16:creationId xmlns="" xmlns:a16="http://schemas.microsoft.com/office/drawing/2014/main" id="{C674FD17-1B71-4267-AC0B-CF2CC2AC8F9C}"/>
               </a:ext>
             </a:extLst>
           </p:cNvPr>
@@ -1389,7 +1745,7 @@
           <p:cNvPr id="5" name="Marcador de fecha 4">
             <a:extLst>
               <a:ext uri="{FF2B5EF4-FFF2-40B4-BE49-F238E27FC236}">
-                <a16:creationId xmlns:a16="http://schemas.microsoft.com/office/drawing/2014/main" id="{CA9C2419-4CF4-4B45-A984-547D5FC792C9}"/>
+                <a16:creationId xmlns="" xmlns:a16="http://schemas.microsoft.com/office/drawing/2014/main" id="{CA9C2419-4CF4-4B45-A984-547D5FC792C9}"/>
               </a:ext>
             </a:extLst>
           </p:cNvPr>
@@ -1407,7 +1763,7 @@
           <a:p>
             <a:fld id="{34AF5FA5-E445-47AC-92B5-2312DCAE05A3}" type="datetimeFigureOut">
               <a:rPr lang="es-ES" smtClean="0"/>
-              <a:t>20/11/2020</a:t>
+              <a:t>04/12/2020</a:t>
             </a:fld>
             <a:endParaRPr lang="es-ES"/>
           </a:p>
@@ -1418,7 +1774,7 @@
           <p:cNvPr id="6" name="Marcador de pie de página 5">
             <a:extLst>
               <a:ext uri="{FF2B5EF4-FFF2-40B4-BE49-F238E27FC236}">
-                <a16:creationId xmlns:a16="http://schemas.microsoft.com/office/drawing/2014/main" id="{BDF6F08E-83FA-4C43-80AA-8A52F89AEF20}"/>
+                <a16:creationId xmlns="" xmlns:a16="http://schemas.microsoft.com/office/drawing/2014/main" id="{BDF6F08E-83FA-4C43-80AA-8A52F89AEF20}"/>
               </a:ext>
             </a:extLst>
           </p:cNvPr>
@@ -1443,7 +1799,7 @@
           <p:cNvPr id="7" name="Marcador de número de diapositiva 6">
             <a:extLst>
               <a:ext uri="{FF2B5EF4-FFF2-40B4-BE49-F238E27FC236}">
-                <a16:creationId xmlns:a16="http://schemas.microsoft.com/office/drawing/2014/main" id="{56E4C40F-C347-4037-807F-1E33F4C4B50F}"/>
+                <a16:creationId xmlns="" xmlns:a16="http://schemas.microsoft.com/office/drawing/2014/main" id="{56E4C40F-C347-4037-807F-1E33F4C4B50F}"/>
               </a:ext>
             </a:extLst>
           </p:cNvPr>
@@ -1502,7 +1858,7 @@
           <p:cNvPr id="2" name="Título 1">
             <a:extLst>
               <a:ext uri="{FF2B5EF4-FFF2-40B4-BE49-F238E27FC236}">
-                <a16:creationId xmlns:a16="http://schemas.microsoft.com/office/drawing/2014/main" id="{242A77BC-B09F-4B04-9270-827C3E0FCD8B}"/>
+                <a16:creationId xmlns="" xmlns:a16="http://schemas.microsoft.com/office/drawing/2014/main" id="{242A77BC-B09F-4B04-9270-827C3E0FCD8B}"/>
               </a:ext>
             </a:extLst>
           </p:cNvPr>
@@ -1535,7 +1891,7 @@
           <p:cNvPr id="3" name="Marcador de texto 2">
             <a:extLst>
               <a:ext uri="{FF2B5EF4-FFF2-40B4-BE49-F238E27FC236}">
-                <a16:creationId xmlns:a16="http://schemas.microsoft.com/office/drawing/2014/main" id="{12A8F228-B105-47A6-9626-423C7582E771}"/>
+                <a16:creationId xmlns="" xmlns:a16="http://schemas.microsoft.com/office/drawing/2014/main" id="{12A8F228-B105-47A6-9626-423C7582E771}"/>
               </a:ext>
             </a:extLst>
           </p:cNvPr>
@@ -1606,7 +1962,7 @@
           <p:cNvPr id="4" name="Marcador de contenido 3">
             <a:extLst>
               <a:ext uri="{FF2B5EF4-FFF2-40B4-BE49-F238E27FC236}">
-                <a16:creationId xmlns:a16="http://schemas.microsoft.com/office/drawing/2014/main" id="{26172B37-5621-458A-870F-24BAE55DD878}"/>
+                <a16:creationId xmlns="" xmlns:a16="http://schemas.microsoft.com/office/drawing/2014/main" id="{26172B37-5621-458A-870F-24BAE55DD878}"/>
               </a:ext>
             </a:extLst>
           </p:cNvPr>
@@ -1668,7 +2024,7 @@
           <p:cNvPr id="5" name="Marcador de texto 4">
             <a:extLst>
               <a:ext uri="{FF2B5EF4-FFF2-40B4-BE49-F238E27FC236}">
-                <a16:creationId xmlns:a16="http://schemas.microsoft.com/office/drawing/2014/main" id="{CE001749-5C35-4180-A9CE-1F58B11A24F2}"/>
+                <a16:creationId xmlns="" xmlns:a16="http://schemas.microsoft.com/office/drawing/2014/main" id="{CE001749-5C35-4180-A9CE-1F58B11A24F2}"/>
               </a:ext>
             </a:extLst>
           </p:cNvPr>
@@ -1739,7 +2095,7 @@
           <p:cNvPr id="6" name="Marcador de contenido 5">
             <a:extLst>
               <a:ext uri="{FF2B5EF4-FFF2-40B4-BE49-F238E27FC236}">
-                <a16:creationId xmlns:a16="http://schemas.microsoft.com/office/drawing/2014/main" id="{A7C0462F-A914-4431-8FD1-8ED1BC09CC0C}"/>
+                <a16:creationId xmlns="" xmlns:a16="http://schemas.microsoft.com/office/drawing/2014/main" id="{A7C0462F-A914-4431-8FD1-8ED1BC09CC0C}"/>
               </a:ext>
             </a:extLst>
           </p:cNvPr>
@@ -1801,7 +2157,7 @@
           <p:cNvPr id="7" name="Marcador de fecha 6">
             <a:extLst>
               <a:ext uri="{FF2B5EF4-FFF2-40B4-BE49-F238E27FC236}">
-                <a16:creationId xmlns:a16="http://schemas.microsoft.com/office/drawing/2014/main" id="{E2181D9A-6B78-4D04-9E8B-50288A3C5EC8}"/>
+                <a16:creationId xmlns="" xmlns:a16="http://schemas.microsoft.com/office/drawing/2014/main" id="{E2181D9A-6B78-4D04-9E8B-50288A3C5EC8}"/>
               </a:ext>
             </a:extLst>
           </p:cNvPr>
@@ -1819,7 +2175,7 @@
           <a:p>
             <a:fld id="{34AF5FA5-E445-47AC-92B5-2312DCAE05A3}" type="datetimeFigureOut">
               <a:rPr lang="es-ES" smtClean="0"/>
-              <a:t>20/11/2020</a:t>
+              <a:t>04/12/2020</a:t>
             </a:fld>
             <a:endParaRPr lang="es-ES"/>
           </a:p>
@@ -1830,7 +2186,7 @@
           <p:cNvPr id="8" name="Marcador de pie de página 7">
             <a:extLst>
               <a:ext uri="{FF2B5EF4-FFF2-40B4-BE49-F238E27FC236}">
-                <a16:creationId xmlns:a16="http://schemas.microsoft.com/office/drawing/2014/main" id="{C27AD050-333F-479A-8317-20C3739BB3D2}"/>
+                <a16:creationId xmlns="" xmlns:a16="http://schemas.microsoft.com/office/drawing/2014/main" id="{C27AD050-333F-479A-8317-20C3739BB3D2}"/>
               </a:ext>
             </a:extLst>
           </p:cNvPr>
@@ -1855,7 +2211,7 @@
           <p:cNvPr id="9" name="Marcador de número de diapositiva 8">
             <a:extLst>
               <a:ext uri="{FF2B5EF4-FFF2-40B4-BE49-F238E27FC236}">
-                <a16:creationId xmlns:a16="http://schemas.microsoft.com/office/drawing/2014/main" id="{7A18D148-B7CD-469C-BEB4-E1D4E6218B2F}"/>
+                <a16:creationId xmlns="" xmlns:a16="http://schemas.microsoft.com/office/drawing/2014/main" id="{7A18D148-B7CD-469C-BEB4-E1D4E6218B2F}"/>
               </a:ext>
             </a:extLst>
           </p:cNvPr>
@@ -1914,7 +2270,7 @@
           <p:cNvPr id="2" name="Título 1">
             <a:extLst>
               <a:ext uri="{FF2B5EF4-FFF2-40B4-BE49-F238E27FC236}">
-                <a16:creationId xmlns:a16="http://schemas.microsoft.com/office/drawing/2014/main" id="{A0747431-2420-47AA-A06A-6E938CFF2A61}"/>
+                <a16:creationId xmlns="" xmlns:a16="http://schemas.microsoft.com/office/drawing/2014/main" id="{A0747431-2420-47AA-A06A-6E938CFF2A61}"/>
               </a:ext>
             </a:extLst>
           </p:cNvPr>
@@ -1942,7 +2298,7 @@
           <p:cNvPr id="3" name="Marcador de fecha 2">
             <a:extLst>
               <a:ext uri="{FF2B5EF4-FFF2-40B4-BE49-F238E27FC236}">
-                <a16:creationId xmlns:a16="http://schemas.microsoft.com/office/drawing/2014/main" id="{5814362A-DA7F-4B70-B043-1B668D7D5730}"/>
+                <a16:creationId xmlns="" xmlns:a16="http://schemas.microsoft.com/office/drawing/2014/main" id="{5814362A-DA7F-4B70-B043-1B668D7D5730}"/>
               </a:ext>
             </a:extLst>
           </p:cNvPr>
@@ -1960,7 +2316,7 @@
           <a:p>
             <a:fld id="{34AF5FA5-E445-47AC-92B5-2312DCAE05A3}" type="datetimeFigureOut">
               <a:rPr lang="es-ES" smtClean="0"/>
-              <a:t>20/11/2020</a:t>
+              <a:t>04/12/2020</a:t>
             </a:fld>
             <a:endParaRPr lang="es-ES"/>
           </a:p>
@@ -1971,7 +2327,7 @@
           <p:cNvPr id="4" name="Marcador de pie de página 3">
             <a:extLst>
               <a:ext uri="{FF2B5EF4-FFF2-40B4-BE49-F238E27FC236}">
-                <a16:creationId xmlns:a16="http://schemas.microsoft.com/office/drawing/2014/main" id="{FEF408EC-2119-4465-9E9A-70472422875A}"/>
+                <a16:creationId xmlns="" xmlns:a16="http://schemas.microsoft.com/office/drawing/2014/main" id="{FEF408EC-2119-4465-9E9A-70472422875A}"/>
               </a:ext>
             </a:extLst>
           </p:cNvPr>
@@ -1996,7 +2352,7 @@
           <p:cNvPr id="5" name="Marcador de número de diapositiva 4">
             <a:extLst>
               <a:ext uri="{FF2B5EF4-FFF2-40B4-BE49-F238E27FC236}">
-                <a16:creationId xmlns:a16="http://schemas.microsoft.com/office/drawing/2014/main" id="{A710946D-B25F-4A98-A900-185DE2BDD371}"/>
+                <a16:creationId xmlns="" xmlns:a16="http://schemas.microsoft.com/office/drawing/2014/main" id="{A710946D-B25F-4A98-A900-185DE2BDD371}"/>
               </a:ext>
             </a:extLst>
           </p:cNvPr>
@@ -2055,7 +2411,7 @@
           <p:cNvPr id="2" name="Marcador de fecha 1">
             <a:extLst>
               <a:ext uri="{FF2B5EF4-FFF2-40B4-BE49-F238E27FC236}">
-                <a16:creationId xmlns:a16="http://schemas.microsoft.com/office/drawing/2014/main" id="{60E785D4-591D-4F20-B96C-00AD376F9ABB}"/>
+                <a16:creationId xmlns="" xmlns:a16="http://schemas.microsoft.com/office/drawing/2014/main" id="{60E785D4-591D-4F20-B96C-00AD376F9ABB}"/>
               </a:ext>
             </a:extLst>
           </p:cNvPr>
@@ -2073,7 +2429,7 @@
           <a:p>
             <a:fld id="{34AF5FA5-E445-47AC-92B5-2312DCAE05A3}" type="datetimeFigureOut">
               <a:rPr lang="es-ES" smtClean="0"/>
-              <a:t>20/11/2020</a:t>
+              <a:t>04/12/2020</a:t>
             </a:fld>
             <a:endParaRPr lang="es-ES"/>
           </a:p>
@@ -2084,7 +2440,7 @@
           <p:cNvPr id="3" name="Marcador de pie de página 2">
             <a:extLst>
               <a:ext uri="{FF2B5EF4-FFF2-40B4-BE49-F238E27FC236}">
-                <a16:creationId xmlns:a16="http://schemas.microsoft.com/office/drawing/2014/main" id="{C03C3040-4236-4D43-9446-5C0E65C26C90}"/>
+                <a16:creationId xmlns="" xmlns:a16="http://schemas.microsoft.com/office/drawing/2014/main" id="{C03C3040-4236-4D43-9446-5C0E65C26C90}"/>
               </a:ext>
             </a:extLst>
           </p:cNvPr>
@@ -2109,7 +2465,7 @@
           <p:cNvPr id="4" name="Marcador de número de diapositiva 3">
             <a:extLst>
               <a:ext uri="{FF2B5EF4-FFF2-40B4-BE49-F238E27FC236}">
-                <a16:creationId xmlns:a16="http://schemas.microsoft.com/office/drawing/2014/main" id="{993E4F4D-464F-4206-B144-CCE1E1F1EC4E}"/>
+                <a16:creationId xmlns="" xmlns:a16="http://schemas.microsoft.com/office/drawing/2014/main" id="{993E4F4D-464F-4206-B144-CCE1E1F1EC4E}"/>
               </a:ext>
             </a:extLst>
           </p:cNvPr>
@@ -2168,7 +2524,7 @@
           <p:cNvPr id="2" name="Título 1">
             <a:extLst>
               <a:ext uri="{FF2B5EF4-FFF2-40B4-BE49-F238E27FC236}">
-                <a16:creationId xmlns:a16="http://schemas.microsoft.com/office/drawing/2014/main" id="{0B51BFC2-47EB-4B0A-A21A-B14938BD2927}"/>
+                <a16:creationId xmlns="" xmlns:a16="http://schemas.microsoft.com/office/drawing/2014/main" id="{0B51BFC2-47EB-4B0A-A21A-B14938BD2927}"/>
               </a:ext>
             </a:extLst>
           </p:cNvPr>
@@ -2205,7 +2561,7 @@
           <p:cNvPr id="3" name="Marcador de contenido 2">
             <a:extLst>
               <a:ext uri="{FF2B5EF4-FFF2-40B4-BE49-F238E27FC236}">
-                <a16:creationId xmlns:a16="http://schemas.microsoft.com/office/drawing/2014/main" id="{D88C2357-1906-4215-A325-56A70369C85B}"/>
+                <a16:creationId xmlns="" xmlns:a16="http://schemas.microsoft.com/office/drawing/2014/main" id="{D88C2357-1906-4215-A325-56A70369C85B}"/>
               </a:ext>
             </a:extLst>
           </p:cNvPr>
@@ -2295,7 +2651,7 @@
           <p:cNvPr id="4" name="Marcador de texto 3">
             <a:extLst>
               <a:ext uri="{FF2B5EF4-FFF2-40B4-BE49-F238E27FC236}">
-                <a16:creationId xmlns:a16="http://schemas.microsoft.com/office/drawing/2014/main" id="{489197AC-2DCD-4A5A-BC01-EE812617FEDF}"/>
+                <a16:creationId xmlns="" xmlns:a16="http://schemas.microsoft.com/office/drawing/2014/main" id="{489197AC-2DCD-4A5A-BC01-EE812617FEDF}"/>
               </a:ext>
             </a:extLst>
           </p:cNvPr>
@@ -2366,7 +2722,7 @@
           <p:cNvPr id="5" name="Marcador de fecha 4">
             <a:extLst>
               <a:ext uri="{FF2B5EF4-FFF2-40B4-BE49-F238E27FC236}">
-                <a16:creationId xmlns:a16="http://schemas.microsoft.com/office/drawing/2014/main" id="{FCAAD12D-1589-499C-BD02-4BFD88E3ABC9}"/>
+                <a16:creationId xmlns="" xmlns:a16="http://schemas.microsoft.com/office/drawing/2014/main" id="{FCAAD12D-1589-499C-BD02-4BFD88E3ABC9}"/>
               </a:ext>
             </a:extLst>
           </p:cNvPr>
@@ -2384,7 +2740,7 @@
           <a:p>
             <a:fld id="{34AF5FA5-E445-47AC-92B5-2312DCAE05A3}" type="datetimeFigureOut">
               <a:rPr lang="es-ES" smtClean="0"/>
-              <a:t>20/11/2020</a:t>
+              <a:t>04/12/2020</a:t>
             </a:fld>
             <a:endParaRPr lang="es-ES"/>
           </a:p>
@@ -2395,7 +2751,7 @@
           <p:cNvPr id="6" name="Marcador de pie de página 5">
             <a:extLst>
               <a:ext uri="{FF2B5EF4-FFF2-40B4-BE49-F238E27FC236}">
-                <a16:creationId xmlns:a16="http://schemas.microsoft.com/office/drawing/2014/main" id="{C6F8579E-5393-4B45-ADE1-7F055C06B687}"/>
+                <a16:creationId xmlns="" xmlns:a16="http://schemas.microsoft.com/office/drawing/2014/main" id="{C6F8579E-5393-4B45-ADE1-7F055C06B687}"/>
               </a:ext>
             </a:extLst>
           </p:cNvPr>
@@ -2420,7 +2776,7 @@
           <p:cNvPr id="7" name="Marcador de número de diapositiva 6">
             <a:extLst>
               <a:ext uri="{FF2B5EF4-FFF2-40B4-BE49-F238E27FC236}">
-                <a16:creationId xmlns:a16="http://schemas.microsoft.com/office/drawing/2014/main" id="{BC3F2027-A22C-4442-9018-7867908393C7}"/>
+                <a16:creationId xmlns="" xmlns:a16="http://schemas.microsoft.com/office/drawing/2014/main" id="{BC3F2027-A22C-4442-9018-7867908393C7}"/>
               </a:ext>
             </a:extLst>
           </p:cNvPr>
@@ -2479,7 +2835,7 @@
           <p:cNvPr id="2" name="Título 1">
             <a:extLst>
               <a:ext uri="{FF2B5EF4-FFF2-40B4-BE49-F238E27FC236}">
-                <a16:creationId xmlns:a16="http://schemas.microsoft.com/office/drawing/2014/main" id="{927B77E5-D0E6-4119-90D9-6AB319DC7924}"/>
+                <a16:creationId xmlns="" xmlns:a16="http://schemas.microsoft.com/office/drawing/2014/main" id="{927B77E5-D0E6-4119-90D9-6AB319DC7924}"/>
               </a:ext>
             </a:extLst>
           </p:cNvPr>
@@ -2516,7 +2872,7 @@
           <p:cNvPr id="3" name="Marcador de posición de imagen 2">
             <a:extLst>
               <a:ext uri="{FF2B5EF4-FFF2-40B4-BE49-F238E27FC236}">
-                <a16:creationId xmlns:a16="http://schemas.microsoft.com/office/drawing/2014/main" id="{8C569D92-F95F-4F2D-B013-2BFB78776F7C}"/>
+                <a16:creationId xmlns="" xmlns:a16="http://schemas.microsoft.com/office/drawing/2014/main" id="{8C569D92-F95F-4F2D-B013-2BFB78776F7C}"/>
               </a:ext>
             </a:extLst>
           </p:cNvPr>
@@ -2583,7 +2939,7 @@
           <p:cNvPr id="4" name="Marcador de texto 3">
             <a:extLst>
               <a:ext uri="{FF2B5EF4-FFF2-40B4-BE49-F238E27FC236}">
-                <a16:creationId xmlns:a16="http://schemas.microsoft.com/office/drawing/2014/main" id="{193A5837-0177-4294-B95C-2EB8D28DDEAA}"/>
+                <a16:creationId xmlns="" xmlns:a16="http://schemas.microsoft.com/office/drawing/2014/main" id="{193A5837-0177-4294-B95C-2EB8D28DDEAA}"/>
               </a:ext>
             </a:extLst>
           </p:cNvPr>
@@ -2654,7 +3010,7 @@
           <p:cNvPr id="5" name="Marcador de fecha 4">
             <a:extLst>
               <a:ext uri="{FF2B5EF4-FFF2-40B4-BE49-F238E27FC236}">
-                <a16:creationId xmlns:a16="http://schemas.microsoft.com/office/drawing/2014/main" id="{D9AEED98-562D-47C2-8913-68B787CB9813}"/>
+                <a16:creationId xmlns="" xmlns:a16="http://schemas.microsoft.com/office/drawing/2014/main" id="{D9AEED98-562D-47C2-8913-68B787CB9813}"/>
               </a:ext>
             </a:extLst>
           </p:cNvPr>
@@ -2672,7 +3028,7 @@
           <a:p>
             <a:fld id="{34AF5FA5-E445-47AC-92B5-2312DCAE05A3}" type="datetimeFigureOut">
               <a:rPr lang="es-ES" smtClean="0"/>
-              <a:t>20/11/2020</a:t>
+              <a:t>04/12/2020</a:t>
             </a:fld>
             <a:endParaRPr lang="es-ES"/>
           </a:p>
@@ -2683,7 +3039,7 @@
           <p:cNvPr id="6" name="Marcador de pie de página 5">
             <a:extLst>
               <a:ext uri="{FF2B5EF4-FFF2-40B4-BE49-F238E27FC236}">
-                <a16:creationId xmlns:a16="http://schemas.microsoft.com/office/drawing/2014/main" id="{47BE2E23-68D0-405F-A9B6-1C638615C9B6}"/>
+                <a16:creationId xmlns="" xmlns:a16="http://schemas.microsoft.com/office/drawing/2014/main" id="{47BE2E23-68D0-405F-A9B6-1C638615C9B6}"/>
               </a:ext>
             </a:extLst>
           </p:cNvPr>
@@ -2708,7 +3064,7 @@
           <p:cNvPr id="7" name="Marcador de número de diapositiva 6">
             <a:extLst>
               <a:ext uri="{FF2B5EF4-FFF2-40B4-BE49-F238E27FC236}">
-                <a16:creationId xmlns:a16="http://schemas.microsoft.com/office/drawing/2014/main" id="{86F1A59E-14D7-4BF7-8A40-2BDC8E51E309}"/>
+                <a16:creationId xmlns="" xmlns:a16="http://schemas.microsoft.com/office/drawing/2014/main" id="{86F1A59E-14D7-4BF7-8A40-2BDC8E51E309}"/>
               </a:ext>
             </a:extLst>
           </p:cNvPr>
@@ -2772,7 +3128,7 @@
           <p:cNvPr id="2" name="Marcador de título 1">
             <a:extLst>
               <a:ext uri="{FF2B5EF4-FFF2-40B4-BE49-F238E27FC236}">
-                <a16:creationId xmlns:a16="http://schemas.microsoft.com/office/drawing/2014/main" id="{D6AE0CDD-1584-482F-B68A-5AE3E49C302E}"/>
+                <a16:creationId xmlns="" xmlns:a16="http://schemas.microsoft.com/office/drawing/2014/main" id="{D6AE0CDD-1584-482F-B68A-5AE3E49C302E}"/>
               </a:ext>
             </a:extLst>
           </p:cNvPr>
@@ -2810,7 +3166,7 @@
           <p:cNvPr id="3" name="Marcador de texto 2">
             <a:extLst>
               <a:ext uri="{FF2B5EF4-FFF2-40B4-BE49-F238E27FC236}">
-                <a16:creationId xmlns:a16="http://schemas.microsoft.com/office/drawing/2014/main" id="{25380502-8F8F-4805-B0C1-2AC0E8D3CD6C}"/>
+                <a16:creationId xmlns="" xmlns:a16="http://schemas.microsoft.com/office/drawing/2014/main" id="{25380502-8F8F-4805-B0C1-2AC0E8D3CD6C}"/>
               </a:ext>
             </a:extLst>
           </p:cNvPr>
@@ -2877,7 +3233,7 @@
           <p:cNvPr id="4" name="Marcador de fecha 3">
             <a:extLst>
               <a:ext uri="{FF2B5EF4-FFF2-40B4-BE49-F238E27FC236}">
-                <a16:creationId xmlns:a16="http://schemas.microsoft.com/office/drawing/2014/main" id="{B39E55C0-2CA2-4425-9DF9-24F62D3AD165}"/>
+                <a16:creationId xmlns="" xmlns:a16="http://schemas.microsoft.com/office/drawing/2014/main" id="{B39E55C0-2CA2-4425-9DF9-24F62D3AD165}"/>
               </a:ext>
             </a:extLst>
           </p:cNvPr>
@@ -2913,7 +3269,7 @@
           <a:p>
             <a:fld id="{34AF5FA5-E445-47AC-92B5-2312DCAE05A3}" type="datetimeFigureOut">
               <a:rPr lang="es-ES" smtClean="0"/>
-              <a:t>20/11/2020</a:t>
+              <a:t>04/12/2020</a:t>
             </a:fld>
             <a:endParaRPr lang="es-ES"/>
           </a:p>
@@ -2924,7 +3280,7 @@
           <p:cNvPr id="5" name="Marcador de pie de página 4">
             <a:extLst>
               <a:ext uri="{FF2B5EF4-FFF2-40B4-BE49-F238E27FC236}">
-                <a16:creationId xmlns:a16="http://schemas.microsoft.com/office/drawing/2014/main" id="{EFF8B0D8-AE1E-4D92-AC9A-2B4B51C6E249}"/>
+                <a16:creationId xmlns="" xmlns:a16="http://schemas.microsoft.com/office/drawing/2014/main" id="{EFF8B0D8-AE1E-4D92-AC9A-2B4B51C6E249}"/>
               </a:ext>
             </a:extLst>
           </p:cNvPr>
@@ -2967,7 +3323,7 @@
           <p:cNvPr id="6" name="Marcador de número de diapositiva 5">
             <a:extLst>
               <a:ext uri="{FF2B5EF4-FFF2-40B4-BE49-F238E27FC236}">
-                <a16:creationId xmlns:a16="http://schemas.microsoft.com/office/drawing/2014/main" id="{94FD9877-F575-4A3B-9A6C-27D8EACF0D7E}"/>
+                <a16:creationId xmlns="" xmlns:a16="http://schemas.microsoft.com/office/drawing/2014/main" id="{94FD9877-F575-4A3B-9A6C-27D8EACF0D7E}"/>
               </a:ext>
             </a:extLst>
           </p:cNvPr>
@@ -3332,40 +3688,10 @@
       </p:grpSpPr>
       <p:sp>
         <p:nvSpPr>
-          <p:cNvPr id="2" name="Título 1">
+          <p:cNvPr id="3" name="Marcador de contenido 2">
             <a:extLst>
               <a:ext uri="{FF2B5EF4-FFF2-40B4-BE49-F238E27FC236}">
-                <a16:creationId xmlns:a16="http://schemas.microsoft.com/office/drawing/2014/main" id="{4E91DF51-4B69-4655-8F7D-A17C194AA57A}"/>
-              </a:ext>
-            </a:extLst>
-          </p:cNvPr>
-          <p:cNvSpPr>
-            <a:spLocks noGrp="1"/>
-          </p:cNvSpPr>
-          <p:nvPr>
-            <p:ph type="title"/>
-          </p:nvPr>
-        </p:nvSpPr>
-        <p:spPr/>
-        <p:txBody>
-          <a:bodyPr/>
-          <a:lstStyle/>
-          <a:p>
-            <a:r>
-              <a:rPr lang="es-ES" dirty="0">
-                <a:latin typeface="LM Roman 10" panose="00000500000000000000" pitchFamily="50" charset="0"/>
-              </a:rPr>
-              <a:t>Descripción del TFM</a:t>
-            </a:r>
-          </a:p>
-        </p:txBody>
-      </p:sp>
-      <p:sp>
-        <p:nvSpPr>
-          <p:cNvPr id="3" name="Marcador de contenido 2">
-            <a:extLst>
-              <a:ext uri="{FF2B5EF4-FFF2-40B4-BE49-F238E27FC236}">
-                <a16:creationId xmlns:a16="http://schemas.microsoft.com/office/drawing/2014/main" id="{1498D5FD-6E52-4E1D-87B5-8D4DB1DEF55F}"/>
+                <a16:creationId xmlns="" xmlns:a16="http://schemas.microsoft.com/office/drawing/2014/main" id="{1498D5FD-6E52-4E1D-87B5-8D4DB1DEF55F}"/>
               </a:ext>
             </a:extLst>
           </p:cNvPr>
@@ -3384,7 +3710,7 @@
         </p:spPr>
         <p:txBody>
           <a:bodyPr>
-            <a:normAutofit/>
+            <a:noAutofit/>
           </a:bodyPr>
           <a:lstStyle/>
           <a:p>
@@ -3392,113 +3718,71 @@
               <a:buNone/>
             </a:pPr>
             <a:r>
-              <a:rPr lang="es-ES" dirty="0">
-                <a:latin typeface="LM Roman 10" panose="00000500000000000000" pitchFamily="50" charset="0"/>
-              </a:rPr>
+              <a:rPr lang="es-ES" dirty="0"/>
               <a:t>Desarrollar una API para fomentar el uso de coche eléctricos mediante la planificación de rutas (corta/media/larga distancia) según la autonomía del coche. </a:t>
             </a:r>
           </a:p>
           <a:p>
-            <a:pPr marL="0" indent="0">
-              <a:buNone/>
-            </a:pPr>
-            <a:r>
-              <a:rPr lang="es-ES" u="sng" dirty="0">
-                <a:latin typeface="LM Roman 10" panose="00000500000000000000" pitchFamily="50" charset="0"/>
-              </a:rPr>
+            <a:r>
+              <a:rPr lang="es-ES" u="sng" dirty="0"/>
               <a:t>Variables input</a:t>
             </a:r>
             <a:r>
-              <a:rPr lang="es-ES" dirty="0">
-                <a:latin typeface="LM Roman 10" panose="00000500000000000000" pitchFamily="50" charset="0"/>
-              </a:rPr>
+              <a:rPr lang="es-ES" dirty="0"/>
               <a:t>: modelo coche (autonomía, velocidad de carga, velocidad máxima, antigüedad), lugar de origen y de destino, hora de salida/llegada, número de paradas, puntos de recarga.</a:t>
             </a:r>
           </a:p>
           <a:p>
-            <a:pPr marL="0" indent="0">
-              <a:buNone/>
-            </a:pPr>
-            <a:r>
-              <a:rPr lang="es-ES" u="sng" dirty="0">
-                <a:latin typeface="LM Roman 10" panose="00000500000000000000" pitchFamily="50" charset="0"/>
-              </a:rPr>
+            <a:r>
+              <a:rPr lang="es-ES" u="sng" dirty="0"/>
               <a:t>Variable objetivo:</a:t>
             </a:r>
             <a:r>
-              <a:rPr lang="es-ES" dirty="0">
-                <a:latin typeface="LM Roman 10" panose="00000500000000000000" pitchFamily="50" charset="0"/>
-              </a:rPr>
+              <a:rPr lang="es-ES" dirty="0"/>
               <a:t> ruta, tiempo de trayecto, paradas reales.</a:t>
             </a:r>
           </a:p>
           <a:p>
-            <a:pPr marL="0" indent="0">
-              <a:buNone/>
-            </a:pPr>
-            <a:r>
-              <a:rPr lang="es-ES" u="sng" dirty="0">
-                <a:latin typeface="LM Roman 10" panose="00000500000000000000" pitchFamily="50" charset="0"/>
-              </a:rPr>
+            <a:r>
+              <a:rPr lang="es-ES" u="sng" dirty="0"/>
               <a:t>Fuentes de datos:</a:t>
             </a:r>
             <a:r>
-              <a:rPr lang="es-ES" dirty="0">
-                <a:latin typeface="LM Roman 10" panose="00000500000000000000" pitchFamily="50" charset="0"/>
-              </a:rPr>
+              <a:rPr lang="es-ES" dirty="0"/>
               <a:t> Wikipedia, Gobierno de España, </a:t>
             </a:r>
             <a:r>
-              <a:rPr lang="es-ES" dirty="0" err="1">
-                <a:latin typeface="LM Roman 10" panose="00000500000000000000" pitchFamily="50" charset="0"/>
-              </a:rPr>
+              <a:rPr lang="es-ES" dirty="0" err="1"/>
               <a:t>Kaggle</a:t>
             </a:r>
             <a:r>
-              <a:rPr lang="es-ES" dirty="0">
-                <a:latin typeface="LM Roman 10" panose="00000500000000000000" pitchFamily="50" charset="0"/>
-              </a:rPr>
+              <a:rPr lang="es-ES" dirty="0"/>
               <a:t>.</a:t>
             </a:r>
           </a:p>
           <a:p>
-            <a:pPr marL="0" indent="0">
-              <a:buNone/>
-            </a:pPr>
-            <a:r>
-              <a:rPr lang="es-ES" u="sng" dirty="0">
-                <a:latin typeface="LM Roman 10" panose="00000500000000000000" pitchFamily="50" charset="0"/>
-              </a:rPr>
+            <a:r>
+              <a:rPr lang="es-ES" u="sng" dirty="0"/>
               <a:t>Tecnologías a utilizar:</a:t>
             </a:r>
             <a:r>
-              <a:rPr lang="es-ES" dirty="0">
-                <a:latin typeface="LM Roman 10" panose="00000500000000000000" pitchFamily="50" charset="0"/>
-              </a:rPr>
+              <a:rPr lang="es-ES" dirty="0"/>
               <a:t> Google Cloud, Docker, GitHub, R/Python, </a:t>
             </a:r>
             <a:r>
-              <a:rPr lang="es-ES" dirty="0" err="1">
-                <a:latin typeface="LM Roman 10" panose="00000500000000000000" pitchFamily="50" charset="0"/>
-              </a:rPr>
+              <a:rPr lang="es-ES" dirty="0" err="1"/>
               <a:t>Shinny</a:t>
             </a:r>
             <a:r>
-              <a:rPr lang="es-ES" dirty="0">
-                <a:latin typeface="LM Roman 10" panose="00000500000000000000" pitchFamily="50" charset="0"/>
-              </a:rPr>
+              <a:rPr lang="es-ES" dirty="0"/>
               <a:t>/</a:t>
             </a:r>
             <a:r>
-              <a:rPr lang="es-ES" dirty="0" err="1">
-                <a:latin typeface="LM Roman 10" panose="00000500000000000000" pitchFamily="50" charset="0"/>
-              </a:rPr>
+              <a:rPr lang="es-ES" dirty="0" err="1"/>
               <a:t>Flask</a:t>
             </a:r>
             <a:r>
-              <a:rPr lang="es-ES" dirty="0">
-                <a:latin typeface="LM Roman 10" panose="00000500000000000000" pitchFamily="50" charset="0"/>
-              </a:rPr>
+              <a:rPr lang="es-ES" dirty="0"/>
               <a:t>, </a:t>
             </a:r>
             <a:r>
@@ -3506,7 +3790,6 @@
                 <a:solidFill>
                   <a:srgbClr val="FF0000"/>
                 </a:solidFill>
-                <a:latin typeface="LM Roman 10" panose="00000500000000000000" pitchFamily="50" charset="0"/>
               </a:rPr>
               <a:t>MySQL y </a:t>
             </a:r>
@@ -3515,7 +3798,6 @@
                 <a:solidFill>
                   <a:srgbClr val="FF0000"/>
                 </a:solidFill>
-                <a:latin typeface="LM Roman 10" panose="00000500000000000000" pitchFamily="50" charset="0"/>
               </a:rPr>
               <a:t>Grafana</a:t>
             </a:r>
@@ -3524,7 +3806,6 @@
                 <a:solidFill>
                   <a:srgbClr val="FF0000"/>
                 </a:solidFill>
-                <a:latin typeface="LM Roman 10" panose="00000500000000000000" pitchFamily="50" charset="0"/>
               </a:rPr>
               <a:t> (opcionales) </a:t>
             </a:r>
@@ -3532,7 +3813,65 @@
               <a:solidFill>
                 <a:srgbClr val="FF0000"/>
               </a:solidFill>
-              <a:latin typeface="LM Roman 10" panose="00000500000000000000" pitchFamily="50" charset="0"/>
+            </a:endParaRPr>
+          </a:p>
+        </p:txBody>
+      </p:sp>
+      <p:sp>
+        <p:nvSpPr>
+          <p:cNvPr id="4" name="1 Título"/>
+          <p:cNvSpPr txBox="1">
+            <a:spLocks/>
+          </p:cNvSpPr>
+          <p:nvPr/>
+        </p:nvSpPr>
+        <p:spPr>
+          <a:xfrm>
+            <a:off x="838200" y="365126"/>
+            <a:ext cx="10515600" cy="877078"/>
+          </a:xfrm>
+          <a:prstGeom prst="rect">
+            <a:avLst/>
+          </a:prstGeom>
+        </p:spPr>
+        <p:txBody>
+          <a:bodyPr vert="horz" lIns="91440" tIns="45720" rIns="91440" bIns="45720" rtlCol="0" anchor="ctr">
+            <a:normAutofit/>
+          </a:bodyPr>
+          <a:lstStyle>
+            <a:lvl1pPr algn="l" defTabSz="914400" rtl="0" eaLnBrk="1" latinLnBrk="0" hangingPunct="1">
+              <a:lnSpc>
+                <a:spcPct val="90000"/>
+              </a:lnSpc>
+              <a:spcBef>
+                <a:spcPct val="0"/>
+              </a:spcBef>
+              <a:buNone/>
+              <a:defRPr sz="4400" kern="1200">
+                <a:solidFill>
+                  <a:schemeClr val="tx1"/>
+                </a:solidFill>
+                <a:latin typeface="+mj-lt"/>
+                <a:ea typeface="+mj-ea"/>
+                <a:cs typeface="+mj-cs"/>
+              </a:defRPr>
+            </a:lvl1pPr>
+          </a:lstStyle>
+          <a:p>
+            <a:r>
+              <a:rPr lang="es-ES" b="1" dirty="0" smtClean="0">
+                <a:solidFill>
+                  <a:srgbClr val="C00000"/>
+                </a:solidFill>
+                <a:latin typeface="+mn-lt"/>
+              </a:rPr>
+              <a:t>Descripción del TFM</a:t>
+            </a:r>
+            <a:endParaRPr lang="es-ES" b="1" dirty="0">
+              <a:solidFill>
+                <a:srgbClr val="C00000"/>
+              </a:solidFill>
+              <a:latin typeface="+mn-lt"/>
             </a:endParaRPr>
           </a:p>
         </p:txBody>
@@ -3569,43 +3908,10 @@
       </p:grpSpPr>
       <p:sp>
         <p:nvSpPr>
-          <p:cNvPr id="2" name="Título 1">
+          <p:cNvPr id="3" name="Marcador de contenido 2">
             <a:extLst>
               <a:ext uri="{FF2B5EF4-FFF2-40B4-BE49-F238E27FC236}">
-                <a16:creationId xmlns:a16="http://schemas.microsoft.com/office/drawing/2014/main" id="{381107A1-60CA-4DBD-8FE6-8216CF60B895}"/>
-              </a:ext>
-            </a:extLst>
-          </p:cNvPr>
-          <p:cNvSpPr>
-            <a:spLocks noGrp="1"/>
-          </p:cNvSpPr>
-          <p:nvPr>
-            <p:ph type="title"/>
-          </p:nvPr>
-        </p:nvSpPr>
-        <p:spPr/>
-        <p:txBody>
-          <a:bodyPr/>
-          <a:lstStyle/>
-          <a:p>
-            <a:r>
-              <a:rPr lang="es-ES" dirty="0" err="1">
-                <a:latin typeface="LM Roman 10" panose="00000500000000000000" pitchFamily="50" charset="0"/>
-              </a:rPr>
-              <a:t>Indice</a:t>
-            </a:r>
-            <a:endParaRPr lang="es-ES" dirty="0">
-              <a:latin typeface="LM Roman 10" panose="00000500000000000000" pitchFamily="50" charset="0"/>
-            </a:endParaRPr>
-          </a:p>
-        </p:txBody>
-      </p:sp>
-      <p:sp>
-        <p:nvSpPr>
-          <p:cNvPr id="3" name="Marcador de contenido 2">
-            <a:extLst>
-              <a:ext uri="{FF2B5EF4-FFF2-40B4-BE49-F238E27FC236}">
-                <a16:creationId xmlns:a16="http://schemas.microsoft.com/office/drawing/2014/main" id="{2E9420CC-D042-4096-B036-9F5364CAA97B}"/>
+                <a16:creationId xmlns="" xmlns:a16="http://schemas.microsoft.com/office/drawing/2014/main" id="{2E9420CC-D042-4096-B036-9F5364CAA97B}"/>
               </a:ext>
             </a:extLst>
           </p:cNvPr>
@@ -3623,7 +3929,9 @@
           </a:xfrm>
         </p:spPr>
         <p:txBody>
-          <a:bodyPr/>
+          <a:bodyPr>
+            <a:normAutofit/>
+          </a:bodyPr>
           <a:lstStyle/>
           <a:p>
             <a:pPr marL="514350" indent="-514350">
@@ -3631,9 +3939,7 @@
               <a:buAutoNum type="arabicPeriod"/>
             </a:pPr>
             <a:r>
-              <a:rPr lang="es-ES" dirty="0">
-                <a:latin typeface="LM Roman 10" panose="00000500000000000000" pitchFamily="50" charset="0"/>
-              </a:rPr>
+              <a:rPr lang="es-ES" dirty="0"/>
               <a:t>Introducción</a:t>
             </a:r>
           </a:p>
@@ -3643,9 +3949,7 @@
               <a:buAutoNum type="arabicPeriod"/>
             </a:pPr>
             <a:r>
-              <a:rPr lang="es-ES" dirty="0">
-                <a:latin typeface="LM Roman 10" panose="00000500000000000000" pitchFamily="50" charset="0"/>
-              </a:rPr>
+              <a:rPr lang="es-ES" dirty="0"/>
               <a:t>Análisis Fase EDA</a:t>
             </a:r>
           </a:p>
@@ -3655,9 +3959,7 @@
               <a:buAutoNum type="arabicPeriod"/>
             </a:pPr>
             <a:r>
-              <a:rPr lang="es-ES" dirty="0">
-                <a:latin typeface="LM Roman 10" panose="00000500000000000000" pitchFamily="50" charset="0"/>
-              </a:rPr>
+              <a:rPr lang="es-ES" dirty="0"/>
               <a:t>Modelos de predicción (ML)</a:t>
             </a:r>
           </a:p>
@@ -3667,15 +3969,11 @@
               <a:buAutoNum type="arabicPeriod"/>
             </a:pPr>
             <a:r>
-              <a:rPr lang="es-ES" dirty="0" err="1">
-                <a:latin typeface="LM Roman 10" panose="00000500000000000000" pitchFamily="50" charset="0"/>
-              </a:rPr>
+              <a:rPr lang="es-ES" dirty="0" err="1"/>
               <a:t>Productivizar</a:t>
             </a:r>
             <a:r>
-              <a:rPr lang="es-ES" dirty="0">
-                <a:latin typeface="LM Roman 10" panose="00000500000000000000" pitchFamily="50" charset="0"/>
-              </a:rPr>
+              <a:rPr lang="es-ES" dirty="0"/>
               <a:t> el modelo</a:t>
             </a:r>
           </a:p>
@@ -3685,11 +3983,68 @@
               <a:buAutoNum type="arabicPeriod"/>
             </a:pPr>
             <a:r>
-              <a:rPr lang="es-ES" dirty="0">
-                <a:latin typeface="LM Roman 10" panose="00000500000000000000" pitchFamily="50" charset="0"/>
+              <a:rPr lang="es-ES" dirty="0"/>
+              <a:t>Conclusiones</a:t>
+            </a:r>
+          </a:p>
+        </p:txBody>
+      </p:sp>
+      <p:sp>
+        <p:nvSpPr>
+          <p:cNvPr id="5" name="1 Título"/>
+          <p:cNvSpPr txBox="1">
+            <a:spLocks/>
+          </p:cNvSpPr>
+          <p:nvPr/>
+        </p:nvSpPr>
+        <p:spPr>
+          <a:xfrm>
+            <a:off x="838200" y="365126"/>
+            <a:ext cx="10515600" cy="877078"/>
+          </a:xfrm>
+          <a:prstGeom prst="rect">
+            <a:avLst/>
+          </a:prstGeom>
+        </p:spPr>
+        <p:txBody>
+          <a:bodyPr vert="horz" lIns="91440" tIns="45720" rIns="91440" bIns="45720" rtlCol="0" anchor="ctr">
+            <a:normAutofit/>
+          </a:bodyPr>
+          <a:lstStyle>
+            <a:lvl1pPr algn="l" defTabSz="914400" rtl="0" eaLnBrk="1" latinLnBrk="0" hangingPunct="1">
+              <a:lnSpc>
+                <a:spcPct val="90000"/>
+              </a:lnSpc>
+              <a:spcBef>
+                <a:spcPct val="0"/>
+              </a:spcBef>
+              <a:buNone/>
+              <a:defRPr sz="4400" kern="1200">
+                <a:solidFill>
+                  <a:schemeClr val="tx1"/>
+                </a:solidFill>
+                <a:latin typeface="+mj-lt"/>
+                <a:ea typeface="+mj-ea"/>
+                <a:cs typeface="+mj-cs"/>
+              </a:defRPr>
+            </a:lvl1pPr>
+          </a:lstStyle>
+          <a:p>
+            <a:r>
+              <a:rPr lang="es-ES" b="1" dirty="0" smtClean="0">
+                <a:solidFill>
+                  <a:srgbClr val="C00000"/>
+                </a:solidFill>
+                <a:latin typeface="+mn-lt"/>
               </a:rPr>
-              <a:t>Conclusiones</a:t>
-            </a:r>
+              <a:t>Índice</a:t>
+            </a:r>
+            <a:endParaRPr lang="es-ES" b="1" dirty="0">
+              <a:solidFill>
+                <a:srgbClr val="C00000"/>
+              </a:solidFill>
+              <a:latin typeface="+mn-lt"/>
+            </a:endParaRPr>
           </a:p>
         </p:txBody>
       </p:sp>
@@ -3728,7 +4083,7 @@
           <p:cNvPr id="1026" name="Picture 2" descr="Telefónica firma un acuerdo con Google para situar a empresas en &quot;la nube&quot;">
             <a:extLst>
               <a:ext uri="{FF2B5EF4-FFF2-40B4-BE49-F238E27FC236}">
-                <a16:creationId xmlns:a16="http://schemas.microsoft.com/office/drawing/2014/main" id="{80581005-1F5E-4E21-BCAA-722F7813C18D}"/>
+                <a16:creationId xmlns="" xmlns:a16="http://schemas.microsoft.com/office/drawing/2014/main" id="{80581005-1F5E-4E21-BCAA-722F7813C18D}"/>
               </a:ext>
             </a:extLst>
           </p:cNvPr>
@@ -3738,7 +4093,7 @@
           <p:nvPr/>
         </p:nvPicPr>
         <p:blipFill>
-          <a:blip r:embed="rId2">
+          <a:blip r:embed="rId2" cstate="print">
             <a:extLst>
               <a:ext uri="{28A0092B-C50C-407E-A947-70E740481C1C}">
                 <a14:useLocalDpi xmlns:a14="http://schemas.microsoft.com/office/drawing/2010/main" val="0"/>
@@ -3775,7 +4130,7 @@
           <p:cNvPr id="1028" name="Picture 4" descr="Get to Know Docker's Ecosystem — Nick Janetakis">
             <a:extLst>
               <a:ext uri="{FF2B5EF4-FFF2-40B4-BE49-F238E27FC236}">
-                <a16:creationId xmlns:a16="http://schemas.microsoft.com/office/drawing/2014/main" id="{B7E98FE2-6CC2-4140-875F-FA908E61FA9E}"/>
+                <a16:creationId xmlns="" xmlns:a16="http://schemas.microsoft.com/office/drawing/2014/main" id="{B7E98FE2-6CC2-4140-875F-FA908E61FA9E}"/>
               </a:ext>
             </a:extLst>
           </p:cNvPr>
@@ -3822,7 +4177,7 @@
           <p:cNvPr id="1030" name="Picture 6" descr="R vs Python 2018 ¿Cuál es el mejor en cada caso? | Máxima Formación">
             <a:extLst>
               <a:ext uri="{FF2B5EF4-FFF2-40B4-BE49-F238E27FC236}">
-                <a16:creationId xmlns:a16="http://schemas.microsoft.com/office/drawing/2014/main" id="{088E8270-DE5F-4B63-B99F-F8379DADF758}"/>
+                <a16:creationId xmlns="" xmlns:a16="http://schemas.microsoft.com/office/drawing/2014/main" id="{088E8270-DE5F-4B63-B99F-F8379DADF758}"/>
               </a:ext>
             </a:extLst>
           </p:cNvPr>
@@ -3846,7 +4201,7 @@
         </p:blipFill>
         <p:spPr bwMode="auto">
           <a:xfrm>
-            <a:off x="1287281" y="4110121"/>
+            <a:off x="950526" y="4059392"/>
             <a:ext cx="3379934" cy="1712203"/>
           </a:xfrm>
           <a:prstGeom prst="rect">
@@ -3869,7 +4224,7 @@
           <p:cNvPr id="1032" name="Picture 8" descr="Grafana Logo | Tech logos, Logos, Superhero logos">
             <a:extLst>
               <a:ext uri="{FF2B5EF4-FFF2-40B4-BE49-F238E27FC236}">
-                <a16:creationId xmlns:a16="http://schemas.microsoft.com/office/drawing/2014/main" id="{9353FAA9-B061-4CEE-9210-221271F4E3E7}"/>
+                <a16:creationId xmlns="" xmlns:a16="http://schemas.microsoft.com/office/drawing/2014/main" id="{9353FAA9-B061-4CEE-9210-221271F4E3E7}"/>
               </a:ext>
             </a:extLst>
           </p:cNvPr>
@@ -3879,7 +4234,7 @@
           <p:nvPr/>
         </p:nvPicPr>
         <p:blipFill>
-          <a:blip r:embed="rId5">
+          <a:blip r:embed="rId5" cstate="print">
             <a:extLst>
               <a:ext uri="{28A0092B-C50C-407E-A947-70E740481C1C}">
                 <a14:useLocalDpi xmlns:a14="http://schemas.microsoft.com/office/drawing/2010/main" val="0"/>
@@ -3916,7 +4271,7 @@
           <p:cNvPr id="2" name="Picture 2" descr="Shiny - RStudio">
             <a:extLst>
               <a:ext uri="{FF2B5EF4-FFF2-40B4-BE49-F238E27FC236}">
-                <a16:creationId xmlns:a16="http://schemas.microsoft.com/office/drawing/2014/main" id="{84AA7645-F404-4FD0-8695-4AFCBAAE4D5C}"/>
+                <a16:creationId xmlns="" xmlns:a16="http://schemas.microsoft.com/office/drawing/2014/main" id="{84AA7645-F404-4FD0-8695-4AFCBAAE4D5C}"/>
               </a:ext>
             </a:extLst>
           </p:cNvPr>
@@ -3926,7 +4281,7 @@
           <p:nvPr/>
         </p:nvPicPr>
         <p:blipFill>
-          <a:blip r:embed="rId6">
+          <a:blip r:embed="rId6" cstate="print">
             <a:extLst>
               <a:ext uri="{28A0092B-C50C-407E-A947-70E740481C1C}">
                 <a14:useLocalDpi xmlns:a14="http://schemas.microsoft.com/office/drawing/2010/main" val="0"/>
@@ -3963,7 +4318,7 @@
           <p:cNvPr id="4" name="Picture 4" descr="Structuring a Large Production Flask Application | by Arash Soheili | Level  Up Coding">
             <a:extLst>
               <a:ext uri="{FF2B5EF4-FFF2-40B4-BE49-F238E27FC236}">
-                <a16:creationId xmlns:a16="http://schemas.microsoft.com/office/drawing/2014/main" id="{F2C09B77-E558-44D1-A026-712106E53C75}"/>
+                <a16:creationId xmlns="" xmlns:a16="http://schemas.microsoft.com/office/drawing/2014/main" id="{F2C09B77-E558-44D1-A026-712106E53C75}"/>
               </a:ext>
             </a:extLst>
           </p:cNvPr>
@@ -4010,7 +4365,7 @@
           <p:cNvPr id="5" name="Elipse 4">
             <a:extLst>
               <a:ext uri="{FF2B5EF4-FFF2-40B4-BE49-F238E27FC236}">
-                <a16:creationId xmlns:a16="http://schemas.microsoft.com/office/drawing/2014/main" id="{0060196D-B08D-42C0-905B-9E788AAD426E}"/>
+                <a16:creationId xmlns="" xmlns:a16="http://schemas.microsoft.com/office/drawing/2014/main" id="{0060196D-B08D-42C0-905B-9E788AAD426E}"/>
               </a:ext>
             </a:extLst>
           </p:cNvPr>
@@ -4019,8 +4374,8 @@
         </p:nvSpPr>
         <p:spPr>
           <a:xfrm>
-            <a:off x="1336572" y="3939165"/>
-            <a:ext cx="1956645" cy="2005134"/>
+            <a:off x="2834151" y="4059392"/>
+            <a:ext cx="1496309" cy="1582283"/>
           </a:xfrm>
           <a:prstGeom prst="ellipse">
             <a:avLst/>
@@ -4062,7 +4417,7 @@
           <p:cNvPr id="7" name="Conector recto de flecha 6">
             <a:extLst>
               <a:ext uri="{FF2B5EF4-FFF2-40B4-BE49-F238E27FC236}">
-                <a16:creationId xmlns:a16="http://schemas.microsoft.com/office/drawing/2014/main" id="{9B068DFB-DAC5-4FD0-A5A4-A05DB4E3C049}"/>
+                <a16:creationId xmlns="" xmlns:a16="http://schemas.microsoft.com/office/drawing/2014/main" id="{9B068DFB-DAC5-4FD0-A5A4-A05DB4E3C049}"/>
               </a:ext>
             </a:extLst>
           </p:cNvPr>
@@ -4073,7 +4428,7 @@
         </p:nvCxnSpPr>
         <p:spPr>
           <a:xfrm>
-            <a:off x="694697" y="3727318"/>
+            <a:off x="2295696" y="3510882"/>
             <a:ext cx="782959" cy="596348"/>
           </a:xfrm>
           <a:prstGeom prst="straightConnector1">
@@ -4106,7 +4461,7 @@
           <p:cNvPr id="16" name="Elipse 15">
             <a:extLst>
               <a:ext uri="{FF2B5EF4-FFF2-40B4-BE49-F238E27FC236}">
-                <a16:creationId xmlns:a16="http://schemas.microsoft.com/office/drawing/2014/main" id="{6331BB53-4BC0-430D-847B-FB527E06E2B6}"/>
+                <a16:creationId xmlns="" xmlns:a16="http://schemas.microsoft.com/office/drawing/2014/main" id="{6331BB53-4BC0-430D-847B-FB527E06E2B6}"/>
               </a:ext>
             </a:extLst>
           </p:cNvPr>
@@ -4115,8 +4470,8 @@
         </p:nvSpPr>
         <p:spPr>
           <a:xfrm>
-            <a:off x="6061627" y="3583820"/>
-            <a:ext cx="2196331" cy="1235937"/>
+            <a:off x="5719314" y="5081041"/>
+            <a:ext cx="2898220" cy="1481225"/>
           </a:xfrm>
           <a:prstGeom prst="ellipse">
             <a:avLst/>
@@ -4158,7 +4513,7 @@
           <p:cNvPr id="3" name="Picture 2" descr="MySQL | Most Popular Open Source Relational Database | AWS">
             <a:extLst>
               <a:ext uri="{FF2B5EF4-FFF2-40B4-BE49-F238E27FC236}">
-                <a16:creationId xmlns:a16="http://schemas.microsoft.com/office/drawing/2014/main" id="{0B72C131-B8A0-46A8-82D3-0691DC2C2BDD}"/>
+                <a16:creationId xmlns="" xmlns:a16="http://schemas.microsoft.com/office/drawing/2014/main" id="{0B72C131-B8A0-46A8-82D3-0691DC2C2BDD}"/>
               </a:ext>
             </a:extLst>
           </p:cNvPr>
@@ -4168,7 +4523,7 @@
           <p:nvPr/>
         </p:nvPicPr>
         <p:blipFill>
-          <a:blip r:embed="rId8">
+          <a:blip r:embed="rId8" cstate="print">
             <a:extLst>
               <a:ext uri="{28A0092B-C50C-407E-A947-70E740481C1C}">
                 <a14:useLocalDpi xmlns:a14="http://schemas.microsoft.com/office/drawing/2010/main" val="0"/>
@@ -4205,7 +4560,7 @@
           <p:cNvPr id="13" name="Conector recto de flecha 12">
             <a:extLst>
               <a:ext uri="{FF2B5EF4-FFF2-40B4-BE49-F238E27FC236}">
-                <a16:creationId xmlns:a16="http://schemas.microsoft.com/office/drawing/2014/main" id="{B3155117-F9DC-49BF-87CD-10FD70F28DC0}"/>
+                <a16:creationId xmlns="" xmlns:a16="http://schemas.microsoft.com/office/drawing/2014/main" id="{B3155117-F9DC-49BF-87CD-10FD70F28DC0}"/>
               </a:ext>
             </a:extLst>
           </p:cNvPr>
@@ -4216,7 +4571,7 @@
         </p:nvCxnSpPr>
         <p:spPr>
           <a:xfrm>
-            <a:off x="6100622" y="2938302"/>
+            <a:off x="4936355" y="4730825"/>
             <a:ext cx="782959" cy="596348"/>
           </a:xfrm>
           <a:prstGeom prst="straightConnector1">
@@ -4249,7 +4604,7 @@
           <p:cNvPr id="6" name="Picture 2" descr="GitHub Key Features Now Free For All Users - Somag News">
             <a:extLst>
               <a:ext uri="{FF2B5EF4-FFF2-40B4-BE49-F238E27FC236}">
-                <a16:creationId xmlns:a16="http://schemas.microsoft.com/office/drawing/2014/main" id="{532BB007-DA03-4601-B398-70F8AF7800A7}"/>
+                <a16:creationId xmlns="" xmlns:a16="http://schemas.microsoft.com/office/drawing/2014/main" id="{532BB007-DA03-4601-B398-70F8AF7800A7}"/>
               </a:ext>
             </a:extLst>
           </p:cNvPr>
@@ -4259,7 +4614,7 @@
           <p:nvPr/>
         </p:nvPicPr>
         <p:blipFill>
-          <a:blip r:embed="rId9">
+          <a:blip r:embed="rId9" cstate="print">
             <a:extLst>
               <a:ext uri="{28A0092B-C50C-407E-A947-70E740481C1C}">
                 <a14:useLocalDpi xmlns:a14="http://schemas.microsoft.com/office/drawing/2010/main" val="0"/>
@@ -4326,7 +4681,7 @@
           <p:cNvPr id="3" name="Marcador de contenido 2">
             <a:extLst>
               <a:ext uri="{FF2B5EF4-FFF2-40B4-BE49-F238E27FC236}">
-                <a16:creationId xmlns:a16="http://schemas.microsoft.com/office/drawing/2014/main" id="{A6F746BD-1C2D-4701-96AF-96C5374ACFF0}"/>
+                <a16:creationId xmlns="" xmlns:a16="http://schemas.microsoft.com/office/drawing/2014/main" id="{A6F746BD-1C2D-4701-96AF-96C5374ACFF0}"/>
               </a:ext>
             </a:extLst>
           </p:cNvPr>
@@ -4339,55 +4694,72 @@
         </p:nvSpPr>
         <p:spPr>
           <a:xfrm>
-            <a:off x="511035" y="1044002"/>
-            <a:ext cx="11169927" cy="2384998"/>
+            <a:off x="511036" y="1183796"/>
+            <a:ext cx="11169927" cy="5417183"/>
           </a:xfrm>
         </p:spPr>
         <p:txBody>
           <a:bodyPr>
-            <a:normAutofit fontScale="92500" lnSpcReduction="20000"/>
+            <a:normAutofit/>
           </a:bodyPr>
           <a:lstStyle/>
           <a:p>
             <a:r>
-              <a:rPr lang="es-ES" dirty="0">
-                <a:latin typeface="LM Roman 10" panose="00000500000000000000" pitchFamily="50" charset="0"/>
+              <a:rPr lang="es-ES" sz="2400" b="1" dirty="0">
+                <a:solidFill>
+                  <a:srgbClr val="C00000"/>
+                </a:solidFill>
+                <a:latin typeface="Calibri" panose="020F0502020204030204" pitchFamily="34" charset="0"/>
+                <a:cs typeface="Calibri" panose="020F0502020204030204" pitchFamily="34" charset="0"/>
               </a:rPr>
-              <a:t>Google Cloud se pueden usar para generar </a:t>
-            </a:r>
-            <a:r>
-              <a:rPr lang="es-ES" dirty="0" err="1">
-                <a:latin typeface="LM Roman 10" panose="00000500000000000000" pitchFamily="50" charset="0"/>
+              <a:t>Google Cloud </a:t>
+            </a:r>
+            <a:r>
+              <a:rPr lang="es-ES" sz="2400" dirty="0">
+                <a:latin typeface="Calibri" panose="020F0502020204030204" pitchFamily="34" charset="0"/>
+                <a:cs typeface="Calibri" panose="020F0502020204030204" pitchFamily="34" charset="0"/>
+              </a:rPr>
+              <a:t>se pueden usar para generar </a:t>
+            </a:r>
+            <a:r>
+              <a:rPr lang="es-ES" sz="2400" dirty="0" err="1">
+                <a:latin typeface="Calibri" panose="020F0502020204030204" pitchFamily="34" charset="0"/>
+                <a:cs typeface="Calibri" panose="020F0502020204030204" pitchFamily="34" charset="0"/>
               </a:rPr>
               <a:t>clusters</a:t>
             </a:r>
             <a:r>
-              <a:rPr lang="es-ES" dirty="0">
-                <a:latin typeface="LM Roman 10" panose="00000500000000000000" pitchFamily="50" charset="0"/>
+              <a:rPr lang="es-ES" sz="2400" dirty="0">
+                <a:latin typeface="Calibri" panose="020F0502020204030204" pitchFamily="34" charset="0"/>
+                <a:cs typeface="Calibri" panose="020F0502020204030204" pitchFamily="34" charset="0"/>
               </a:rPr>
               <a:t>, pero también para lanzar servicios Docker directamente (Cloud Run) con imágenes generadas en local y subidas a Google Cloud </a:t>
             </a:r>
             <a:r>
-              <a:rPr lang="es-ES" dirty="0" err="1">
-                <a:latin typeface="LM Roman 10" panose="00000500000000000000" pitchFamily="50" charset="0"/>
+              <a:rPr lang="es-ES" sz="2400" dirty="0" err="1">
+                <a:latin typeface="Calibri" panose="020F0502020204030204" pitchFamily="34" charset="0"/>
+                <a:cs typeface="Calibri" panose="020F0502020204030204" pitchFamily="34" charset="0"/>
               </a:rPr>
               <a:t>Platform’s</a:t>
             </a:r>
             <a:r>
-              <a:rPr lang="es-ES" dirty="0">
-                <a:latin typeface="LM Roman 10" panose="00000500000000000000" pitchFamily="50" charset="0"/>
+              <a:rPr lang="es-ES" sz="2400" dirty="0">
+                <a:latin typeface="Calibri" panose="020F0502020204030204" pitchFamily="34" charset="0"/>
+                <a:cs typeface="Calibri" panose="020F0502020204030204" pitchFamily="34" charset="0"/>
               </a:rPr>
               <a:t> Container </a:t>
             </a:r>
             <a:r>
-              <a:rPr lang="es-ES" dirty="0" err="1">
-                <a:latin typeface="LM Roman 10" panose="00000500000000000000" pitchFamily="50" charset="0"/>
+              <a:rPr lang="es-ES" sz="2400" dirty="0" err="1">
+                <a:latin typeface="Calibri" panose="020F0502020204030204" pitchFamily="34" charset="0"/>
+                <a:cs typeface="Calibri" panose="020F0502020204030204" pitchFamily="34" charset="0"/>
               </a:rPr>
               <a:t>Repository</a:t>
             </a:r>
             <a:r>
-              <a:rPr lang="es-ES" dirty="0">
-                <a:latin typeface="LM Roman 10" panose="00000500000000000000" pitchFamily="50" charset="0"/>
+              <a:rPr lang="es-ES" sz="2400" dirty="0">
+                <a:latin typeface="Calibri" panose="020F0502020204030204" pitchFamily="34" charset="0"/>
+                <a:cs typeface="Calibri" panose="020F0502020204030204" pitchFamily="34" charset="0"/>
               </a:rPr>
               <a:t>.</a:t>
             </a:r>
@@ -4397,19 +4769,105 @@
               <a:buNone/>
             </a:pPr>
             <a:r>
-              <a:rPr lang="es-ES" dirty="0">
-                <a:latin typeface="LM Roman 10" panose="00000500000000000000" pitchFamily="50" charset="0"/>
+              <a:rPr lang="es-ES" sz="2400" dirty="0">
+                <a:latin typeface="Calibri" panose="020F0502020204030204" pitchFamily="34" charset="0"/>
+                <a:cs typeface="Calibri" panose="020F0502020204030204" pitchFamily="34" charset="0"/>
               </a:rPr>
               <a:t>(https://towardsdatascience.com/how-to-deploy-docker-containers-to-the-cloud-b4d89b2c6c31)</a:t>
             </a:r>
           </a:p>
           <a:p>
             <a:r>
-              <a:rPr lang="es-ES" dirty="0">
-                <a:latin typeface="LM Roman 10" panose="00000500000000000000" pitchFamily="50" charset="0"/>
+              <a:rPr lang="es-ES" sz="2400" dirty="0">
+                <a:latin typeface="Calibri" panose="020F0502020204030204" pitchFamily="34" charset="0"/>
+                <a:cs typeface="Calibri" panose="020F0502020204030204" pitchFamily="34" charset="0"/>
               </a:rPr>
-              <a:t>Descargar Google Cloud SDK para poder trabajar desde consola</a:t>
-            </a:r>
+              <a:t>Descargar Google Cloud SDK para poder trabajar desde </a:t>
+            </a:r>
+            <a:r>
+              <a:rPr lang="es-ES" sz="2400" dirty="0" smtClean="0">
+                <a:latin typeface="Calibri" panose="020F0502020204030204" pitchFamily="34" charset="0"/>
+                <a:cs typeface="Calibri" panose="020F0502020204030204" pitchFamily="34" charset="0"/>
+              </a:rPr>
+              <a:t>consola</a:t>
+            </a:r>
+          </a:p>
+          <a:p>
+            <a:endParaRPr lang="es-ES" sz="2400" dirty="0">
+              <a:latin typeface="Calibri" panose="020F0502020204030204" pitchFamily="34" charset="0"/>
+              <a:cs typeface="Calibri" panose="020F0502020204030204" pitchFamily="34" charset="0"/>
+            </a:endParaRPr>
+          </a:p>
+          <a:p>
+            <a:endParaRPr lang="es-ES" sz="2400" dirty="0" smtClean="0">
+              <a:latin typeface="Calibri" panose="020F0502020204030204" pitchFamily="34" charset="0"/>
+              <a:cs typeface="Calibri" panose="020F0502020204030204" pitchFamily="34" charset="0"/>
+            </a:endParaRPr>
+          </a:p>
+          <a:p>
+            <a:endParaRPr lang="es-ES" sz="2400" dirty="0">
+              <a:latin typeface="Calibri" panose="020F0502020204030204" pitchFamily="34" charset="0"/>
+              <a:cs typeface="Calibri" panose="020F0502020204030204" pitchFamily="34" charset="0"/>
+            </a:endParaRPr>
+          </a:p>
+          <a:p>
+            <a:r>
+              <a:rPr lang="es-ES" sz="2400" b="1" dirty="0" err="1">
+                <a:solidFill>
+                  <a:srgbClr val="C00000"/>
+                </a:solidFill>
+              </a:rPr>
+              <a:t>Docker</a:t>
+            </a:r>
+            <a:r>
+              <a:rPr lang="es-ES" sz="2400" dirty="0"/>
+              <a:t> permite crear contenedores de aplicaciones </a:t>
+            </a:r>
+            <a:r>
+              <a:rPr lang="es-ES" sz="2400" dirty="0" err="1"/>
+              <a:t>autocontenidos</a:t>
+            </a:r>
+            <a:r>
+              <a:rPr lang="es-ES" sz="2400" dirty="0"/>
+              <a:t>.</a:t>
+            </a:r>
+          </a:p>
+          <a:p>
+            <a:r>
+              <a:rPr lang="es-ES" sz="2400" dirty="0"/>
+              <a:t>Descargar </a:t>
+            </a:r>
+            <a:r>
+              <a:rPr lang="es-ES" sz="2400" dirty="0" err="1"/>
+              <a:t>Docker</a:t>
+            </a:r>
+            <a:r>
+              <a:rPr lang="es-ES" sz="2400" dirty="0"/>
+              <a:t> Desktop para poder trabajar desde Windows en local.</a:t>
+            </a:r>
+          </a:p>
+          <a:p>
+            <a:r>
+              <a:rPr lang="es-ES" sz="2400" dirty="0"/>
+              <a:t>Existe la posibilidad de trabajar en remoto desde un </a:t>
+            </a:r>
+            <a:r>
+              <a:rPr lang="es-ES" sz="2400" dirty="0" err="1"/>
+              <a:t>cluster</a:t>
+            </a:r>
+            <a:r>
+              <a:rPr lang="es-ES" sz="2400" dirty="0"/>
+              <a:t> de Google Cloud.</a:t>
+            </a:r>
+          </a:p>
+          <a:p>
+            <a:pPr marL="0" indent="0">
+              <a:buNone/>
+            </a:pPr>
+            <a:endParaRPr lang="es-ES" sz="2400" dirty="0">
+              <a:latin typeface="Calibri" panose="020F0502020204030204" pitchFamily="34" charset="0"/>
+              <a:cs typeface="Calibri" panose="020F0502020204030204" pitchFamily="34" charset="0"/>
+            </a:endParaRPr>
           </a:p>
         </p:txBody>
       </p:sp>
@@ -4418,7 +4876,7 @@
           <p:cNvPr id="5" name="Picture 2" descr="Telefónica firma un acuerdo con Google para situar a empresas en &quot;la nube&quot;">
             <a:extLst>
               <a:ext uri="{FF2B5EF4-FFF2-40B4-BE49-F238E27FC236}">
-                <a16:creationId xmlns:a16="http://schemas.microsoft.com/office/drawing/2014/main" id="{C953E722-35E5-43DD-9611-18531BEC4A85}"/>
+                <a16:creationId xmlns="" xmlns:a16="http://schemas.microsoft.com/office/drawing/2014/main" id="{C953E722-35E5-43DD-9611-18531BEC4A85}"/>
               </a:ext>
             </a:extLst>
           </p:cNvPr>
@@ -4428,7 +4886,7 @@
           <p:nvPr/>
         </p:nvPicPr>
         <p:blipFill rotWithShape="1">
-          <a:blip r:embed="rId2">
+          <a:blip r:embed="rId2" cstate="print">
             <a:extLst>
               <a:ext uri="{28A0092B-C50C-407E-A947-70E740481C1C}">
                 <a14:useLocalDpi xmlns:a14="http://schemas.microsoft.com/office/drawing/2010/main" val="0"/>
@@ -4440,7 +4898,7 @@
         </p:blipFill>
         <p:spPr bwMode="auto">
           <a:xfrm>
-            <a:off x="3950402" y="276835"/>
+            <a:off x="3772991" y="446707"/>
             <a:ext cx="3497319" cy="636105"/>
           </a:xfrm>
           <a:prstGeom prst="rect">
@@ -4463,7 +4921,7 @@
           <p:cNvPr id="4" name="Picture 4" descr="Get to Know Docker's Ecosystem — Nick Janetakis">
             <a:extLst>
               <a:ext uri="{FF2B5EF4-FFF2-40B4-BE49-F238E27FC236}">
-                <a16:creationId xmlns:a16="http://schemas.microsoft.com/office/drawing/2014/main" id="{017FDD13-C7C1-4431-B60B-9F2A900B1008}"/>
+                <a16:creationId xmlns="" xmlns:a16="http://schemas.microsoft.com/office/drawing/2014/main" id="{017FDD13-C7C1-4431-B60B-9F2A900B1008}"/>
               </a:ext>
             </a:extLst>
           </p:cNvPr>
@@ -4473,7 +4931,7 @@
           <p:nvPr/>
         </p:nvPicPr>
         <p:blipFill>
-          <a:blip r:embed="rId3">
+          <a:blip r:embed="rId3" cstate="print">
             <a:extLst>
               <a:ext uri="{28A0092B-C50C-407E-A947-70E740481C1C}">
                 <a14:useLocalDpi xmlns:a14="http://schemas.microsoft.com/office/drawing/2010/main" val="0"/>
@@ -4487,7 +4945,7 @@
         </p:blipFill>
         <p:spPr bwMode="auto">
           <a:xfrm>
-            <a:off x="4722357" y="3560062"/>
+            <a:off x="4676226" y="3637696"/>
             <a:ext cx="1953408" cy="1099118"/>
           </a:xfrm>
           <a:prstGeom prst="rect">
@@ -4505,235 +4963,6 @@
           </a:extLst>
         </p:spPr>
       </p:pic>
-      <p:sp>
-        <p:nvSpPr>
-          <p:cNvPr id="6" name="Marcador de contenido 2">
-            <a:extLst>
-              <a:ext uri="{FF2B5EF4-FFF2-40B4-BE49-F238E27FC236}">
-                <a16:creationId xmlns:a16="http://schemas.microsoft.com/office/drawing/2014/main" id="{D663CCAF-2D4D-4E2C-A5A7-6176F8689828}"/>
-              </a:ext>
-            </a:extLst>
-          </p:cNvPr>
-          <p:cNvSpPr txBox="1">
-            <a:spLocks/>
-          </p:cNvSpPr>
-          <p:nvPr/>
-        </p:nvSpPr>
-        <p:spPr>
-          <a:xfrm>
-            <a:off x="704022" y="4678639"/>
-            <a:ext cx="10386391" cy="2010879"/>
-          </a:xfrm>
-          <a:prstGeom prst="rect">
-            <a:avLst/>
-          </a:prstGeom>
-        </p:spPr>
-        <p:txBody>
-          <a:bodyPr vert="horz" lIns="91440" tIns="45720" rIns="91440" bIns="45720" rtlCol="0">
-            <a:normAutofit fontScale="92500" lnSpcReduction="10000"/>
-          </a:bodyPr>
-          <a:lstStyle>
-            <a:lvl1pPr marL="228600" indent="-228600" algn="l" defTabSz="914400" rtl="0" eaLnBrk="1" latinLnBrk="0" hangingPunct="1">
-              <a:lnSpc>
-                <a:spcPct val="90000"/>
-              </a:lnSpc>
-              <a:spcBef>
-                <a:spcPts val="1000"/>
-              </a:spcBef>
-              <a:buFont typeface="Arial" panose="020B0604020202020204" pitchFamily="34" charset="0"/>
-              <a:buChar char="•"/>
-              <a:defRPr sz="2800" kern="1200">
-                <a:solidFill>
-                  <a:schemeClr val="tx1"/>
-                </a:solidFill>
-                <a:latin typeface="+mn-lt"/>
-                <a:ea typeface="+mn-ea"/>
-                <a:cs typeface="+mn-cs"/>
-              </a:defRPr>
-            </a:lvl1pPr>
-            <a:lvl2pPr marL="685800" indent="-228600" algn="l" defTabSz="914400" rtl="0" eaLnBrk="1" latinLnBrk="0" hangingPunct="1">
-              <a:lnSpc>
-                <a:spcPct val="90000"/>
-              </a:lnSpc>
-              <a:spcBef>
-                <a:spcPts val="500"/>
-              </a:spcBef>
-              <a:buFont typeface="Arial" panose="020B0604020202020204" pitchFamily="34" charset="0"/>
-              <a:buChar char="•"/>
-              <a:defRPr sz="2400" kern="1200">
-                <a:solidFill>
-                  <a:schemeClr val="tx1"/>
-                </a:solidFill>
-                <a:latin typeface="+mn-lt"/>
-                <a:ea typeface="+mn-ea"/>
-                <a:cs typeface="+mn-cs"/>
-              </a:defRPr>
-            </a:lvl2pPr>
-            <a:lvl3pPr marL="1143000" indent="-228600" algn="l" defTabSz="914400" rtl="0" eaLnBrk="1" latinLnBrk="0" hangingPunct="1">
-              <a:lnSpc>
-                <a:spcPct val="90000"/>
-              </a:lnSpc>
-              <a:spcBef>
-                <a:spcPts val="500"/>
-              </a:spcBef>
-              <a:buFont typeface="Arial" panose="020B0604020202020204" pitchFamily="34" charset="0"/>
-              <a:buChar char="•"/>
-              <a:defRPr sz="2000" kern="1200">
-                <a:solidFill>
-                  <a:schemeClr val="tx1"/>
-                </a:solidFill>
-                <a:latin typeface="+mn-lt"/>
-                <a:ea typeface="+mn-ea"/>
-                <a:cs typeface="+mn-cs"/>
-              </a:defRPr>
-            </a:lvl3pPr>
-            <a:lvl4pPr marL="1600200" indent="-228600" algn="l" defTabSz="914400" rtl="0" eaLnBrk="1" latinLnBrk="0" hangingPunct="1">
-              <a:lnSpc>
-                <a:spcPct val="90000"/>
-              </a:lnSpc>
-              <a:spcBef>
-                <a:spcPts val="500"/>
-              </a:spcBef>
-              <a:buFont typeface="Arial" panose="020B0604020202020204" pitchFamily="34" charset="0"/>
-              <a:buChar char="•"/>
-              <a:defRPr sz="1800" kern="1200">
-                <a:solidFill>
-                  <a:schemeClr val="tx1"/>
-                </a:solidFill>
-                <a:latin typeface="+mn-lt"/>
-                <a:ea typeface="+mn-ea"/>
-                <a:cs typeface="+mn-cs"/>
-              </a:defRPr>
-            </a:lvl4pPr>
-            <a:lvl5pPr marL="2057400" indent="-228600" algn="l" defTabSz="914400" rtl="0" eaLnBrk="1" latinLnBrk="0" hangingPunct="1">
-              <a:lnSpc>
-                <a:spcPct val="90000"/>
-              </a:lnSpc>
-              <a:spcBef>
-                <a:spcPts val="500"/>
-              </a:spcBef>
-              <a:buFont typeface="Arial" panose="020B0604020202020204" pitchFamily="34" charset="0"/>
-              <a:buChar char="•"/>
-              <a:defRPr sz="1800" kern="1200">
-                <a:solidFill>
-                  <a:schemeClr val="tx1"/>
-                </a:solidFill>
-                <a:latin typeface="+mn-lt"/>
-                <a:ea typeface="+mn-ea"/>
-                <a:cs typeface="+mn-cs"/>
-              </a:defRPr>
-            </a:lvl5pPr>
-            <a:lvl6pPr marL="2514600" indent="-228600" algn="l" defTabSz="914400" rtl="0" eaLnBrk="1" latinLnBrk="0" hangingPunct="1">
-              <a:lnSpc>
-                <a:spcPct val="90000"/>
-              </a:lnSpc>
-              <a:spcBef>
-                <a:spcPts val="500"/>
-              </a:spcBef>
-              <a:buFont typeface="Arial" panose="020B0604020202020204" pitchFamily="34" charset="0"/>
-              <a:buChar char="•"/>
-              <a:defRPr sz="1800" kern="1200">
-                <a:solidFill>
-                  <a:schemeClr val="tx1"/>
-                </a:solidFill>
-                <a:latin typeface="+mn-lt"/>
-                <a:ea typeface="+mn-ea"/>
-                <a:cs typeface="+mn-cs"/>
-              </a:defRPr>
-            </a:lvl6pPr>
-            <a:lvl7pPr marL="2971800" indent="-228600" algn="l" defTabSz="914400" rtl="0" eaLnBrk="1" latinLnBrk="0" hangingPunct="1">
-              <a:lnSpc>
-                <a:spcPct val="90000"/>
-              </a:lnSpc>
-              <a:spcBef>
-                <a:spcPts val="500"/>
-              </a:spcBef>
-              <a:buFont typeface="Arial" panose="020B0604020202020204" pitchFamily="34" charset="0"/>
-              <a:buChar char="•"/>
-              <a:defRPr sz="1800" kern="1200">
-                <a:solidFill>
-                  <a:schemeClr val="tx1"/>
-                </a:solidFill>
-                <a:latin typeface="+mn-lt"/>
-                <a:ea typeface="+mn-ea"/>
-                <a:cs typeface="+mn-cs"/>
-              </a:defRPr>
-            </a:lvl7pPr>
-            <a:lvl8pPr marL="3429000" indent="-228600" algn="l" defTabSz="914400" rtl="0" eaLnBrk="1" latinLnBrk="0" hangingPunct="1">
-              <a:lnSpc>
-                <a:spcPct val="90000"/>
-              </a:lnSpc>
-              <a:spcBef>
-                <a:spcPts val="500"/>
-              </a:spcBef>
-              <a:buFont typeface="Arial" panose="020B0604020202020204" pitchFamily="34" charset="0"/>
-              <a:buChar char="•"/>
-              <a:defRPr sz="1800" kern="1200">
-                <a:solidFill>
-                  <a:schemeClr val="tx1"/>
-                </a:solidFill>
-                <a:latin typeface="+mn-lt"/>
-                <a:ea typeface="+mn-ea"/>
-                <a:cs typeface="+mn-cs"/>
-              </a:defRPr>
-            </a:lvl8pPr>
-            <a:lvl9pPr marL="3886200" indent="-228600" algn="l" defTabSz="914400" rtl="0" eaLnBrk="1" latinLnBrk="0" hangingPunct="1">
-              <a:lnSpc>
-                <a:spcPct val="90000"/>
-              </a:lnSpc>
-              <a:spcBef>
-                <a:spcPts val="500"/>
-              </a:spcBef>
-              <a:buFont typeface="Arial" panose="020B0604020202020204" pitchFamily="34" charset="0"/>
-              <a:buChar char="•"/>
-              <a:defRPr sz="1800" kern="1200">
-                <a:solidFill>
-                  <a:schemeClr val="tx1"/>
-                </a:solidFill>
-                <a:latin typeface="+mn-lt"/>
-                <a:ea typeface="+mn-ea"/>
-                <a:cs typeface="+mn-cs"/>
-              </a:defRPr>
-            </a:lvl9pPr>
-          </a:lstStyle>
-          <a:p>
-            <a:r>
-              <a:rPr lang="es-ES" dirty="0">
-                <a:latin typeface="LM Roman 10" panose="00000500000000000000" pitchFamily="50" charset="0"/>
-              </a:rPr>
-              <a:t>Docker permite crear contenedores de aplicaciones autocontenidos.</a:t>
-            </a:r>
-          </a:p>
-          <a:p>
-            <a:r>
-              <a:rPr lang="es-ES" dirty="0">
-                <a:latin typeface="LM Roman 10" panose="00000500000000000000" pitchFamily="50" charset="0"/>
-              </a:rPr>
-              <a:t>Descargar Docker Desktop para poder trabajar desde Windows en local.</a:t>
-            </a:r>
-          </a:p>
-          <a:p>
-            <a:r>
-              <a:rPr lang="es-ES" dirty="0">
-                <a:latin typeface="LM Roman 10" panose="00000500000000000000" pitchFamily="50" charset="0"/>
-              </a:rPr>
-              <a:t>Existe la posibilidad de trabajar en remoto desde un </a:t>
-            </a:r>
-            <a:r>
-              <a:rPr lang="es-ES" dirty="0" err="1">
-                <a:latin typeface="LM Roman 10" panose="00000500000000000000" pitchFamily="50" charset="0"/>
-              </a:rPr>
-              <a:t>cluster</a:t>
-            </a:r>
-            <a:r>
-              <a:rPr lang="es-ES" dirty="0">
-                <a:latin typeface="LM Roman 10" panose="00000500000000000000" pitchFamily="50" charset="0"/>
-              </a:rPr>
-              <a:t> de Google Cloud.</a:t>
-            </a:r>
-          </a:p>
-        </p:txBody>
-      </p:sp>
     </p:spTree>
     <p:extLst>
       <p:ext uri="{BB962C8B-B14F-4D97-AF65-F5344CB8AC3E}">
@@ -4769,7 +4998,7 @@
           <p:cNvPr id="4" name="Picture 2" descr="GitHub Key Features Now Free For All Users - Somag News">
             <a:extLst>
               <a:ext uri="{FF2B5EF4-FFF2-40B4-BE49-F238E27FC236}">
-                <a16:creationId xmlns:a16="http://schemas.microsoft.com/office/drawing/2014/main" id="{FD75182C-AC56-4859-95F6-E710AF1D1728}"/>
+                <a16:creationId xmlns="" xmlns:a16="http://schemas.microsoft.com/office/drawing/2014/main" id="{FD75182C-AC56-4859-95F6-E710AF1D1728}"/>
               </a:ext>
             </a:extLst>
           </p:cNvPr>
@@ -4779,7 +5008,7 @@
           <p:nvPr/>
         </p:nvPicPr>
         <p:blipFill>
-          <a:blip r:embed="rId2">
+          <a:blip r:embed="rId2" cstate="print">
             <a:extLst>
               <a:ext uri="{28A0092B-C50C-407E-A947-70E740481C1C}">
                 <a14:useLocalDpi xmlns:a14="http://schemas.microsoft.com/office/drawing/2010/main" val="0"/>
@@ -4816,7 +5045,7 @@
           <p:cNvPr id="5" name="Marcador de contenido 2">
             <a:extLst>
               <a:ext uri="{FF2B5EF4-FFF2-40B4-BE49-F238E27FC236}">
-                <a16:creationId xmlns:a16="http://schemas.microsoft.com/office/drawing/2014/main" id="{87EDB435-03CB-4719-955E-9F74DAA1DEB7}"/>
+                <a16:creationId xmlns="" xmlns:a16="http://schemas.microsoft.com/office/drawing/2014/main" id="{87EDB435-03CB-4719-955E-9F74DAA1DEB7}"/>
               </a:ext>
             </a:extLst>
           </p:cNvPr>
@@ -4838,18 +5067,26 @@
           <a:lstStyle/>
           <a:p>
             <a:r>
-              <a:rPr lang="es-ES" dirty="0">
-                <a:latin typeface="LM Roman 10" panose="00000500000000000000" pitchFamily="50" charset="0"/>
+              <a:rPr lang="es-ES" dirty="0"/>
+              <a:t>Repositorio para control de versiones.</a:t>
+            </a:r>
+          </a:p>
+          <a:p>
+            <a:r>
+              <a:rPr lang="es-ES" dirty="0"/>
+              <a:t>Descargar </a:t>
+            </a:r>
+            <a:r>
+              <a:rPr lang="es-ES" b="1" dirty="0">
+                <a:solidFill>
+                  <a:srgbClr val="C00000"/>
+                </a:solidFill>
               </a:rPr>
-              <a:t>Repositorio para control de versiones.</a:t>
-            </a:r>
-          </a:p>
-          <a:p>
-            <a:r>
-              <a:rPr lang="es-ES" dirty="0">
-                <a:latin typeface="LM Roman 10" panose="00000500000000000000" pitchFamily="50" charset="0"/>
-              </a:rPr>
-              <a:t>Descargar GitHub Desktop para trabajar en local y acceder al repositorio remoto.</a:t>
+              <a:t>GitHub</a:t>
+            </a:r>
+            <a:r>
+              <a:rPr lang="es-ES" dirty="0"/>
+              <a:t> Desktop para trabajar en local y acceder al repositorio remoto.</a:t>
             </a:r>
           </a:p>
         </p:txBody>
@@ -4865,6 +5102,3744 @@
     <a:masterClrMapping/>
   </p:clrMapOvr>
 </p:sld>
+</file>
+
+<file path=ppt/slides/slide6.xml><?xml version="1.0" encoding="utf-8"?>
+<p:sld xmlns:a="http://schemas.openxmlformats.org/drawingml/2006/main" xmlns:r="http://schemas.openxmlformats.org/officeDocument/2006/relationships" xmlns:p="http://schemas.openxmlformats.org/presentationml/2006/main">
+  <p:cSld>
+    <p:spTree>
+      <p:nvGrpSpPr>
+        <p:cNvPr id="1" name=""/>
+        <p:cNvGrpSpPr/>
+        <p:nvPr/>
+      </p:nvGrpSpPr>
+      <p:grpSpPr>
+        <a:xfrm>
+          <a:off x="0" y="0"/>
+          <a:ext cx="0" cy="0"/>
+          <a:chOff x="0" y="0"/>
+          <a:chExt cx="0" cy="0"/>
+        </a:xfrm>
+      </p:grpSpPr>
+      <p:sp>
+        <p:nvSpPr>
+          <p:cNvPr id="2" name="1 Título"/>
+          <p:cNvSpPr>
+            <a:spLocks noGrp="1"/>
+          </p:cNvSpPr>
+          <p:nvPr>
+            <p:ph type="title"/>
+          </p:nvPr>
+        </p:nvSpPr>
+        <p:spPr>
+          <a:xfrm>
+            <a:off x="838200" y="365126"/>
+            <a:ext cx="10515600" cy="877078"/>
+          </a:xfrm>
+        </p:spPr>
+        <p:txBody>
+          <a:bodyPr/>
+          <a:lstStyle/>
+          <a:p>
+            <a:r>
+              <a:rPr lang="es-ES" b="1" dirty="0" smtClean="0">
+                <a:solidFill>
+                  <a:srgbClr val="C00000"/>
+                </a:solidFill>
+                <a:latin typeface="+mn-lt"/>
+              </a:rPr>
+              <a:t>Recursos</a:t>
+            </a:r>
+            <a:endParaRPr lang="es-ES" b="1" dirty="0">
+              <a:solidFill>
+                <a:srgbClr val="C00000"/>
+              </a:solidFill>
+              <a:latin typeface="+mn-lt"/>
+            </a:endParaRPr>
+          </a:p>
+        </p:txBody>
+      </p:sp>
+      <p:sp>
+        <p:nvSpPr>
+          <p:cNvPr id="3" name="2 Marcador de contenido"/>
+          <p:cNvSpPr>
+            <a:spLocks noGrp="1"/>
+          </p:cNvSpPr>
+          <p:nvPr>
+            <p:ph idx="1"/>
+          </p:nvPr>
+        </p:nvSpPr>
+        <p:spPr>
+          <a:xfrm>
+            <a:off x="838200" y="1311215"/>
+            <a:ext cx="10515600" cy="4865748"/>
+          </a:xfrm>
+        </p:spPr>
+        <p:txBody>
+          <a:bodyPr>
+            <a:normAutofit fontScale="92500" lnSpcReduction="20000"/>
+          </a:bodyPr>
+          <a:lstStyle/>
+          <a:p>
+            <a:r>
+              <a:rPr lang="es-ES" sz="2000" dirty="0" err="1" smtClean="0"/>
+              <a:t>Github</a:t>
+            </a:r>
+            <a:endParaRPr lang="es-ES" sz="2000" dirty="0" smtClean="0"/>
+          </a:p>
+          <a:p>
+            <a:pPr marL="0" indent="0">
+              <a:spcAft>
+                <a:spcPts val="1200"/>
+              </a:spcAft>
+              <a:buNone/>
+            </a:pPr>
+            <a:r>
+              <a:rPr lang="es-ES" sz="2000" dirty="0"/>
+              <a:t> </a:t>
+            </a:r>
+            <a:r>
+              <a:rPr lang="es-ES" sz="2000" dirty="0" smtClean="0"/>
+              <a:t>   </a:t>
+            </a:r>
+            <a:r>
+              <a:rPr lang="es-ES" sz="2000" dirty="0" smtClean="0">
+                <a:hlinkClick r:id="rId2"/>
+              </a:rPr>
+              <a:t>https</a:t>
+            </a:r>
+            <a:r>
+              <a:rPr lang="es-ES" sz="2000" dirty="0">
+                <a:hlinkClick r:id="rId2"/>
+              </a:rPr>
+              <a:t>://</a:t>
+            </a:r>
+            <a:r>
+              <a:rPr lang="es-ES" sz="2000" dirty="0" smtClean="0">
+                <a:hlinkClick r:id="rId2"/>
+              </a:rPr>
+              <a:t>www.youtube.com/watch?v=HiXLkL42tMU</a:t>
+            </a:r>
+            <a:endParaRPr lang="es-ES" sz="2000" dirty="0" smtClean="0"/>
+          </a:p>
+          <a:p>
+            <a:r>
+              <a:rPr lang="es-ES" sz="2000" dirty="0" smtClean="0"/>
+              <a:t>Visual Studio </a:t>
+            </a:r>
+            <a:r>
+              <a:rPr lang="es-ES" sz="2000" dirty="0" err="1" smtClean="0"/>
+              <a:t>Code</a:t>
+            </a:r>
+            <a:endParaRPr lang="es-ES" sz="2000" dirty="0" smtClean="0"/>
+          </a:p>
+          <a:p>
+            <a:r>
+              <a:rPr lang="es-ES" sz="2000" dirty="0" err="1" smtClean="0"/>
+              <a:t>Github</a:t>
+            </a:r>
+            <a:r>
+              <a:rPr lang="es-ES" sz="2000" dirty="0" smtClean="0"/>
+              <a:t> – Proyecto </a:t>
+            </a:r>
+            <a:r>
+              <a:rPr lang="en-US" sz="2000" dirty="0" smtClean="0"/>
+              <a:t>“Electric </a:t>
+            </a:r>
+            <a:r>
+              <a:rPr lang="en-US" sz="2000" dirty="0"/>
+              <a:t>Vehicles and their </a:t>
+            </a:r>
+            <a:r>
+              <a:rPr lang="en-US" sz="2000" dirty="0" smtClean="0"/>
+              <a:t>specs”</a:t>
+            </a:r>
+          </a:p>
+          <a:p>
+            <a:pPr marL="0" indent="0">
+              <a:spcAft>
+                <a:spcPts val="1200"/>
+              </a:spcAft>
+              <a:buNone/>
+            </a:pPr>
+            <a:r>
+              <a:rPr lang="es-ES" sz="2000" dirty="0">
+                <a:hlinkClick r:id="rId3"/>
+              </a:rPr>
+              <a:t>    https://github.com/chargeprice/open-ev-data</a:t>
+            </a:r>
+            <a:endParaRPr lang="es-ES" sz="2000" dirty="0"/>
+          </a:p>
+          <a:p>
+            <a:r>
+              <a:rPr lang="es-ES" sz="2000" dirty="0"/>
+              <a:t>Python </a:t>
+            </a:r>
+            <a:r>
+              <a:rPr lang="es-ES" sz="2000" dirty="0" err="1"/>
+              <a:t>Flask</a:t>
+            </a:r>
+            <a:r>
+              <a:rPr lang="es-ES" sz="2000" dirty="0"/>
+              <a:t> y </a:t>
+            </a:r>
+            <a:r>
+              <a:rPr lang="es-ES" sz="2000" dirty="0" err="1"/>
+              <a:t>Mysql</a:t>
+            </a:r>
+            <a:r>
+              <a:rPr lang="es-ES" sz="2000" dirty="0"/>
+              <a:t> </a:t>
+            </a:r>
+          </a:p>
+          <a:p>
+            <a:pPr lvl="1">
+              <a:buFont typeface="Courier New" panose="02070309020205020404" pitchFamily="49" charset="0"/>
+              <a:buChar char="o"/>
+            </a:pPr>
+            <a:r>
+              <a:rPr lang="es-ES" sz="1600" dirty="0"/>
+              <a:t>Tutoriales:</a:t>
+            </a:r>
+            <a:endParaRPr lang="es-ES" sz="2000" dirty="0"/>
+          </a:p>
+          <a:p>
+            <a:pPr marL="0" indent="0">
+              <a:buNone/>
+            </a:pPr>
+            <a:r>
+              <a:rPr lang="es-ES" sz="2000" dirty="0"/>
+              <a:t>	</a:t>
+            </a:r>
+            <a:r>
+              <a:rPr lang="es-ES" sz="1600" dirty="0">
+                <a:hlinkClick r:id="rId4"/>
+              </a:rPr>
+              <a:t>https://www.youtube.com/watch?v=IgCfZkR8wME&amp;t=2337s</a:t>
+            </a:r>
+            <a:endParaRPr lang="es-ES" sz="1600" dirty="0"/>
+          </a:p>
+          <a:p>
+            <a:pPr lvl="1">
+              <a:buFont typeface="Courier New" panose="02070309020205020404" pitchFamily="49" charset="0"/>
+              <a:buChar char="o"/>
+            </a:pPr>
+            <a:r>
+              <a:rPr lang="en-US" sz="1600" dirty="0"/>
+              <a:t>Create your first ML Web App with Flask (blog)</a:t>
+            </a:r>
+          </a:p>
+          <a:p>
+            <a:pPr marL="457200" lvl="1" indent="0">
+              <a:buNone/>
+            </a:pPr>
+            <a:r>
+              <a:rPr lang="es-ES" sz="2800" dirty="0"/>
+              <a:t>	</a:t>
+            </a:r>
+            <a:r>
+              <a:rPr lang="es-ES" sz="1600" dirty="0">
+                <a:hlinkClick r:id="rId5"/>
+              </a:rPr>
+              <a:t>https://medium.com/analytics-vidhya/create-your-first-ml-web-app-with-flask-ed0c4bb54312</a:t>
+            </a:r>
+            <a:endParaRPr lang="es-ES" sz="1600" dirty="0"/>
+          </a:p>
+          <a:p>
+            <a:pPr lvl="1">
+              <a:buFont typeface="Courier New" panose="02070309020205020404" pitchFamily="49" charset="0"/>
+              <a:buChar char="o"/>
+            </a:pPr>
+            <a:r>
+              <a:rPr lang="es-ES" sz="1600" dirty="0"/>
+              <a:t>Utilidades gráficas (</a:t>
+            </a:r>
+            <a:r>
+              <a:rPr lang="es-ES" sz="1600" dirty="0" err="1"/>
+              <a:t>Filters</a:t>
+            </a:r>
+            <a:r>
+              <a:rPr lang="es-ES" sz="1600" dirty="0"/>
+              <a:t>, </a:t>
+            </a:r>
+            <a:r>
+              <a:rPr lang="es-ES" sz="1600" dirty="0" err="1"/>
+              <a:t>tables</a:t>
+            </a:r>
+            <a:r>
+              <a:rPr lang="es-ES" sz="1600" dirty="0"/>
+              <a:t>, </a:t>
+            </a:r>
+            <a:r>
+              <a:rPr lang="es-ES" sz="1600" dirty="0" err="1"/>
+              <a:t>images</a:t>
+            </a:r>
+            <a:r>
+              <a:rPr lang="es-ES" sz="1600" dirty="0"/>
+              <a:t>, …)</a:t>
+            </a:r>
+          </a:p>
+          <a:p>
+            <a:pPr marL="457200" lvl="1" indent="0">
+              <a:buNone/>
+            </a:pPr>
+            <a:r>
+              <a:rPr lang="es-ES" sz="2800" dirty="0"/>
+              <a:t>	</a:t>
+            </a:r>
+            <a:r>
+              <a:rPr lang="es-ES" sz="1600" dirty="0">
+                <a:hlinkClick r:id="rId6"/>
+              </a:rPr>
+              <a:t>https://www.w3schools.com/howto/howto_js_rangeslider.asp</a:t>
+            </a:r>
+            <a:endParaRPr lang="es-ES" sz="1600" dirty="0"/>
+          </a:p>
+          <a:p>
+            <a:pPr marL="742950" lvl="2" indent="-285750">
+              <a:spcBef>
+                <a:spcPts val="1000"/>
+              </a:spcBef>
+              <a:buFont typeface="Courier New" panose="02070309020205020404" pitchFamily="49" charset="0"/>
+              <a:buChar char="o"/>
+            </a:pPr>
+            <a:r>
+              <a:rPr lang="es-ES" sz="1600" dirty="0"/>
+              <a:t>Ejemplos Aplicaciones web:</a:t>
+            </a:r>
+          </a:p>
+          <a:p>
+            <a:pPr marL="457200" lvl="2" indent="0">
+              <a:spcBef>
+                <a:spcPts val="1000"/>
+              </a:spcBef>
+              <a:spcAft>
+                <a:spcPts val="1200"/>
+              </a:spcAft>
+              <a:buNone/>
+            </a:pPr>
+            <a:r>
+              <a:rPr lang="es-ES" sz="1600" dirty="0"/>
+              <a:t>	</a:t>
+            </a:r>
+            <a:r>
+              <a:rPr lang="es-ES" sz="1600" dirty="0">
+                <a:hlinkClick r:id="rId7"/>
+              </a:rPr>
+              <a:t>https://themes.getbootstrap.com/</a:t>
+            </a:r>
+            <a:endParaRPr lang="es-ES" sz="1600" dirty="0"/>
+          </a:p>
+          <a:p>
+            <a:pPr marL="0" indent="0">
+              <a:buNone/>
+            </a:pPr>
+            <a:endParaRPr lang="es-ES" sz="2000" dirty="0"/>
+          </a:p>
+        </p:txBody>
+      </p:sp>
+    </p:spTree>
+    <p:extLst>
+      <p:ext uri="{BB962C8B-B14F-4D97-AF65-F5344CB8AC3E}">
+        <p14:creationId xmlns:p14="http://schemas.microsoft.com/office/powerpoint/2010/main" val="4089392579"/>
+      </p:ext>
+    </p:extLst>
+  </p:cSld>
+  <p:clrMapOvr>
+    <a:masterClrMapping/>
+  </p:clrMapOvr>
+</p:sld>
+</file>
+
+<file path=ppt/slides/slide7.xml><?xml version="1.0" encoding="utf-8"?>
+<p:sld xmlns:a="http://schemas.openxmlformats.org/drawingml/2006/main" xmlns:r="http://schemas.openxmlformats.org/officeDocument/2006/relationships" xmlns:p="http://schemas.openxmlformats.org/presentationml/2006/main">
+  <p:cSld>
+    <p:spTree>
+      <p:nvGrpSpPr>
+        <p:cNvPr id="1" name=""/>
+        <p:cNvGrpSpPr/>
+        <p:nvPr/>
+      </p:nvGrpSpPr>
+      <p:grpSpPr>
+        <a:xfrm>
+          <a:off x="0" y="0"/>
+          <a:ext cx="0" cy="0"/>
+          <a:chOff x="0" y="0"/>
+          <a:chExt cx="0" cy="0"/>
+        </a:xfrm>
+      </p:grpSpPr>
+      <p:sp>
+        <p:nvSpPr>
+          <p:cNvPr id="2" name="1 Título"/>
+          <p:cNvSpPr>
+            <a:spLocks noGrp="1"/>
+          </p:cNvSpPr>
+          <p:nvPr>
+            <p:ph type="title"/>
+          </p:nvPr>
+        </p:nvSpPr>
+        <p:spPr>
+          <a:xfrm>
+            <a:off x="838200" y="365126"/>
+            <a:ext cx="10515600" cy="877078"/>
+          </a:xfrm>
+        </p:spPr>
+        <p:txBody>
+          <a:bodyPr/>
+          <a:lstStyle/>
+          <a:p>
+            <a:r>
+              <a:rPr lang="es-ES" b="1" dirty="0" smtClean="0">
+                <a:solidFill>
+                  <a:srgbClr val="C00000"/>
+                </a:solidFill>
+                <a:latin typeface="+mn-lt"/>
+              </a:rPr>
+              <a:t>Inputs</a:t>
+            </a:r>
+            <a:endParaRPr lang="es-ES" b="1" dirty="0">
+              <a:solidFill>
+                <a:srgbClr val="C00000"/>
+              </a:solidFill>
+              <a:latin typeface="+mn-lt"/>
+            </a:endParaRPr>
+          </a:p>
+        </p:txBody>
+      </p:sp>
+      <p:sp>
+        <p:nvSpPr>
+          <p:cNvPr id="3" name="2 Marcador de contenido"/>
+          <p:cNvSpPr>
+            <a:spLocks noGrp="1"/>
+          </p:cNvSpPr>
+          <p:nvPr>
+            <p:ph idx="1"/>
+          </p:nvPr>
+        </p:nvSpPr>
+        <p:spPr>
+          <a:xfrm>
+            <a:off x="838200" y="1311215"/>
+            <a:ext cx="10515600" cy="4865748"/>
+          </a:xfrm>
+        </p:spPr>
+        <p:txBody>
+          <a:bodyPr>
+            <a:normAutofit/>
+          </a:bodyPr>
+          <a:lstStyle/>
+          <a:p>
+            <a:r>
+              <a:rPr lang="es-ES" sz="2000" dirty="0" err="1" smtClean="0"/>
+              <a:t>Electromaps</a:t>
+            </a:r>
+            <a:endParaRPr lang="es-ES" sz="2000" dirty="0"/>
+          </a:p>
+          <a:p>
+            <a:pPr marL="0" indent="0">
+              <a:spcAft>
+                <a:spcPts val="1200"/>
+              </a:spcAft>
+              <a:buNone/>
+            </a:pPr>
+            <a:r>
+              <a:rPr lang="es-ES" sz="2000" dirty="0"/>
+              <a:t>    </a:t>
+            </a:r>
+            <a:r>
+              <a:rPr lang="es-ES" sz="2000" dirty="0">
+                <a:hlinkClick r:id="rId2"/>
+              </a:rPr>
+              <a:t>https://www.electromaps.com</a:t>
+            </a:r>
+            <a:r>
+              <a:rPr lang="es-ES" sz="2000" dirty="0" smtClean="0">
+                <a:hlinkClick r:id="rId2"/>
+              </a:rPr>
+              <a:t>/</a:t>
+            </a:r>
+            <a:endParaRPr lang="es-ES" sz="2000" dirty="0" smtClean="0"/>
+          </a:p>
+          <a:p>
+            <a:r>
+              <a:rPr lang="es-ES" sz="2000" dirty="0" smtClean="0"/>
+              <a:t>Lista coches eléctrico</a:t>
+            </a:r>
+          </a:p>
+          <a:p>
+            <a:pPr marL="0" indent="0">
+              <a:spcAft>
+                <a:spcPts val="1200"/>
+              </a:spcAft>
+              <a:buNone/>
+            </a:pPr>
+            <a:r>
+              <a:rPr lang="es-ES" sz="2000" dirty="0"/>
+              <a:t> </a:t>
+            </a:r>
+            <a:r>
+              <a:rPr lang="es-ES" sz="2000" dirty="0" smtClean="0"/>
+              <a:t>   </a:t>
+            </a:r>
+            <a:r>
+              <a:rPr lang="es-ES" sz="2000" dirty="0">
+                <a:hlinkClick r:id="rId3"/>
+              </a:rPr>
+              <a:t>https://</a:t>
+            </a:r>
+            <a:r>
+              <a:rPr lang="es-ES" sz="2000" dirty="0" smtClean="0">
+                <a:hlinkClick r:id="rId3"/>
+              </a:rPr>
+              <a:t>www.kaggle.com/geoffnel/evs-one-electric-vehicle-dataset</a:t>
+            </a:r>
+            <a:endParaRPr lang="es-ES" sz="2000" dirty="0" smtClean="0"/>
+          </a:p>
+          <a:p>
+            <a:pPr>
+              <a:spcAft>
+                <a:spcPts val="1200"/>
+              </a:spcAft>
+            </a:pPr>
+            <a:r>
+              <a:rPr lang="es-ES" sz="2000" dirty="0" smtClean="0"/>
+              <a:t>Lista puntos de recarga </a:t>
+            </a:r>
+            <a:r>
+              <a:rPr lang="es-ES" sz="2000" dirty="0" smtClean="0">
+                <a:hlinkClick r:id="rId4"/>
+              </a:rPr>
+              <a:t>https</a:t>
+            </a:r>
+            <a:r>
+              <a:rPr lang="es-ES" sz="2000" dirty="0">
+                <a:hlinkClick r:id="rId4"/>
+              </a:rPr>
+              <a:t>://datos.madrid.es/portal/site/egob/menuitem.c05c1f754a33a9fbe4b2e4b284f1a5a0/?</a:t>
+            </a:r>
+            <a:r>
+              <a:rPr lang="es-ES" sz="2000" dirty="0" smtClean="0">
+                <a:hlinkClick r:id="rId4"/>
+              </a:rPr>
+              <a:t>vgnextoid=715953387ffa0710VgnVCM2000001f4a900aRCRD&amp;vgnextchannel=374512b9ace9f310VgnVCM100000171f5a0aRCRD&amp;vgnextfmt=default</a:t>
+            </a:r>
+            <a:endParaRPr lang="es-ES" sz="2000" dirty="0" smtClean="0"/>
+          </a:p>
+          <a:p>
+            <a:r>
+              <a:rPr lang="es-ES" sz="2000" dirty="0" smtClean="0"/>
+              <a:t>Puntos de recarga de acceso público</a:t>
+            </a:r>
+          </a:p>
+          <a:p>
+            <a:pPr marL="0" indent="0">
+              <a:buNone/>
+            </a:pPr>
+            <a:r>
+              <a:rPr lang="es-ES" sz="2000" dirty="0"/>
+              <a:t> </a:t>
+            </a:r>
+            <a:r>
+              <a:rPr lang="es-ES" sz="2000" dirty="0" smtClean="0"/>
+              <a:t>    </a:t>
+            </a:r>
+            <a:r>
+              <a:rPr lang="es-ES" sz="2000" dirty="0">
+                <a:hlinkClick r:id="rId5"/>
+              </a:rPr>
+              <a:t>https://</a:t>
+            </a:r>
+            <a:r>
+              <a:rPr lang="es-ES" sz="2000" dirty="0" smtClean="0">
+                <a:hlinkClick r:id="rId5"/>
+              </a:rPr>
+              <a:t>datos.gob.es/en/catalogo/l01280796-puntos-de-recarga-de-vehiculos-electricos-de-acceso-publico</a:t>
+            </a:r>
+            <a:endParaRPr lang="es-ES" sz="2000" dirty="0"/>
+          </a:p>
+          <a:p>
+            <a:r>
+              <a:rPr lang="es-ES" sz="2000" dirty="0" smtClean="0"/>
+              <a:t>Datos </a:t>
+            </a:r>
+            <a:r>
+              <a:rPr lang="es-ES" sz="2000" dirty="0"/>
+              <a:t>tráfico</a:t>
+            </a:r>
+          </a:p>
+          <a:p>
+            <a:pPr marL="0" indent="0">
+              <a:buNone/>
+            </a:pPr>
+            <a:endParaRPr lang="es-ES" sz="2000" dirty="0"/>
+          </a:p>
+        </p:txBody>
+      </p:sp>
+    </p:spTree>
+    <p:extLst>
+      <p:ext uri="{BB962C8B-B14F-4D97-AF65-F5344CB8AC3E}">
+        <p14:creationId xmlns:p14="http://schemas.microsoft.com/office/powerpoint/2010/main" val="3174971114"/>
+      </p:ext>
+    </p:extLst>
+  </p:cSld>
+  <p:clrMapOvr>
+    <a:masterClrMapping/>
+  </p:clrMapOvr>
+</p:sld>
+</file>
+
+<file path=ppt/slides/slide8.xml><?xml version="1.0" encoding="utf-8"?>
+<p:sld xmlns:a="http://schemas.openxmlformats.org/drawingml/2006/main" xmlns:r="http://schemas.openxmlformats.org/officeDocument/2006/relationships" xmlns:p="http://schemas.openxmlformats.org/presentationml/2006/main">
+  <p:cSld>
+    <p:spTree>
+      <p:nvGrpSpPr>
+        <p:cNvPr id="1" name=""/>
+        <p:cNvGrpSpPr/>
+        <p:nvPr/>
+      </p:nvGrpSpPr>
+      <p:grpSpPr>
+        <a:xfrm>
+          <a:off x="0" y="0"/>
+          <a:ext cx="0" cy="0"/>
+          <a:chOff x="0" y="0"/>
+          <a:chExt cx="0" cy="0"/>
+        </a:xfrm>
+      </p:grpSpPr>
+      <p:sp>
+        <p:nvSpPr>
+          <p:cNvPr id="50" name="Text Box 11"/>
+          <p:cNvSpPr txBox="1">
+            <a:spLocks noChangeArrowheads="1"/>
+          </p:cNvSpPr>
+          <p:nvPr>
+            <p:custDataLst>
+              <p:tags r:id="rId1"/>
+            </p:custDataLst>
+          </p:nvPr>
+        </p:nvSpPr>
+        <p:spPr bwMode="auto">
+          <a:xfrm rot="20410573">
+            <a:off x="3450273" y="3680999"/>
+            <a:ext cx="7243326" cy="1446550"/>
+          </a:xfrm>
+          <a:prstGeom prst="rect">
+            <a:avLst/>
+          </a:prstGeom>
+          <a:noFill/>
+          <a:ln>
+            <a:noFill/>
+          </a:ln>
+          <a:extLst>
+            <a:ext uri="{909E8E84-426E-40DD-AFC4-6F175D3DCCD1}">
+              <a14:hiddenFill xmlns:a14="http://schemas.microsoft.com/office/drawing/2010/main">
+                <a:solidFill>
+                  <a:srgbClr val="FFFFFF"/>
+                </a:solidFill>
+              </a14:hiddenFill>
+            </a:ext>
+            <a:ext uri="{91240B29-F687-4F45-9708-019B960494DF}">
+              <a14:hiddenLine xmlns:a14="http://schemas.microsoft.com/office/drawing/2010/main" w="12700">
+                <a:solidFill>
+                  <a:srgbClr val="000000"/>
+                </a:solidFill>
+                <a:miter lim="800000"/>
+                <a:headEnd/>
+                <a:tailEnd/>
+              </a14:hiddenLine>
+            </a:ext>
+          </a:extLst>
+        </p:spPr>
+        <p:txBody>
+          <a:bodyPr wrap="square">
+            <a:spAutoFit/>
+          </a:bodyPr>
+          <a:lstStyle>
+            <a:lvl1pPr defTabSz="762000" eaLnBrk="0" hangingPunct="0">
+              <a:defRPr sz="1000">
+                <a:solidFill>
+                  <a:srgbClr val="414141"/>
+                </a:solidFill>
+                <a:latin typeface="Arial" charset="0"/>
+                <a:cs typeface="Arial" charset="0"/>
+              </a:defRPr>
+            </a:lvl1pPr>
+            <a:lvl2pPr marL="742950" indent="-285750" defTabSz="762000" eaLnBrk="0" hangingPunct="0">
+              <a:defRPr sz="1000">
+                <a:solidFill>
+                  <a:srgbClr val="414141"/>
+                </a:solidFill>
+                <a:latin typeface="Arial" charset="0"/>
+                <a:cs typeface="Arial" charset="0"/>
+              </a:defRPr>
+            </a:lvl2pPr>
+            <a:lvl3pPr marL="1143000" indent="-228600" defTabSz="762000" eaLnBrk="0" hangingPunct="0">
+              <a:defRPr sz="1000">
+                <a:solidFill>
+                  <a:srgbClr val="414141"/>
+                </a:solidFill>
+                <a:latin typeface="Arial" charset="0"/>
+                <a:cs typeface="Arial" charset="0"/>
+              </a:defRPr>
+            </a:lvl3pPr>
+            <a:lvl4pPr marL="1600200" indent="-228600" defTabSz="762000" eaLnBrk="0" hangingPunct="0">
+              <a:defRPr sz="1000">
+                <a:solidFill>
+                  <a:srgbClr val="414141"/>
+                </a:solidFill>
+                <a:latin typeface="Arial" charset="0"/>
+                <a:cs typeface="Arial" charset="0"/>
+              </a:defRPr>
+            </a:lvl4pPr>
+            <a:lvl5pPr marL="2057400" indent="-228600" defTabSz="762000" eaLnBrk="0" hangingPunct="0">
+              <a:defRPr sz="1000">
+                <a:solidFill>
+                  <a:srgbClr val="414141"/>
+                </a:solidFill>
+                <a:latin typeface="Arial" charset="0"/>
+                <a:cs typeface="Arial" charset="0"/>
+              </a:defRPr>
+            </a:lvl5pPr>
+            <a:lvl6pPr marL="2514600" indent="-228600" defTabSz="762000" eaLnBrk="0" fontAlgn="base" hangingPunct="0">
+              <a:spcBef>
+                <a:spcPct val="0"/>
+              </a:spcBef>
+              <a:spcAft>
+                <a:spcPct val="0"/>
+              </a:spcAft>
+              <a:defRPr sz="1000">
+                <a:solidFill>
+                  <a:srgbClr val="414141"/>
+                </a:solidFill>
+                <a:latin typeface="Arial" charset="0"/>
+                <a:cs typeface="Arial" charset="0"/>
+              </a:defRPr>
+            </a:lvl6pPr>
+            <a:lvl7pPr marL="2971800" indent="-228600" defTabSz="762000" eaLnBrk="0" fontAlgn="base" hangingPunct="0">
+              <a:spcBef>
+                <a:spcPct val="0"/>
+              </a:spcBef>
+              <a:spcAft>
+                <a:spcPct val="0"/>
+              </a:spcAft>
+              <a:defRPr sz="1000">
+                <a:solidFill>
+                  <a:srgbClr val="414141"/>
+                </a:solidFill>
+                <a:latin typeface="Arial" charset="0"/>
+                <a:cs typeface="Arial" charset="0"/>
+              </a:defRPr>
+            </a:lvl7pPr>
+            <a:lvl8pPr marL="3429000" indent="-228600" defTabSz="762000" eaLnBrk="0" fontAlgn="base" hangingPunct="0">
+              <a:spcBef>
+                <a:spcPct val="0"/>
+              </a:spcBef>
+              <a:spcAft>
+                <a:spcPct val="0"/>
+              </a:spcAft>
+              <a:defRPr sz="1000">
+                <a:solidFill>
+                  <a:srgbClr val="414141"/>
+                </a:solidFill>
+                <a:latin typeface="Arial" charset="0"/>
+                <a:cs typeface="Arial" charset="0"/>
+              </a:defRPr>
+            </a:lvl8pPr>
+            <a:lvl9pPr marL="3886200" indent="-228600" defTabSz="762000" eaLnBrk="0" fontAlgn="base" hangingPunct="0">
+              <a:spcBef>
+                <a:spcPct val="0"/>
+              </a:spcBef>
+              <a:spcAft>
+                <a:spcPct val="0"/>
+              </a:spcAft>
+              <a:defRPr sz="1000">
+                <a:solidFill>
+                  <a:srgbClr val="414141"/>
+                </a:solidFill>
+                <a:latin typeface="Arial" charset="0"/>
+                <a:cs typeface="Arial" charset="0"/>
+              </a:defRPr>
+            </a:lvl9pPr>
+          </a:lstStyle>
+          <a:p>
+            <a:pPr algn="ctr"/>
+            <a:r>
+              <a:rPr lang="en-GB" altLang="es-ES" sz="8800" dirty="0" smtClean="0">
+                <a:ln w="10160">
+                  <a:solidFill>
+                    <a:schemeClr val="accent1"/>
+                  </a:solidFill>
+                  <a:prstDash val="solid"/>
+                </a:ln>
+                <a:noFill/>
+              </a:rPr>
+              <a:t>BORRADOR</a:t>
+            </a:r>
+            <a:endParaRPr lang="en-GB" altLang="en-US" sz="8800" dirty="0">
+              <a:ln w="10160">
+                <a:solidFill>
+                  <a:schemeClr val="accent1"/>
+                </a:solidFill>
+                <a:prstDash val="solid"/>
+              </a:ln>
+              <a:noFill/>
+            </a:endParaRPr>
+          </a:p>
+        </p:txBody>
+      </p:sp>
+      <p:sp>
+        <p:nvSpPr>
+          <p:cNvPr id="2" name="1 Título"/>
+          <p:cNvSpPr txBox="1">
+            <a:spLocks/>
+          </p:cNvSpPr>
+          <p:nvPr/>
+        </p:nvSpPr>
+        <p:spPr>
+          <a:xfrm>
+            <a:off x="589474" y="235730"/>
+            <a:ext cx="10515600" cy="877078"/>
+          </a:xfrm>
+          <a:prstGeom prst="rect">
+            <a:avLst/>
+          </a:prstGeom>
+        </p:spPr>
+        <p:txBody>
+          <a:bodyPr/>
+          <a:lstStyle>
+            <a:lvl1pPr algn="l" defTabSz="914400" rtl="0" eaLnBrk="1" latinLnBrk="0" hangingPunct="1">
+              <a:lnSpc>
+                <a:spcPct val="90000"/>
+              </a:lnSpc>
+              <a:spcBef>
+                <a:spcPct val="0"/>
+              </a:spcBef>
+              <a:buNone/>
+              <a:defRPr sz="4400" kern="1200">
+                <a:solidFill>
+                  <a:schemeClr val="tx1"/>
+                </a:solidFill>
+                <a:latin typeface="+mj-lt"/>
+                <a:ea typeface="+mj-ea"/>
+                <a:cs typeface="+mj-cs"/>
+              </a:defRPr>
+            </a:lvl1pPr>
+          </a:lstStyle>
+          <a:p>
+            <a:r>
+              <a:rPr lang="es-ES" b="1" smtClean="0">
+                <a:solidFill>
+                  <a:srgbClr val="C00000"/>
+                </a:solidFill>
+                <a:latin typeface="+mn-lt"/>
+              </a:rPr>
+              <a:t>Calendario tentativo</a:t>
+            </a:r>
+            <a:endParaRPr lang="es-ES" b="1" dirty="0">
+              <a:solidFill>
+                <a:srgbClr val="C00000"/>
+              </a:solidFill>
+              <a:latin typeface="+mn-lt"/>
+            </a:endParaRPr>
+          </a:p>
+        </p:txBody>
+      </p:sp>
+      <p:sp>
+        <p:nvSpPr>
+          <p:cNvPr id="4" name="3 Rectángulo"/>
+          <p:cNvSpPr/>
+          <p:nvPr>
+            <p:custDataLst>
+              <p:tags r:id="rId2"/>
+            </p:custDataLst>
+          </p:nvPr>
+        </p:nvSpPr>
+        <p:spPr>
+          <a:xfrm>
+            <a:off x="525097" y="1938259"/>
+            <a:ext cx="1786781" cy="643721"/>
+          </a:xfrm>
+          <a:prstGeom prst="rect">
+            <a:avLst/>
+          </a:prstGeom>
+          <a:solidFill>
+            <a:srgbClr val="C00000"/>
+          </a:solidFill>
+          <a:ln>
+            <a:noFill/>
+          </a:ln>
+        </p:spPr>
+        <p:style>
+          <a:lnRef idx="1">
+            <a:schemeClr val="accent5"/>
+          </a:lnRef>
+          <a:fillRef idx="3">
+            <a:schemeClr val="accent5"/>
+          </a:fillRef>
+          <a:effectRef idx="2">
+            <a:schemeClr val="accent5"/>
+          </a:effectRef>
+          <a:fontRef idx="minor">
+            <a:schemeClr val="lt1"/>
+          </a:fontRef>
+        </p:style>
+        <p:txBody>
+          <a:bodyPr spcFirstLastPara="0" vert="horz" wrap="square" lIns="6350" tIns="6350" rIns="6350" bIns="6350" numCol="1" spcCol="1270" rtlCol="0" anchor="ctr" anchorCtr="0">
+            <a:noAutofit/>
+          </a:bodyPr>
+          <a:lstStyle/>
+          <a:p>
+            <a:pPr algn="ctr" defTabSz="444500">
+              <a:lnSpc>
+                <a:spcPts val="1400"/>
+              </a:lnSpc>
+              <a:spcBef>
+                <a:spcPts val="600"/>
+              </a:spcBef>
+              <a:spcAft>
+                <a:spcPts val="600"/>
+              </a:spcAft>
+            </a:pPr>
+            <a:r>
+              <a:rPr lang="en-GB" sz="1100" b="1" dirty="0" err="1" smtClean="0">
+                <a:solidFill>
+                  <a:schemeClr val="bg1"/>
+                </a:solidFill>
+                <a:latin typeface="Vodafone Rg" pitchFamily="34" charset="0"/>
+              </a:rPr>
+              <a:t>Definición</a:t>
+            </a:r>
+            <a:endParaRPr lang="en-GB" sz="1100" b="1" dirty="0">
+              <a:solidFill>
+                <a:schemeClr val="bg1"/>
+              </a:solidFill>
+              <a:latin typeface="Vodafone Rg" pitchFamily="34" charset="0"/>
+            </a:endParaRPr>
+          </a:p>
+        </p:txBody>
+      </p:sp>
+      <p:sp>
+        <p:nvSpPr>
+          <p:cNvPr id="8" name="7 Rectángulo"/>
+          <p:cNvSpPr>
+            <a:spLocks/>
+          </p:cNvSpPr>
+          <p:nvPr>
+            <p:custDataLst>
+              <p:tags r:id="rId3"/>
+            </p:custDataLst>
+          </p:nvPr>
+        </p:nvSpPr>
+        <p:spPr bwMode="auto">
+          <a:xfrm>
+            <a:off x="2413542" y="1257821"/>
+            <a:ext cx="2839945" cy="216000"/>
+          </a:xfrm>
+          <a:prstGeom prst="rect">
+            <a:avLst/>
+          </a:prstGeom>
+          <a:solidFill>
+            <a:schemeClr val="tx1">
+              <a:lumMod val="65000"/>
+              <a:lumOff val="35000"/>
+            </a:schemeClr>
+          </a:solidFill>
+          <a:ln w="9525" cap="flat" cmpd="sng" algn="ctr">
+            <a:noFill/>
+            <a:prstDash val="solid"/>
+          </a:ln>
+          <a:effectLst/>
+        </p:spPr>
+        <p:style>
+          <a:lnRef idx="2">
+            <a:scrgbClr r="0" g="0" b="0"/>
+          </a:lnRef>
+          <a:fillRef idx="1">
+            <a:scrgbClr r="0" g="0" b="0"/>
+          </a:fillRef>
+          <a:effectRef idx="0">
+            <a:scrgbClr r="0" g="0" b="0"/>
+          </a:effectRef>
+          <a:fontRef idx="minor">
+            <a:schemeClr val="lt1"/>
+          </a:fontRef>
+        </p:style>
+        <p:txBody>
+          <a:bodyPr spcFirstLastPara="0" vert="horz" wrap="none" lIns="0" tIns="23813" rIns="0" bIns="23813" numCol="1" spcCol="1270" rtlCol="0" anchor="ctr" anchorCtr="0">
+            <a:noAutofit/>
+          </a:bodyPr>
+          <a:lstStyle/>
+          <a:p>
+            <a:pPr algn="ctr" defTabSz="444500">
+              <a:spcBef>
+                <a:spcPct val="0"/>
+              </a:spcBef>
+              <a:spcAft>
+                <a:spcPct val="0"/>
+              </a:spcAft>
+            </a:pPr>
+            <a:r>
+              <a:rPr lang="en-US" sz="1100" b="1" kern="1200" dirty="0" err="1" smtClean="0">
+                <a:solidFill>
+                  <a:schemeClr val="bg1"/>
+                </a:solidFill>
+                <a:latin typeface="Vodafone Rg"/>
+                <a:sym typeface="Vodafone Rg"/>
+              </a:rPr>
+              <a:t>Dic</a:t>
+            </a:r>
+            <a:endParaRPr lang="en-US" sz="1100" b="1" kern="1200" dirty="0" smtClean="0">
+              <a:solidFill>
+                <a:schemeClr val="bg1"/>
+              </a:solidFill>
+              <a:latin typeface="Vodafone Rg"/>
+              <a:sym typeface="Vodafone Rg"/>
+            </a:endParaRPr>
+          </a:p>
+        </p:txBody>
+      </p:sp>
+      <p:sp>
+        <p:nvSpPr>
+          <p:cNvPr id="9" name="8 Rectángulo"/>
+          <p:cNvSpPr>
+            <a:spLocks/>
+          </p:cNvSpPr>
+          <p:nvPr>
+            <p:custDataLst>
+              <p:tags r:id="rId4"/>
+            </p:custDataLst>
+          </p:nvPr>
+        </p:nvSpPr>
+        <p:spPr bwMode="auto">
+          <a:xfrm>
+            <a:off x="5354040" y="1257821"/>
+            <a:ext cx="3435794" cy="216000"/>
+          </a:xfrm>
+          <a:prstGeom prst="rect">
+            <a:avLst/>
+          </a:prstGeom>
+          <a:solidFill>
+            <a:schemeClr val="tx1">
+              <a:lumMod val="65000"/>
+              <a:lumOff val="35000"/>
+            </a:schemeClr>
+          </a:solidFill>
+          <a:ln w="9525" cap="flat" cmpd="sng" algn="ctr">
+            <a:noFill/>
+            <a:prstDash val="solid"/>
+          </a:ln>
+          <a:effectLst/>
+        </p:spPr>
+        <p:style>
+          <a:lnRef idx="2">
+            <a:scrgbClr r="0" g="0" b="0"/>
+          </a:lnRef>
+          <a:fillRef idx="1">
+            <a:scrgbClr r="0" g="0" b="0"/>
+          </a:fillRef>
+          <a:effectRef idx="0">
+            <a:scrgbClr r="0" g="0" b="0"/>
+          </a:effectRef>
+          <a:fontRef idx="minor">
+            <a:schemeClr val="lt1"/>
+          </a:fontRef>
+        </p:style>
+        <p:txBody>
+          <a:bodyPr spcFirstLastPara="0" vert="horz" wrap="none" lIns="0" tIns="23813" rIns="0" bIns="23813" numCol="1" spcCol="1270" rtlCol="0" anchor="ctr" anchorCtr="0">
+            <a:noAutofit/>
+          </a:bodyPr>
+          <a:lstStyle/>
+          <a:p>
+            <a:pPr algn="ctr" defTabSz="444500">
+              <a:spcBef>
+                <a:spcPct val="0"/>
+              </a:spcBef>
+              <a:spcAft>
+                <a:spcPct val="0"/>
+              </a:spcAft>
+            </a:pPr>
+            <a:r>
+              <a:rPr lang="en-US" sz="1100" b="1" kern="1200" dirty="0" err="1" smtClean="0">
+                <a:solidFill>
+                  <a:schemeClr val="bg1"/>
+                </a:solidFill>
+                <a:latin typeface="Vodafone Rg"/>
+                <a:sym typeface="Vodafone Rg"/>
+              </a:rPr>
+              <a:t>Ene</a:t>
+            </a:r>
+            <a:endParaRPr lang="en-US" sz="1100" b="1" kern="1200" dirty="0" smtClean="0">
+              <a:solidFill>
+                <a:schemeClr val="bg1"/>
+              </a:solidFill>
+              <a:latin typeface="Vodafone Rg"/>
+              <a:sym typeface="Vodafone Rg"/>
+            </a:endParaRPr>
+          </a:p>
+        </p:txBody>
+      </p:sp>
+      <p:sp>
+        <p:nvSpPr>
+          <p:cNvPr id="10" name="9 Rectángulo"/>
+          <p:cNvSpPr>
+            <a:spLocks/>
+          </p:cNvSpPr>
+          <p:nvPr>
+            <p:custDataLst>
+              <p:tags r:id="rId5"/>
+            </p:custDataLst>
+          </p:nvPr>
+        </p:nvSpPr>
+        <p:spPr bwMode="auto">
+          <a:xfrm>
+            <a:off x="8885205" y="1257821"/>
+            <a:ext cx="2264767" cy="216000"/>
+          </a:xfrm>
+          <a:prstGeom prst="rect">
+            <a:avLst/>
+          </a:prstGeom>
+          <a:solidFill>
+            <a:schemeClr val="tx1">
+              <a:lumMod val="65000"/>
+              <a:lumOff val="35000"/>
+            </a:schemeClr>
+          </a:solidFill>
+          <a:ln w="9525" cap="flat" cmpd="sng" algn="ctr">
+            <a:noFill/>
+            <a:prstDash val="solid"/>
+          </a:ln>
+          <a:effectLst/>
+        </p:spPr>
+        <p:style>
+          <a:lnRef idx="2">
+            <a:scrgbClr r="0" g="0" b="0"/>
+          </a:lnRef>
+          <a:fillRef idx="1">
+            <a:scrgbClr r="0" g="0" b="0"/>
+          </a:fillRef>
+          <a:effectRef idx="0">
+            <a:scrgbClr r="0" g="0" b="0"/>
+          </a:effectRef>
+          <a:fontRef idx="minor">
+            <a:schemeClr val="lt1"/>
+          </a:fontRef>
+        </p:style>
+        <p:txBody>
+          <a:bodyPr spcFirstLastPara="0" vert="horz" wrap="none" lIns="0" tIns="23813" rIns="0" bIns="23813" numCol="1" spcCol="1270" rtlCol="0" anchor="ctr" anchorCtr="0">
+            <a:noAutofit/>
+          </a:bodyPr>
+          <a:lstStyle/>
+          <a:p>
+            <a:pPr algn="ctr" defTabSz="444500">
+              <a:spcBef>
+                <a:spcPct val="0"/>
+              </a:spcBef>
+              <a:spcAft>
+                <a:spcPct val="0"/>
+              </a:spcAft>
+            </a:pPr>
+            <a:r>
+              <a:rPr lang="en-US" sz="1100" b="1" kern="1200" dirty="0" smtClean="0">
+                <a:solidFill>
+                  <a:schemeClr val="bg1"/>
+                </a:solidFill>
+                <a:latin typeface="Vodafone Rg"/>
+                <a:sym typeface="Vodafone Rg"/>
+              </a:rPr>
+              <a:t>Feb</a:t>
+            </a:r>
+          </a:p>
+        </p:txBody>
+      </p:sp>
+      <p:sp>
+        <p:nvSpPr>
+          <p:cNvPr id="12" name="11 Rectángulo"/>
+          <p:cNvSpPr/>
+          <p:nvPr>
+            <p:custDataLst>
+              <p:tags r:id="rId6"/>
+            </p:custDataLst>
+          </p:nvPr>
+        </p:nvSpPr>
+        <p:spPr>
+          <a:xfrm>
+            <a:off x="525096" y="2768884"/>
+            <a:ext cx="1786781" cy="643721"/>
+          </a:xfrm>
+          <a:prstGeom prst="rect">
+            <a:avLst/>
+          </a:prstGeom>
+          <a:solidFill>
+            <a:srgbClr val="E60000"/>
+          </a:solidFill>
+          <a:ln>
+            <a:noFill/>
+          </a:ln>
+        </p:spPr>
+        <p:style>
+          <a:lnRef idx="1">
+            <a:schemeClr val="accent5"/>
+          </a:lnRef>
+          <a:fillRef idx="3">
+            <a:schemeClr val="accent5"/>
+          </a:fillRef>
+          <a:effectRef idx="2">
+            <a:schemeClr val="accent5"/>
+          </a:effectRef>
+          <a:fontRef idx="minor">
+            <a:schemeClr val="lt1"/>
+          </a:fontRef>
+        </p:style>
+        <p:txBody>
+          <a:bodyPr spcFirstLastPara="0" vert="horz" wrap="square" lIns="6350" tIns="6350" rIns="6350" bIns="6350" numCol="1" spcCol="1270" rtlCol="0" anchor="ctr" anchorCtr="0">
+            <a:noAutofit/>
+          </a:bodyPr>
+          <a:lstStyle/>
+          <a:p>
+            <a:pPr algn="ctr" defTabSz="444500">
+              <a:lnSpc>
+                <a:spcPts val="1400"/>
+              </a:lnSpc>
+              <a:spcBef>
+                <a:spcPts val="600"/>
+              </a:spcBef>
+              <a:spcAft>
+                <a:spcPts val="600"/>
+              </a:spcAft>
+            </a:pPr>
+            <a:r>
+              <a:rPr lang="en-GB" sz="1100" b="1" dirty="0" err="1" smtClean="0">
+                <a:solidFill>
+                  <a:schemeClr val="bg1"/>
+                </a:solidFill>
+                <a:latin typeface="Vodafone Rg" pitchFamily="34" charset="0"/>
+              </a:rPr>
+              <a:t>Análisis</a:t>
+            </a:r>
+            <a:endParaRPr lang="en-GB" sz="1100" b="1" dirty="0">
+              <a:solidFill>
+                <a:schemeClr val="bg1"/>
+              </a:solidFill>
+              <a:latin typeface="Vodafone Rg" pitchFamily="34" charset="0"/>
+            </a:endParaRPr>
+          </a:p>
+        </p:txBody>
+      </p:sp>
+      <p:sp>
+        <p:nvSpPr>
+          <p:cNvPr id="13" name="12 Rectángulo redondeado"/>
+          <p:cNvSpPr/>
+          <p:nvPr/>
+        </p:nvSpPr>
+        <p:spPr>
+          <a:xfrm>
+            <a:off x="2537914" y="1938260"/>
+            <a:ext cx="1037630" cy="643720"/>
+          </a:xfrm>
+          <a:prstGeom prst="roundRect">
+            <a:avLst>
+              <a:gd name="adj" fmla="val 3775"/>
+            </a:avLst>
+          </a:prstGeom>
+          <a:solidFill>
+            <a:schemeClr val="bg1">
+              <a:lumMod val="65000"/>
+            </a:schemeClr>
+          </a:solidFill>
+          <a:ln>
+            <a:noFill/>
+          </a:ln>
+        </p:spPr>
+        <p:style>
+          <a:lnRef idx="1">
+            <a:schemeClr val="accent5"/>
+          </a:lnRef>
+          <a:fillRef idx="3">
+            <a:schemeClr val="accent5"/>
+          </a:fillRef>
+          <a:effectRef idx="2">
+            <a:schemeClr val="accent5"/>
+          </a:effectRef>
+          <a:fontRef idx="minor">
+            <a:schemeClr val="lt1"/>
+          </a:fontRef>
+        </p:style>
+        <p:txBody>
+          <a:bodyPr spcFirstLastPara="0" vert="horz" wrap="square" lIns="6350" tIns="6350" rIns="6350" bIns="6350" numCol="1" spcCol="1270" rtlCol="0" anchor="ctr" anchorCtr="0">
+            <a:noAutofit/>
+          </a:bodyPr>
+          <a:lstStyle/>
+          <a:p>
+            <a:pPr algn="ctr" defTabSz="444500">
+              <a:lnSpc>
+                <a:spcPts val="1000"/>
+              </a:lnSpc>
+              <a:spcBef>
+                <a:spcPts val="600"/>
+              </a:spcBef>
+              <a:spcAft>
+                <a:spcPts val="600"/>
+              </a:spcAft>
+            </a:pPr>
+            <a:endParaRPr lang="es-ES" sz="1000" dirty="0">
+              <a:solidFill>
+                <a:schemeClr val="bg1"/>
+              </a:solidFill>
+              <a:latin typeface="Vodafone Rg" pitchFamily="34" charset="0"/>
+            </a:endParaRPr>
+          </a:p>
+        </p:txBody>
+      </p:sp>
+      <p:sp>
+        <p:nvSpPr>
+          <p:cNvPr id="14" name="13 Rectángulo"/>
+          <p:cNvSpPr>
+            <a:spLocks/>
+          </p:cNvSpPr>
+          <p:nvPr>
+            <p:custDataLst>
+              <p:tags r:id="rId7"/>
+            </p:custDataLst>
+          </p:nvPr>
+        </p:nvSpPr>
+        <p:spPr bwMode="auto">
+          <a:xfrm>
+            <a:off x="2413542" y="1525578"/>
+            <a:ext cx="741589" cy="216000"/>
+          </a:xfrm>
+          <a:prstGeom prst="rect">
+            <a:avLst/>
+          </a:prstGeom>
+          <a:pattFill prst="pct50">
+            <a:fgClr>
+              <a:schemeClr val="bg1">
+                <a:lumMod val="50000"/>
+              </a:schemeClr>
+            </a:fgClr>
+            <a:bgClr>
+              <a:schemeClr val="bg1"/>
+            </a:bgClr>
+          </a:pattFill>
+          <a:ln w="9525" cap="flat" cmpd="sng" algn="ctr">
+            <a:noFill/>
+            <a:prstDash val="solid"/>
+          </a:ln>
+          <a:effectLst/>
+        </p:spPr>
+        <p:style>
+          <a:lnRef idx="2">
+            <a:scrgbClr r="0" g="0" b="0"/>
+          </a:lnRef>
+          <a:fillRef idx="1">
+            <a:scrgbClr r="0" g="0" b="0"/>
+          </a:fillRef>
+          <a:effectRef idx="0">
+            <a:scrgbClr r="0" g="0" b="0"/>
+          </a:effectRef>
+          <a:fontRef idx="minor">
+            <a:schemeClr val="lt1"/>
+          </a:fontRef>
+        </p:style>
+        <p:txBody>
+          <a:bodyPr spcFirstLastPara="0" vert="horz" wrap="none" lIns="0" tIns="23813" rIns="0" bIns="23813" numCol="1" spcCol="1270" rtlCol="0" anchor="ctr" anchorCtr="0">
+            <a:noAutofit/>
+          </a:bodyPr>
+          <a:lstStyle/>
+          <a:p>
+            <a:pPr algn="ctr" defTabSz="444500">
+              <a:spcBef>
+                <a:spcPct val="0"/>
+              </a:spcBef>
+              <a:spcAft>
+                <a:spcPct val="0"/>
+              </a:spcAft>
+            </a:pPr>
+            <a:r>
+              <a:rPr lang="en-US" sz="1100" b="1" dirty="0" smtClean="0">
+                <a:solidFill>
+                  <a:schemeClr val="bg1"/>
+                </a:solidFill>
+                <a:latin typeface="Vodafone Rg"/>
+                <a:sym typeface="Vodafone Rg"/>
+              </a:rPr>
+              <a:t>w1</a:t>
+            </a:r>
+            <a:endParaRPr lang="en-US" sz="1100" b="1" kern="1200" dirty="0" smtClean="0">
+              <a:solidFill>
+                <a:schemeClr val="bg1"/>
+              </a:solidFill>
+              <a:latin typeface="Vodafone Rg"/>
+              <a:sym typeface="Vodafone Rg"/>
+            </a:endParaRPr>
+          </a:p>
+        </p:txBody>
+      </p:sp>
+      <p:sp>
+        <p:nvSpPr>
+          <p:cNvPr id="15" name="14 Rectángulo"/>
+          <p:cNvSpPr>
+            <a:spLocks/>
+          </p:cNvSpPr>
+          <p:nvPr>
+            <p:custDataLst>
+              <p:tags r:id="rId8"/>
+            </p:custDataLst>
+          </p:nvPr>
+        </p:nvSpPr>
+        <p:spPr bwMode="auto">
+          <a:xfrm>
+            <a:off x="3204750" y="1525578"/>
+            <a:ext cx="741589" cy="216000"/>
+          </a:xfrm>
+          <a:prstGeom prst="rect">
+            <a:avLst/>
+          </a:prstGeom>
+          <a:pattFill prst="pct50">
+            <a:fgClr>
+              <a:schemeClr val="bg1">
+                <a:lumMod val="50000"/>
+              </a:schemeClr>
+            </a:fgClr>
+            <a:bgClr>
+              <a:schemeClr val="bg1"/>
+            </a:bgClr>
+          </a:pattFill>
+          <a:ln w="9525" cap="flat" cmpd="sng" algn="ctr">
+            <a:noFill/>
+            <a:prstDash val="solid"/>
+          </a:ln>
+          <a:effectLst/>
+        </p:spPr>
+        <p:style>
+          <a:lnRef idx="2">
+            <a:scrgbClr r="0" g="0" b="0"/>
+          </a:lnRef>
+          <a:fillRef idx="1">
+            <a:scrgbClr r="0" g="0" b="0"/>
+          </a:fillRef>
+          <a:effectRef idx="0">
+            <a:scrgbClr r="0" g="0" b="0"/>
+          </a:effectRef>
+          <a:fontRef idx="minor">
+            <a:schemeClr val="lt1"/>
+          </a:fontRef>
+        </p:style>
+        <p:txBody>
+          <a:bodyPr spcFirstLastPara="0" vert="horz" wrap="none" lIns="0" tIns="23813" rIns="0" bIns="23813" numCol="1" spcCol="1270" rtlCol="0" anchor="ctr" anchorCtr="0">
+            <a:noAutofit/>
+          </a:bodyPr>
+          <a:lstStyle/>
+          <a:p>
+            <a:pPr algn="ctr" defTabSz="444500">
+              <a:spcBef>
+                <a:spcPct val="0"/>
+              </a:spcBef>
+              <a:spcAft>
+                <a:spcPct val="0"/>
+              </a:spcAft>
+            </a:pPr>
+            <a:r>
+              <a:rPr lang="en-US" sz="1100" b="1" dirty="0" smtClean="0">
+                <a:solidFill>
+                  <a:schemeClr val="bg1"/>
+                </a:solidFill>
+                <a:latin typeface="Vodafone Rg"/>
+                <a:sym typeface="Vodafone Rg"/>
+              </a:rPr>
+              <a:t>w2</a:t>
+            </a:r>
+            <a:endParaRPr lang="en-US" sz="1100" b="1" kern="1200" dirty="0" smtClean="0">
+              <a:solidFill>
+                <a:schemeClr val="bg1"/>
+              </a:solidFill>
+              <a:latin typeface="Vodafone Rg"/>
+              <a:sym typeface="Vodafone Rg"/>
+            </a:endParaRPr>
+          </a:p>
+        </p:txBody>
+      </p:sp>
+      <p:sp>
+        <p:nvSpPr>
+          <p:cNvPr id="16" name="15 Rectángulo"/>
+          <p:cNvSpPr>
+            <a:spLocks/>
+          </p:cNvSpPr>
+          <p:nvPr>
+            <p:custDataLst>
+              <p:tags r:id="rId9"/>
+            </p:custDataLst>
+          </p:nvPr>
+        </p:nvSpPr>
+        <p:spPr bwMode="auto">
+          <a:xfrm>
+            <a:off x="3997928" y="1527156"/>
+            <a:ext cx="741589" cy="216000"/>
+          </a:xfrm>
+          <a:prstGeom prst="rect">
+            <a:avLst/>
+          </a:prstGeom>
+          <a:pattFill prst="pct50">
+            <a:fgClr>
+              <a:schemeClr val="bg1">
+                <a:lumMod val="50000"/>
+              </a:schemeClr>
+            </a:fgClr>
+            <a:bgClr>
+              <a:schemeClr val="bg1"/>
+            </a:bgClr>
+          </a:pattFill>
+          <a:ln w="9525" cap="flat" cmpd="sng" algn="ctr">
+            <a:noFill/>
+            <a:prstDash val="solid"/>
+          </a:ln>
+          <a:effectLst/>
+        </p:spPr>
+        <p:style>
+          <a:lnRef idx="2">
+            <a:scrgbClr r="0" g="0" b="0"/>
+          </a:lnRef>
+          <a:fillRef idx="1">
+            <a:scrgbClr r="0" g="0" b="0"/>
+          </a:fillRef>
+          <a:effectRef idx="0">
+            <a:scrgbClr r="0" g="0" b="0"/>
+          </a:effectRef>
+          <a:fontRef idx="minor">
+            <a:schemeClr val="lt1"/>
+          </a:fontRef>
+        </p:style>
+        <p:txBody>
+          <a:bodyPr spcFirstLastPara="0" vert="horz" wrap="none" lIns="0" tIns="23813" rIns="0" bIns="23813" numCol="1" spcCol="1270" rtlCol="0" anchor="ctr" anchorCtr="0">
+            <a:noAutofit/>
+          </a:bodyPr>
+          <a:lstStyle/>
+          <a:p>
+            <a:pPr algn="ctr" defTabSz="444500">
+              <a:spcBef>
+                <a:spcPct val="0"/>
+              </a:spcBef>
+              <a:spcAft>
+                <a:spcPct val="0"/>
+              </a:spcAft>
+            </a:pPr>
+            <a:r>
+              <a:rPr lang="en-US" sz="1100" b="1" dirty="0" smtClean="0">
+                <a:solidFill>
+                  <a:schemeClr val="bg1"/>
+                </a:solidFill>
+                <a:latin typeface="Vodafone Rg"/>
+                <a:sym typeface="Vodafone Rg"/>
+              </a:rPr>
+              <a:t>w3</a:t>
+            </a:r>
+            <a:endParaRPr lang="en-US" sz="1100" b="1" kern="1200" dirty="0" smtClean="0">
+              <a:solidFill>
+                <a:schemeClr val="bg1"/>
+              </a:solidFill>
+              <a:latin typeface="Vodafone Rg"/>
+              <a:sym typeface="Vodafone Rg"/>
+            </a:endParaRPr>
+          </a:p>
+        </p:txBody>
+      </p:sp>
+      <p:sp>
+        <p:nvSpPr>
+          <p:cNvPr id="17" name="16 Rectángulo"/>
+          <p:cNvSpPr>
+            <a:spLocks/>
+          </p:cNvSpPr>
+          <p:nvPr>
+            <p:custDataLst>
+              <p:tags r:id="rId10"/>
+            </p:custDataLst>
+          </p:nvPr>
+        </p:nvSpPr>
+        <p:spPr bwMode="auto">
+          <a:xfrm>
+            <a:off x="4808809" y="1525578"/>
+            <a:ext cx="741589" cy="216000"/>
+          </a:xfrm>
+          <a:prstGeom prst="rect">
+            <a:avLst/>
+          </a:prstGeom>
+          <a:pattFill prst="pct50">
+            <a:fgClr>
+              <a:schemeClr val="bg1">
+                <a:lumMod val="50000"/>
+              </a:schemeClr>
+            </a:fgClr>
+            <a:bgClr>
+              <a:schemeClr val="bg1"/>
+            </a:bgClr>
+          </a:pattFill>
+          <a:ln w="9525" cap="flat" cmpd="sng" algn="ctr">
+            <a:noFill/>
+            <a:prstDash val="solid"/>
+          </a:ln>
+          <a:effectLst/>
+        </p:spPr>
+        <p:style>
+          <a:lnRef idx="2">
+            <a:scrgbClr r="0" g="0" b="0"/>
+          </a:lnRef>
+          <a:fillRef idx="1">
+            <a:scrgbClr r="0" g="0" b="0"/>
+          </a:fillRef>
+          <a:effectRef idx="0">
+            <a:scrgbClr r="0" g="0" b="0"/>
+          </a:effectRef>
+          <a:fontRef idx="minor">
+            <a:schemeClr val="lt1"/>
+          </a:fontRef>
+        </p:style>
+        <p:txBody>
+          <a:bodyPr spcFirstLastPara="0" vert="horz" wrap="none" lIns="0" tIns="23813" rIns="0" bIns="23813" numCol="1" spcCol="1270" rtlCol="0" anchor="ctr" anchorCtr="0">
+            <a:noAutofit/>
+          </a:bodyPr>
+          <a:lstStyle/>
+          <a:p>
+            <a:pPr algn="ctr" defTabSz="444500">
+              <a:spcBef>
+                <a:spcPct val="0"/>
+              </a:spcBef>
+              <a:spcAft>
+                <a:spcPct val="0"/>
+              </a:spcAft>
+            </a:pPr>
+            <a:r>
+              <a:rPr lang="en-US" sz="1100" b="1" dirty="0" smtClean="0">
+                <a:solidFill>
+                  <a:schemeClr val="bg1"/>
+                </a:solidFill>
+                <a:latin typeface="Vodafone Rg"/>
+                <a:sym typeface="Vodafone Rg"/>
+              </a:rPr>
+              <a:t>w4</a:t>
+            </a:r>
+            <a:endParaRPr lang="en-US" sz="1100" b="1" kern="1200" dirty="0" smtClean="0">
+              <a:solidFill>
+                <a:schemeClr val="bg1"/>
+              </a:solidFill>
+              <a:latin typeface="Vodafone Rg"/>
+              <a:sym typeface="Vodafone Rg"/>
+            </a:endParaRPr>
+          </a:p>
+        </p:txBody>
+      </p:sp>
+      <p:grpSp>
+        <p:nvGrpSpPr>
+          <p:cNvPr id="18" name="17 Grupo"/>
+          <p:cNvGrpSpPr>
+            <a:grpSpLocks noChangeAspect="1"/>
+          </p:cNvGrpSpPr>
+          <p:nvPr/>
+        </p:nvGrpSpPr>
+        <p:grpSpPr>
+          <a:xfrm>
+            <a:off x="3423525" y="1938260"/>
+            <a:ext cx="304037" cy="401662"/>
+            <a:chOff x="2321387" y="2708359"/>
+            <a:chExt cx="304037" cy="401662"/>
+          </a:xfrm>
+        </p:grpSpPr>
+        <p:sp>
+          <p:nvSpPr>
+            <p:cNvPr id="19" name="18 Elipse"/>
+            <p:cNvSpPr/>
+            <p:nvPr/>
+          </p:nvSpPr>
+          <p:spPr>
+            <a:xfrm>
+              <a:off x="2347405" y="2783190"/>
+              <a:ext cx="252000" cy="252000"/>
+            </a:xfrm>
+            <a:prstGeom prst="ellipse">
+              <a:avLst/>
+            </a:prstGeom>
+            <a:solidFill>
+              <a:schemeClr val="bg1"/>
+            </a:solidFill>
+            <a:ln w="25400" cap="flat" cmpd="sng" algn="ctr">
+              <a:noFill/>
+              <a:prstDash val="solid"/>
+            </a:ln>
+            <a:effectLst/>
+          </p:spPr>
+          <p:style>
+            <a:lnRef idx="2">
+              <a:scrgbClr r="0" g="0" b="0"/>
+            </a:lnRef>
+            <a:fillRef idx="1">
+              <a:scrgbClr r="0" g="0" b="0"/>
+            </a:fillRef>
+            <a:effectRef idx="0">
+              <a:scrgbClr r="0" g="0" b="0"/>
+            </a:effectRef>
+            <a:fontRef idx="minor">
+              <a:schemeClr val="lt1"/>
+            </a:fontRef>
+          </p:style>
+          <p:txBody>
+            <a:bodyPr spcFirstLastPara="0" vert="horz" wrap="square" lIns="6350" tIns="6350" rIns="6350" bIns="6350" numCol="1" spcCol="1270" rtlCol="0" anchor="ctr" anchorCtr="0">
+              <a:noAutofit/>
+            </a:bodyPr>
+            <a:lstStyle/>
+            <a:p>
+              <a:pPr algn="ctr" defTabSz="444500">
+                <a:lnSpc>
+                  <a:spcPct val="90000"/>
+                </a:lnSpc>
+                <a:spcBef>
+                  <a:spcPct val="0"/>
+                </a:spcBef>
+                <a:spcAft>
+                  <a:spcPct val="35000"/>
+                </a:spcAft>
+              </a:pPr>
+              <a:endParaRPr lang="es-ES" sz="1000" kern="1200" dirty="0" smtClean="0">
+                <a:solidFill>
+                  <a:srgbClr val="34342B"/>
+                </a:solidFill>
+                <a:latin typeface="Vodafone Rg" pitchFamily="34" charset="0"/>
+                <a:ea typeface="+mn-ea"/>
+                <a:cs typeface="+mn-cs"/>
+              </a:endParaRPr>
+            </a:p>
+          </p:txBody>
+        </p:sp>
+        <p:pic>
+          <p:nvPicPr>
+            <p:cNvPr id="20" name="Picture 34" descr="https://cdn3.iconfinder.com/data/icons/flat-actions-icons-9/792/Tick_Mark_Dark-512.png"/>
+            <p:cNvPicPr>
+              <a:picLocks noChangeAspect="1" noChangeArrowheads="1"/>
+            </p:cNvPicPr>
+            <p:nvPr/>
+          </p:nvPicPr>
+          <p:blipFill>
+            <a:blip r:embed="rId24" cstate="print">
+              <a:extLst>
+                <a:ext uri="{28A0092B-C50C-407E-A947-70E740481C1C}">
+                  <a14:useLocalDpi xmlns:a14="http://schemas.microsoft.com/office/drawing/2010/main" val="0"/>
+                </a:ext>
+              </a:extLst>
+            </a:blip>
+            <a:srcRect/>
+            <a:stretch>
+              <a:fillRect/>
+            </a:stretch>
+          </p:blipFill>
+          <p:spPr bwMode="auto">
+            <a:xfrm>
+              <a:off x="2321387" y="2708359"/>
+              <a:ext cx="304037" cy="401662"/>
+            </a:xfrm>
+            <a:prstGeom prst="rect">
+              <a:avLst/>
+            </a:prstGeom>
+            <a:noFill/>
+            <a:extLst>
+              <a:ext uri="{909E8E84-426E-40DD-AFC4-6F175D3DCCD1}">
+                <a14:hiddenFill xmlns:a14="http://schemas.microsoft.com/office/drawing/2010/main">
+                  <a:solidFill>
+                    <a:srgbClr val="FFFFFF"/>
+                  </a:solidFill>
+                </a14:hiddenFill>
+              </a:ext>
+            </a:extLst>
+          </p:spPr>
+        </p:pic>
+      </p:grpSp>
+      <p:sp>
+        <p:nvSpPr>
+          <p:cNvPr id="21" name="20 Rectángulo redondeado"/>
+          <p:cNvSpPr/>
+          <p:nvPr/>
+        </p:nvSpPr>
+        <p:spPr>
+          <a:xfrm>
+            <a:off x="3679164" y="2745687"/>
+            <a:ext cx="1341410" cy="643720"/>
+          </a:xfrm>
+          <a:prstGeom prst="roundRect">
+            <a:avLst>
+              <a:gd name="adj" fmla="val 3775"/>
+            </a:avLst>
+          </a:prstGeom>
+          <a:solidFill>
+            <a:schemeClr val="bg1">
+              <a:lumMod val="65000"/>
+            </a:schemeClr>
+          </a:solidFill>
+          <a:ln>
+            <a:noFill/>
+          </a:ln>
+        </p:spPr>
+        <p:style>
+          <a:lnRef idx="1">
+            <a:schemeClr val="accent5"/>
+          </a:lnRef>
+          <a:fillRef idx="3">
+            <a:schemeClr val="accent5"/>
+          </a:fillRef>
+          <a:effectRef idx="2">
+            <a:schemeClr val="accent5"/>
+          </a:effectRef>
+          <a:fontRef idx="minor">
+            <a:schemeClr val="lt1"/>
+          </a:fontRef>
+        </p:style>
+        <p:txBody>
+          <a:bodyPr spcFirstLastPara="0" vert="horz" wrap="square" lIns="6350" tIns="6350" rIns="6350" bIns="6350" numCol="1" spcCol="1270" rtlCol="0" anchor="ctr" anchorCtr="0">
+            <a:noAutofit/>
+          </a:bodyPr>
+          <a:lstStyle/>
+          <a:p>
+            <a:pPr algn="ctr" defTabSz="444500">
+              <a:lnSpc>
+                <a:spcPts val="1000"/>
+              </a:lnSpc>
+              <a:spcBef>
+                <a:spcPts val="600"/>
+              </a:spcBef>
+              <a:spcAft>
+                <a:spcPts val="600"/>
+              </a:spcAft>
+            </a:pPr>
+            <a:endParaRPr lang="es-ES" sz="1000" dirty="0">
+              <a:solidFill>
+                <a:schemeClr val="bg1"/>
+              </a:solidFill>
+              <a:latin typeface="Vodafone Rg" pitchFamily="34" charset="0"/>
+            </a:endParaRPr>
+          </a:p>
+        </p:txBody>
+      </p:sp>
+      <p:grpSp>
+        <p:nvGrpSpPr>
+          <p:cNvPr id="22" name="21 Grupo"/>
+          <p:cNvGrpSpPr>
+            <a:grpSpLocks noChangeAspect="1"/>
+          </p:cNvGrpSpPr>
+          <p:nvPr/>
+        </p:nvGrpSpPr>
+        <p:grpSpPr>
+          <a:xfrm>
+            <a:off x="4808809" y="2648633"/>
+            <a:ext cx="304037" cy="401662"/>
+            <a:chOff x="2321387" y="2708359"/>
+            <a:chExt cx="304037" cy="401662"/>
+          </a:xfrm>
+        </p:grpSpPr>
+        <p:sp>
+          <p:nvSpPr>
+            <p:cNvPr id="23" name="22 Elipse"/>
+            <p:cNvSpPr/>
+            <p:nvPr/>
+          </p:nvSpPr>
+          <p:spPr>
+            <a:xfrm>
+              <a:off x="2347405" y="2783190"/>
+              <a:ext cx="252000" cy="252000"/>
+            </a:xfrm>
+            <a:prstGeom prst="ellipse">
+              <a:avLst/>
+            </a:prstGeom>
+            <a:solidFill>
+              <a:schemeClr val="bg1"/>
+            </a:solidFill>
+            <a:ln w="25400" cap="flat" cmpd="sng" algn="ctr">
+              <a:noFill/>
+              <a:prstDash val="solid"/>
+            </a:ln>
+            <a:effectLst/>
+          </p:spPr>
+          <p:style>
+            <a:lnRef idx="2">
+              <a:scrgbClr r="0" g="0" b="0"/>
+            </a:lnRef>
+            <a:fillRef idx="1">
+              <a:scrgbClr r="0" g="0" b="0"/>
+            </a:fillRef>
+            <a:effectRef idx="0">
+              <a:scrgbClr r="0" g="0" b="0"/>
+            </a:effectRef>
+            <a:fontRef idx="minor">
+              <a:schemeClr val="lt1"/>
+            </a:fontRef>
+          </p:style>
+          <p:txBody>
+            <a:bodyPr spcFirstLastPara="0" vert="horz" wrap="square" lIns="6350" tIns="6350" rIns="6350" bIns="6350" numCol="1" spcCol="1270" rtlCol="0" anchor="ctr" anchorCtr="0">
+              <a:noAutofit/>
+            </a:bodyPr>
+            <a:lstStyle/>
+            <a:p>
+              <a:pPr algn="ctr" defTabSz="444500">
+                <a:lnSpc>
+                  <a:spcPct val="90000"/>
+                </a:lnSpc>
+                <a:spcBef>
+                  <a:spcPct val="0"/>
+                </a:spcBef>
+                <a:spcAft>
+                  <a:spcPct val="35000"/>
+                </a:spcAft>
+              </a:pPr>
+              <a:endParaRPr lang="es-ES" sz="1000" kern="1200" dirty="0" smtClean="0">
+                <a:solidFill>
+                  <a:srgbClr val="34342B"/>
+                </a:solidFill>
+                <a:latin typeface="Vodafone Rg" pitchFamily="34" charset="0"/>
+                <a:ea typeface="+mn-ea"/>
+                <a:cs typeface="+mn-cs"/>
+              </a:endParaRPr>
+            </a:p>
+          </p:txBody>
+        </p:sp>
+        <p:pic>
+          <p:nvPicPr>
+            <p:cNvPr id="24" name="Picture 34" descr="https://cdn3.iconfinder.com/data/icons/flat-actions-icons-9/792/Tick_Mark_Dark-512.png"/>
+            <p:cNvPicPr>
+              <a:picLocks noChangeAspect="1" noChangeArrowheads="1"/>
+            </p:cNvPicPr>
+            <p:nvPr/>
+          </p:nvPicPr>
+          <p:blipFill>
+            <a:blip r:embed="rId24" cstate="print">
+              <a:extLst>
+                <a:ext uri="{28A0092B-C50C-407E-A947-70E740481C1C}">
+                  <a14:useLocalDpi xmlns:a14="http://schemas.microsoft.com/office/drawing/2010/main" val="0"/>
+                </a:ext>
+              </a:extLst>
+            </a:blip>
+            <a:srcRect/>
+            <a:stretch>
+              <a:fillRect/>
+            </a:stretch>
+          </p:blipFill>
+          <p:spPr bwMode="auto">
+            <a:xfrm>
+              <a:off x="2321387" y="2708359"/>
+              <a:ext cx="304037" cy="401662"/>
+            </a:xfrm>
+            <a:prstGeom prst="rect">
+              <a:avLst/>
+            </a:prstGeom>
+            <a:noFill/>
+            <a:extLst>
+              <a:ext uri="{909E8E84-426E-40DD-AFC4-6F175D3DCCD1}">
+                <a14:hiddenFill xmlns:a14="http://schemas.microsoft.com/office/drawing/2010/main">
+                  <a:solidFill>
+                    <a:srgbClr val="FFFFFF"/>
+                  </a:solidFill>
+                </a14:hiddenFill>
+              </a:ext>
+            </a:extLst>
+          </p:spPr>
+        </p:pic>
+      </p:grpSp>
+      <p:sp>
+        <p:nvSpPr>
+          <p:cNvPr id="25" name="24 Rectángulo"/>
+          <p:cNvSpPr/>
+          <p:nvPr>
+            <p:custDataLst>
+              <p:tags r:id="rId11"/>
+            </p:custDataLst>
+          </p:nvPr>
+        </p:nvSpPr>
+        <p:spPr>
+          <a:xfrm>
+            <a:off x="525097" y="3671784"/>
+            <a:ext cx="1786781" cy="643721"/>
+          </a:xfrm>
+          <a:prstGeom prst="rect">
+            <a:avLst/>
+          </a:prstGeom>
+          <a:solidFill>
+            <a:srgbClr val="FF0000"/>
+          </a:solidFill>
+          <a:ln>
+            <a:noFill/>
+          </a:ln>
+        </p:spPr>
+        <p:style>
+          <a:lnRef idx="1">
+            <a:schemeClr val="accent5"/>
+          </a:lnRef>
+          <a:fillRef idx="3">
+            <a:schemeClr val="accent5"/>
+          </a:fillRef>
+          <a:effectRef idx="2">
+            <a:schemeClr val="accent5"/>
+          </a:effectRef>
+          <a:fontRef idx="minor">
+            <a:schemeClr val="lt1"/>
+          </a:fontRef>
+        </p:style>
+        <p:txBody>
+          <a:bodyPr spcFirstLastPara="0" vert="horz" wrap="square" lIns="6350" tIns="6350" rIns="6350" bIns="6350" numCol="1" spcCol="1270" rtlCol="0" anchor="ctr" anchorCtr="0">
+            <a:noAutofit/>
+          </a:bodyPr>
+          <a:lstStyle/>
+          <a:p>
+            <a:pPr algn="ctr" defTabSz="444500">
+              <a:lnSpc>
+                <a:spcPts val="1400"/>
+              </a:lnSpc>
+              <a:spcBef>
+                <a:spcPts val="600"/>
+              </a:spcBef>
+              <a:spcAft>
+                <a:spcPts val="600"/>
+              </a:spcAft>
+            </a:pPr>
+            <a:r>
+              <a:rPr lang="en-GB" sz="1100" b="1" dirty="0" err="1" smtClean="0">
+                <a:solidFill>
+                  <a:schemeClr val="bg1"/>
+                </a:solidFill>
+                <a:latin typeface="Vodafone Rg" pitchFamily="34" charset="0"/>
+              </a:rPr>
+              <a:t>Diseño</a:t>
+            </a:r>
+            <a:r>
+              <a:rPr lang="en-GB" sz="1100" b="1" dirty="0" smtClean="0">
+                <a:solidFill>
+                  <a:schemeClr val="bg1"/>
+                </a:solidFill>
+                <a:latin typeface="Vodafone Rg" pitchFamily="34" charset="0"/>
+              </a:rPr>
+              <a:t> </a:t>
+            </a:r>
+            <a:r>
+              <a:rPr lang="en-GB" sz="1100" b="1" dirty="0" err="1" smtClean="0">
+                <a:solidFill>
+                  <a:schemeClr val="bg1"/>
+                </a:solidFill>
+                <a:latin typeface="Vodafone Rg" pitchFamily="34" charset="0"/>
+              </a:rPr>
+              <a:t>Estrategia</a:t>
+            </a:r>
+            <a:r>
+              <a:rPr lang="en-GB" sz="1100" b="1" dirty="0" smtClean="0">
+                <a:solidFill>
+                  <a:schemeClr val="bg1"/>
+                </a:solidFill>
+                <a:latin typeface="Vodafone Rg" pitchFamily="34" charset="0"/>
+              </a:rPr>
+              <a:t> / </a:t>
+            </a:r>
+            <a:r>
+              <a:rPr lang="en-GB" sz="1100" b="1" dirty="0" err="1" smtClean="0">
+                <a:solidFill>
+                  <a:schemeClr val="bg1"/>
+                </a:solidFill>
+                <a:latin typeface="Vodafone Rg" pitchFamily="34" charset="0"/>
+              </a:rPr>
+              <a:t>Modelos</a:t>
+            </a:r>
+            <a:r>
+              <a:rPr lang="en-GB" sz="1100" b="1" dirty="0" smtClean="0">
+                <a:solidFill>
+                  <a:schemeClr val="bg1"/>
+                </a:solidFill>
+                <a:latin typeface="Vodafone Rg" pitchFamily="34" charset="0"/>
+              </a:rPr>
+              <a:t> </a:t>
+            </a:r>
+            <a:endParaRPr lang="en-GB" sz="1100" b="1" dirty="0">
+              <a:solidFill>
+                <a:schemeClr val="bg1"/>
+              </a:solidFill>
+              <a:latin typeface="Vodafone Rg" pitchFamily="34" charset="0"/>
+            </a:endParaRPr>
+          </a:p>
+        </p:txBody>
+      </p:sp>
+      <p:sp>
+        <p:nvSpPr>
+          <p:cNvPr id="26" name="25 Rectángulo redondeado"/>
+          <p:cNvSpPr/>
+          <p:nvPr/>
+        </p:nvSpPr>
+        <p:spPr>
+          <a:xfrm>
+            <a:off x="4960826" y="3671785"/>
+            <a:ext cx="1779235" cy="643720"/>
+          </a:xfrm>
+          <a:prstGeom prst="roundRect">
+            <a:avLst>
+              <a:gd name="adj" fmla="val 3775"/>
+            </a:avLst>
+          </a:prstGeom>
+          <a:solidFill>
+            <a:schemeClr val="bg1">
+              <a:lumMod val="65000"/>
+            </a:schemeClr>
+          </a:solidFill>
+          <a:ln>
+            <a:noFill/>
+          </a:ln>
+        </p:spPr>
+        <p:style>
+          <a:lnRef idx="1">
+            <a:schemeClr val="accent5"/>
+          </a:lnRef>
+          <a:fillRef idx="3">
+            <a:schemeClr val="accent5"/>
+          </a:fillRef>
+          <a:effectRef idx="2">
+            <a:schemeClr val="accent5"/>
+          </a:effectRef>
+          <a:fontRef idx="minor">
+            <a:schemeClr val="lt1"/>
+          </a:fontRef>
+        </p:style>
+        <p:txBody>
+          <a:bodyPr spcFirstLastPara="0" vert="horz" wrap="square" lIns="6350" tIns="6350" rIns="6350" bIns="6350" numCol="1" spcCol="1270" rtlCol="0" anchor="ctr" anchorCtr="0">
+            <a:noAutofit/>
+          </a:bodyPr>
+          <a:lstStyle/>
+          <a:p>
+            <a:pPr algn="ctr" defTabSz="444500">
+              <a:lnSpc>
+                <a:spcPts val="1000"/>
+              </a:lnSpc>
+              <a:spcBef>
+                <a:spcPts val="600"/>
+              </a:spcBef>
+              <a:spcAft>
+                <a:spcPts val="600"/>
+              </a:spcAft>
+            </a:pPr>
+            <a:endParaRPr lang="es-ES" sz="1000" dirty="0">
+              <a:solidFill>
+                <a:schemeClr val="bg1"/>
+              </a:solidFill>
+              <a:latin typeface="Vodafone Rg" pitchFamily="34" charset="0"/>
+            </a:endParaRPr>
+          </a:p>
+        </p:txBody>
+      </p:sp>
+      <p:sp>
+        <p:nvSpPr>
+          <p:cNvPr id="27" name="26 Rectángulo"/>
+          <p:cNvSpPr>
+            <a:spLocks/>
+          </p:cNvSpPr>
+          <p:nvPr>
+            <p:custDataLst>
+              <p:tags r:id="rId12"/>
+            </p:custDataLst>
+          </p:nvPr>
+        </p:nvSpPr>
+        <p:spPr bwMode="auto">
+          <a:xfrm>
+            <a:off x="5652978" y="1527466"/>
+            <a:ext cx="741589" cy="216000"/>
+          </a:xfrm>
+          <a:prstGeom prst="rect">
+            <a:avLst/>
+          </a:prstGeom>
+          <a:pattFill prst="pct50">
+            <a:fgClr>
+              <a:schemeClr val="bg1">
+                <a:lumMod val="50000"/>
+              </a:schemeClr>
+            </a:fgClr>
+            <a:bgClr>
+              <a:schemeClr val="bg1"/>
+            </a:bgClr>
+          </a:pattFill>
+          <a:ln w="9525" cap="flat" cmpd="sng" algn="ctr">
+            <a:noFill/>
+            <a:prstDash val="solid"/>
+          </a:ln>
+          <a:effectLst/>
+        </p:spPr>
+        <p:style>
+          <a:lnRef idx="2">
+            <a:scrgbClr r="0" g="0" b="0"/>
+          </a:lnRef>
+          <a:fillRef idx="1">
+            <a:scrgbClr r="0" g="0" b="0"/>
+          </a:fillRef>
+          <a:effectRef idx="0">
+            <a:scrgbClr r="0" g="0" b="0"/>
+          </a:effectRef>
+          <a:fontRef idx="minor">
+            <a:schemeClr val="lt1"/>
+          </a:fontRef>
+        </p:style>
+        <p:txBody>
+          <a:bodyPr spcFirstLastPara="0" vert="horz" wrap="none" lIns="0" tIns="23813" rIns="0" bIns="23813" numCol="1" spcCol="1270" rtlCol="0" anchor="ctr" anchorCtr="0">
+            <a:noAutofit/>
+          </a:bodyPr>
+          <a:lstStyle/>
+          <a:p>
+            <a:pPr algn="ctr" defTabSz="444500">
+              <a:spcBef>
+                <a:spcPct val="0"/>
+              </a:spcBef>
+              <a:spcAft>
+                <a:spcPct val="0"/>
+              </a:spcAft>
+            </a:pPr>
+            <a:r>
+              <a:rPr lang="en-US" sz="1100" b="1" dirty="0" smtClean="0">
+                <a:solidFill>
+                  <a:schemeClr val="bg1"/>
+                </a:solidFill>
+                <a:latin typeface="Vodafone Rg"/>
+                <a:sym typeface="Vodafone Rg"/>
+              </a:rPr>
+              <a:t>w1</a:t>
+            </a:r>
+            <a:endParaRPr lang="en-US" sz="1100" b="1" kern="1200" dirty="0" smtClean="0">
+              <a:solidFill>
+                <a:schemeClr val="bg1"/>
+              </a:solidFill>
+              <a:latin typeface="Vodafone Rg"/>
+              <a:sym typeface="Vodafone Rg"/>
+            </a:endParaRPr>
+          </a:p>
+        </p:txBody>
+      </p:sp>
+      <p:sp>
+        <p:nvSpPr>
+          <p:cNvPr id="28" name="27 Rectángulo"/>
+          <p:cNvSpPr>
+            <a:spLocks/>
+          </p:cNvSpPr>
+          <p:nvPr>
+            <p:custDataLst>
+              <p:tags r:id="rId13"/>
+            </p:custDataLst>
+          </p:nvPr>
+        </p:nvSpPr>
+        <p:spPr bwMode="auto">
+          <a:xfrm>
+            <a:off x="6444186" y="1527466"/>
+            <a:ext cx="741589" cy="216000"/>
+          </a:xfrm>
+          <a:prstGeom prst="rect">
+            <a:avLst/>
+          </a:prstGeom>
+          <a:pattFill prst="pct50">
+            <a:fgClr>
+              <a:schemeClr val="bg1">
+                <a:lumMod val="50000"/>
+              </a:schemeClr>
+            </a:fgClr>
+            <a:bgClr>
+              <a:schemeClr val="bg1"/>
+            </a:bgClr>
+          </a:pattFill>
+          <a:ln w="9525" cap="flat" cmpd="sng" algn="ctr">
+            <a:noFill/>
+            <a:prstDash val="solid"/>
+          </a:ln>
+          <a:effectLst/>
+        </p:spPr>
+        <p:style>
+          <a:lnRef idx="2">
+            <a:scrgbClr r="0" g="0" b="0"/>
+          </a:lnRef>
+          <a:fillRef idx="1">
+            <a:scrgbClr r="0" g="0" b="0"/>
+          </a:fillRef>
+          <a:effectRef idx="0">
+            <a:scrgbClr r="0" g="0" b="0"/>
+          </a:effectRef>
+          <a:fontRef idx="minor">
+            <a:schemeClr val="lt1"/>
+          </a:fontRef>
+        </p:style>
+        <p:txBody>
+          <a:bodyPr spcFirstLastPara="0" vert="horz" wrap="none" lIns="0" tIns="23813" rIns="0" bIns="23813" numCol="1" spcCol="1270" rtlCol="0" anchor="ctr" anchorCtr="0">
+            <a:noAutofit/>
+          </a:bodyPr>
+          <a:lstStyle/>
+          <a:p>
+            <a:pPr algn="ctr" defTabSz="444500">
+              <a:spcBef>
+                <a:spcPct val="0"/>
+              </a:spcBef>
+              <a:spcAft>
+                <a:spcPct val="0"/>
+              </a:spcAft>
+            </a:pPr>
+            <a:r>
+              <a:rPr lang="en-US" sz="1100" b="1" dirty="0" smtClean="0">
+                <a:solidFill>
+                  <a:schemeClr val="bg1"/>
+                </a:solidFill>
+                <a:latin typeface="Vodafone Rg"/>
+                <a:sym typeface="Vodafone Rg"/>
+              </a:rPr>
+              <a:t>w2</a:t>
+            </a:r>
+            <a:endParaRPr lang="en-US" sz="1100" b="1" kern="1200" dirty="0" smtClean="0">
+              <a:solidFill>
+                <a:schemeClr val="bg1"/>
+              </a:solidFill>
+              <a:latin typeface="Vodafone Rg"/>
+              <a:sym typeface="Vodafone Rg"/>
+            </a:endParaRPr>
+          </a:p>
+        </p:txBody>
+      </p:sp>
+      <p:sp>
+        <p:nvSpPr>
+          <p:cNvPr id="29" name="28 Rectángulo"/>
+          <p:cNvSpPr>
+            <a:spLocks/>
+          </p:cNvSpPr>
+          <p:nvPr>
+            <p:custDataLst>
+              <p:tags r:id="rId14"/>
+            </p:custDataLst>
+          </p:nvPr>
+        </p:nvSpPr>
+        <p:spPr bwMode="auto">
+          <a:xfrm>
+            <a:off x="7237364" y="1529044"/>
+            <a:ext cx="741589" cy="216000"/>
+          </a:xfrm>
+          <a:prstGeom prst="rect">
+            <a:avLst/>
+          </a:prstGeom>
+          <a:pattFill prst="pct50">
+            <a:fgClr>
+              <a:schemeClr val="bg1">
+                <a:lumMod val="50000"/>
+              </a:schemeClr>
+            </a:fgClr>
+            <a:bgClr>
+              <a:schemeClr val="bg1"/>
+            </a:bgClr>
+          </a:pattFill>
+          <a:ln w="9525" cap="flat" cmpd="sng" algn="ctr">
+            <a:noFill/>
+            <a:prstDash val="solid"/>
+          </a:ln>
+          <a:effectLst/>
+        </p:spPr>
+        <p:style>
+          <a:lnRef idx="2">
+            <a:scrgbClr r="0" g="0" b="0"/>
+          </a:lnRef>
+          <a:fillRef idx="1">
+            <a:scrgbClr r="0" g="0" b="0"/>
+          </a:fillRef>
+          <a:effectRef idx="0">
+            <a:scrgbClr r="0" g="0" b="0"/>
+          </a:effectRef>
+          <a:fontRef idx="minor">
+            <a:schemeClr val="lt1"/>
+          </a:fontRef>
+        </p:style>
+        <p:txBody>
+          <a:bodyPr spcFirstLastPara="0" vert="horz" wrap="none" lIns="0" tIns="23813" rIns="0" bIns="23813" numCol="1" spcCol="1270" rtlCol="0" anchor="ctr" anchorCtr="0">
+            <a:noAutofit/>
+          </a:bodyPr>
+          <a:lstStyle/>
+          <a:p>
+            <a:pPr algn="ctr" defTabSz="444500">
+              <a:spcBef>
+                <a:spcPct val="0"/>
+              </a:spcBef>
+              <a:spcAft>
+                <a:spcPct val="0"/>
+              </a:spcAft>
+            </a:pPr>
+            <a:r>
+              <a:rPr lang="en-US" sz="1100" b="1" dirty="0" smtClean="0">
+                <a:solidFill>
+                  <a:schemeClr val="bg1"/>
+                </a:solidFill>
+                <a:latin typeface="Vodafone Rg"/>
+                <a:sym typeface="Vodafone Rg"/>
+              </a:rPr>
+              <a:t>w3</a:t>
+            </a:r>
+            <a:endParaRPr lang="en-US" sz="1100" b="1" kern="1200" dirty="0" smtClean="0">
+              <a:solidFill>
+                <a:schemeClr val="bg1"/>
+              </a:solidFill>
+              <a:latin typeface="Vodafone Rg"/>
+              <a:sym typeface="Vodafone Rg"/>
+            </a:endParaRPr>
+          </a:p>
+        </p:txBody>
+      </p:sp>
+      <p:sp>
+        <p:nvSpPr>
+          <p:cNvPr id="30" name="29 Rectángulo"/>
+          <p:cNvSpPr>
+            <a:spLocks/>
+          </p:cNvSpPr>
+          <p:nvPr>
+            <p:custDataLst>
+              <p:tags r:id="rId15"/>
+            </p:custDataLst>
+          </p:nvPr>
+        </p:nvSpPr>
+        <p:spPr bwMode="auto">
+          <a:xfrm>
+            <a:off x="8048245" y="1527466"/>
+            <a:ext cx="741589" cy="216000"/>
+          </a:xfrm>
+          <a:prstGeom prst="rect">
+            <a:avLst/>
+          </a:prstGeom>
+          <a:pattFill prst="pct50">
+            <a:fgClr>
+              <a:schemeClr val="bg1">
+                <a:lumMod val="50000"/>
+              </a:schemeClr>
+            </a:fgClr>
+            <a:bgClr>
+              <a:schemeClr val="bg1"/>
+            </a:bgClr>
+          </a:pattFill>
+          <a:ln w="9525" cap="flat" cmpd="sng" algn="ctr">
+            <a:noFill/>
+            <a:prstDash val="solid"/>
+          </a:ln>
+          <a:effectLst/>
+        </p:spPr>
+        <p:style>
+          <a:lnRef idx="2">
+            <a:scrgbClr r="0" g="0" b="0"/>
+          </a:lnRef>
+          <a:fillRef idx="1">
+            <a:scrgbClr r="0" g="0" b="0"/>
+          </a:fillRef>
+          <a:effectRef idx="0">
+            <a:scrgbClr r="0" g="0" b="0"/>
+          </a:effectRef>
+          <a:fontRef idx="minor">
+            <a:schemeClr val="lt1"/>
+          </a:fontRef>
+        </p:style>
+        <p:txBody>
+          <a:bodyPr spcFirstLastPara="0" vert="horz" wrap="none" lIns="0" tIns="23813" rIns="0" bIns="23813" numCol="1" spcCol="1270" rtlCol="0" anchor="ctr" anchorCtr="0">
+            <a:noAutofit/>
+          </a:bodyPr>
+          <a:lstStyle/>
+          <a:p>
+            <a:pPr algn="ctr" defTabSz="444500">
+              <a:spcBef>
+                <a:spcPct val="0"/>
+              </a:spcBef>
+              <a:spcAft>
+                <a:spcPct val="0"/>
+              </a:spcAft>
+            </a:pPr>
+            <a:r>
+              <a:rPr lang="en-US" sz="1100" b="1" dirty="0" smtClean="0">
+                <a:solidFill>
+                  <a:schemeClr val="bg1"/>
+                </a:solidFill>
+                <a:latin typeface="Vodafone Rg"/>
+                <a:sym typeface="Vodafone Rg"/>
+              </a:rPr>
+              <a:t>w4</a:t>
+            </a:r>
+            <a:endParaRPr lang="en-US" sz="1100" b="1" kern="1200" dirty="0" smtClean="0">
+              <a:solidFill>
+                <a:schemeClr val="bg1"/>
+              </a:solidFill>
+              <a:latin typeface="Vodafone Rg"/>
+              <a:sym typeface="Vodafone Rg"/>
+            </a:endParaRPr>
+          </a:p>
+        </p:txBody>
+      </p:sp>
+      <p:grpSp>
+        <p:nvGrpSpPr>
+          <p:cNvPr id="32" name="31 Grupo"/>
+          <p:cNvGrpSpPr>
+            <a:grpSpLocks noChangeAspect="1"/>
+          </p:cNvGrpSpPr>
+          <p:nvPr/>
+        </p:nvGrpSpPr>
+        <p:grpSpPr>
+          <a:xfrm>
+            <a:off x="6588042" y="3470954"/>
+            <a:ext cx="304037" cy="401662"/>
+            <a:chOff x="2321387" y="2708359"/>
+            <a:chExt cx="304037" cy="401662"/>
+          </a:xfrm>
+        </p:grpSpPr>
+        <p:sp>
+          <p:nvSpPr>
+            <p:cNvPr id="33" name="32 Elipse"/>
+            <p:cNvSpPr/>
+            <p:nvPr/>
+          </p:nvSpPr>
+          <p:spPr>
+            <a:xfrm>
+              <a:off x="2347405" y="2783190"/>
+              <a:ext cx="252000" cy="252000"/>
+            </a:xfrm>
+            <a:prstGeom prst="ellipse">
+              <a:avLst/>
+            </a:prstGeom>
+            <a:solidFill>
+              <a:schemeClr val="bg1"/>
+            </a:solidFill>
+            <a:ln w="25400" cap="flat" cmpd="sng" algn="ctr">
+              <a:noFill/>
+              <a:prstDash val="solid"/>
+            </a:ln>
+            <a:effectLst/>
+          </p:spPr>
+          <p:style>
+            <a:lnRef idx="2">
+              <a:scrgbClr r="0" g="0" b="0"/>
+            </a:lnRef>
+            <a:fillRef idx="1">
+              <a:scrgbClr r="0" g="0" b="0"/>
+            </a:fillRef>
+            <a:effectRef idx="0">
+              <a:scrgbClr r="0" g="0" b="0"/>
+            </a:effectRef>
+            <a:fontRef idx="minor">
+              <a:schemeClr val="lt1"/>
+            </a:fontRef>
+          </p:style>
+          <p:txBody>
+            <a:bodyPr spcFirstLastPara="0" vert="horz" wrap="square" lIns="6350" tIns="6350" rIns="6350" bIns="6350" numCol="1" spcCol="1270" rtlCol="0" anchor="ctr" anchorCtr="0">
+              <a:noAutofit/>
+            </a:bodyPr>
+            <a:lstStyle/>
+            <a:p>
+              <a:pPr algn="ctr" defTabSz="444500">
+                <a:lnSpc>
+                  <a:spcPct val="90000"/>
+                </a:lnSpc>
+                <a:spcBef>
+                  <a:spcPct val="0"/>
+                </a:spcBef>
+                <a:spcAft>
+                  <a:spcPct val="35000"/>
+                </a:spcAft>
+              </a:pPr>
+              <a:endParaRPr lang="es-ES" sz="1000" kern="1200" dirty="0" smtClean="0">
+                <a:solidFill>
+                  <a:srgbClr val="34342B"/>
+                </a:solidFill>
+                <a:latin typeface="Vodafone Rg" pitchFamily="34" charset="0"/>
+                <a:ea typeface="+mn-ea"/>
+                <a:cs typeface="+mn-cs"/>
+              </a:endParaRPr>
+            </a:p>
+          </p:txBody>
+        </p:sp>
+        <p:pic>
+          <p:nvPicPr>
+            <p:cNvPr id="34" name="Picture 34" descr="https://cdn3.iconfinder.com/data/icons/flat-actions-icons-9/792/Tick_Mark_Dark-512.png"/>
+            <p:cNvPicPr>
+              <a:picLocks noChangeAspect="1" noChangeArrowheads="1"/>
+            </p:cNvPicPr>
+            <p:nvPr/>
+          </p:nvPicPr>
+          <p:blipFill>
+            <a:blip r:embed="rId24" cstate="print">
+              <a:extLst>
+                <a:ext uri="{28A0092B-C50C-407E-A947-70E740481C1C}">
+                  <a14:useLocalDpi xmlns:a14="http://schemas.microsoft.com/office/drawing/2010/main" val="0"/>
+                </a:ext>
+              </a:extLst>
+            </a:blip>
+            <a:srcRect/>
+            <a:stretch>
+              <a:fillRect/>
+            </a:stretch>
+          </p:blipFill>
+          <p:spPr bwMode="auto">
+            <a:xfrm>
+              <a:off x="2321387" y="2708359"/>
+              <a:ext cx="304037" cy="401662"/>
+            </a:xfrm>
+            <a:prstGeom prst="rect">
+              <a:avLst/>
+            </a:prstGeom>
+            <a:noFill/>
+            <a:extLst>
+              <a:ext uri="{909E8E84-426E-40DD-AFC4-6F175D3DCCD1}">
+                <a14:hiddenFill xmlns:a14="http://schemas.microsoft.com/office/drawing/2010/main">
+                  <a:solidFill>
+                    <a:srgbClr val="FFFFFF"/>
+                  </a:solidFill>
+                </a14:hiddenFill>
+              </a:ext>
+            </a:extLst>
+          </p:spPr>
+        </p:pic>
+      </p:grpSp>
+      <p:sp>
+        <p:nvSpPr>
+          <p:cNvPr id="35" name="34 Rectángulo"/>
+          <p:cNvSpPr/>
+          <p:nvPr>
+            <p:custDataLst>
+              <p:tags r:id="rId16"/>
+            </p:custDataLst>
+          </p:nvPr>
+        </p:nvSpPr>
+        <p:spPr>
+          <a:xfrm>
+            <a:off x="525097" y="4505674"/>
+            <a:ext cx="1786781" cy="643721"/>
+          </a:xfrm>
+          <a:prstGeom prst="rect">
+            <a:avLst/>
+          </a:prstGeom>
+          <a:solidFill>
+            <a:srgbClr val="FF5757"/>
+          </a:solidFill>
+          <a:ln>
+            <a:noFill/>
+          </a:ln>
+        </p:spPr>
+        <p:style>
+          <a:lnRef idx="1">
+            <a:schemeClr val="accent5"/>
+          </a:lnRef>
+          <a:fillRef idx="3">
+            <a:schemeClr val="accent5"/>
+          </a:fillRef>
+          <a:effectRef idx="2">
+            <a:schemeClr val="accent5"/>
+          </a:effectRef>
+          <a:fontRef idx="minor">
+            <a:schemeClr val="lt1"/>
+          </a:fontRef>
+        </p:style>
+        <p:txBody>
+          <a:bodyPr spcFirstLastPara="0" vert="horz" wrap="square" lIns="6350" tIns="6350" rIns="6350" bIns="6350" numCol="1" spcCol="1270" rtlCol="0" anchor="ctr" anchorCtr="0">
+            <a:noAutofit/>
+          </a:bodyPr>
+          <a:lstStyle/>
+          <a:p>
+            <a:pPr algn="ctr" defTabSz="444500">
+              <a:lnSpc>
+                <a:spcPts val="1400"/>
+              </a:lnSpc>
+              <a:spcBef>
+                <a:spcPts val="600"/>
+              </a:spcBef>
+              <a:spcAft>
+                <a:spcPts val="600"/>
+              </a:spcAft>
+            </a:pPr>
+            <a:r>
+              <a:rPr lang="en-GB" sz="1100" b="1" dirty="0" err="1" smtClean="0">
+                <a:solidFill>
+                  <a:schemeClr val="bg1"/>
+                </a:solidFill>
+                <a:latin typeface="Vodafone Rg" pitchFamily="34" charset="0"/>
+              </a:rPr>
+              <a:t>Productivizar</a:t>
+            </a:r>
+            <a:endParaRPr lang="en-GB" sz="1100" b="1" dirty="0">
+              <a:solidFill>
+                <a:schemeClr val="bg1"/>
+              </a:solidFill>
+              <a:latin typeface="Vodafone Rg" pitchFamily="34" charset="0"/>
+            </a:endParaRPr>
+          </a:p>
+        </p:txBody>
+      </p:sp>
+      <p:sp>
+        <p:nvSpPr>
+          <p:cNvPr id="36" name="35 Rectángulo"/>
+          <p:cNvSpPr/>
+          <p:nvPr>
+            <p:custDataLst>
+              <p:tags r:id="rId17"/>
+            </p:custDataLst>
+          </p:nvPr>
+        </p:nvSpPr>
+        <p:spPr>
+          <a:xfrm>
+            <a:off x="525095" y="5324412"/>
+            <a:ext cx="1786781" cy="643721"/>
+          </a:xfrm>
+          <a:prstGeom prst="rect">
+            <a:avLst/>
+          </a:prstGeom>
+          <a:solidFill>
+            <a:srgbClr val="FF9999"/>
+          </a:solidFill>
+          <a:ln>
+            <a:noFill/>
+          </a:ln>
+        </p:spPr>
+        <p:style>
+          <a:lnRef idx="1">
+            <a:schemeClr val="accent5"/>
+          </a:lnRef>
+          <a:fillRef idx="3">
+            <a:schemeClr val="accent5"/>
+          </a:fillRef>
+          <a:effectRef idx="2">
+            <a:schemeClr val="accent5"/>
+          </a:effectRef>
+          <a:fontRef idx="minor">
+            <a:schemeClr val="lt1"/>
+          </a:fontRef>
+        </p:style>
+        <p:txBody>
+          <a:bodyPr spcFirstLastPara="0" vert="horz" wrap="square" lIns="6350" tIns="6350" rIns="6350" bIns="6350" numCol="1" spcCol="1270" rtlCol="0" anchor="ctr" anchorCtr="0">
+            <a:noAutofit/>
+          </a:bodyPr>
+          <a:lstStyle/>
+          <a:p>
+            <a:pPr algn="ctr" defTabSz="444500">
+              <a:lnSpc>
+                <a:spcPts val="1400"/>
+              </a:lnSpc>
+              <a:spcBef>
+                <a:spcPts val="600"/>
+              </a:spcBef>
+              <a:spcAft>
+                <a:spcPts val="600"/>
+              </a:spcAft>
+            </a:pPr>
+            <a:r>
+              <a:rPr lang="en-GB" sz="1100" b="1" dirty="0" err="1" smtClean="0">
+                <a:solidFill>
+                  <a:schemeClr val="bg1"/>
+                </a:solidFill>
+                <a:latin typeface="Vodafone Rg" pitchFamily="34" charset="0"/>
+              </a:rPr>
+              <a:t>Herramienta</a:t>
+            </a:r>
+            <a:r>
+              <a:rPr lang="en-GB" sz="1100" b="1" dirty="0" smtClean="0">
+                <a:solidFill>
+                  <a:schemeClr val="bg1"/>
+                </a:solidFill>
+                <a:latin typeface="Vodafone Rg" pitchFamily="34" charset="0"/>
+              </a:rPr>
+              <a:t> Web</a:t>
+            </a:r>
+            <a:endParaRPr lang="en-GB" sz="1100" b="1" dirty="0">
+              <a:solidFill>
+                <a:schemeClr val="bg1"/>
+              </a:solidFill>
+              <a:latin typeface="Vodafone Rg" pitchFamily="34" charset="0"/>
+            </a:endParaRPr>
+          </a:p>
+        </p:txBody>
+      </p:sp>
+      <p:sp>
+        <p:nvSpPr>
+          <p:cNvPr id="37" name="36 Rectángulo redondeado"/>
+          <p:cNvSpPr/>
+          <p:nvPr/>
+        </p:nvSpPr>
+        <p:spPr>
+          <a:xfrm>
+            <a:off x="7448424" y="5324412"/>
+            <a:ext cx="1341410" cy="643720"/>
+          </a:xfrm>
+          <a:prstGeom prst="roundRect">
+            <a:avLst>
+              <a:gd name="adj" fmla="val 3775"/>
+            </a:avLst>
+          </a:prstGeom>
+          <a:solidFill>
+            <a:schemeClr val="bg1">
+              <a:lumMod val="65000"/>
+            </a:schemeClr>
+          </a:solidFill>
+          <a:ln>
+            <a:noFill/>
+          </a:ln>
+        </p:spPr>
+        <p:style>
+          <a:lnRef idx="1">
+            <a:schemeClr val="accent5"/>
+          </a:lnRef>
+          <a:fillRef idx="3">
+            <a:schemeClr val="accent5"/>
+          </a:fillRef>
+          <a:effectRef idx="2">
+            <a:schemeClr val="accent5"/>
+          </a:effectRef>
+          <a:fontRef idx="minor">
+            <a:schemeClr val="lt1"/>
+          </a:fontRef>
+        </p:style>
+        <p:txBody>
+          <a:bodyPr spcFirstLastPara="0" vert="horz" wrap="square" lIns="6350" tIns="6350" rIns="6350" bIns="6350" numCol="1" spcCol="1270" rtlCol="0" anchor="ctr" anchorCtr="0">
+            <a:noAutofit/>
+          </a:bodyPr>
+          <a:lstStyle/>
+          <a:p>
+            <a:pPr algn="ctr" defTabSz="444500">
+              <a:lnSpc>
+                <a:spcPts val="1000"/>
+              </a:lnSpc>
+              <a:spcBef>
+                <a:spcPts val="600"/>
+              </a:spcBef>
+              <a:spcAft>
+                <a:spcPts val="600"/>
+              </a:spcAft>
+            </a:pPr>
+            <a:endParaRPr lang="es-ES" sz="1000" dirty="0">
+              <a:solidFill>
+                <a:schemeClr val="bg1"/>
+              </a:solidFill>
+              <a:latin typeface="Vodafone Rg" pitchFamily="34" charset="0"/>
+            </a:endParaRPr>
+          </a:p>
+        </p:txBody>
+      </p:sp>
+      <p:grpSp>
+        <p:nvGrpSpPr>
+          <p:cNvPr id="38" name="37 Grupo"/>
+          <p:cNvGrpSpPr>
+            <a:grpSpLocks noChangeAspect="1"/>
+          </p:cNvGrpSpPr>
+          <p:nvPr/>
+        </p:nvGrpSpPr>
+        <p:grpSpPr>
+          <a:xfrm>
+            <a:off x="8637815" y="5123581"/>
+            <a:ext cx="304037" cy="401662"/>
+            <a:chOff x="2321387" y="2708359"/>
+            <a:chExt cx="304037" cy="401662"/>
+          </a:xfrm>
+        </p:grpSpPr>
+        <p:sp>
+          <p:nvSpPr>
+            <p:cNvPr id="39" name="38 Elipse"/>
+            <p:cNvSpPr/>
+            <p:nvPr/>
+          </p:nvSpPr>
+          <p:spPr>
+            <a:xfrm>
+              <a:off x="2347405" y="2783190"/>
+              <a:ext cx="252000" cy="252000"/>
+            </a:xfrm>
+            <a:prstGeom prst="ellipse">
+              <a:avLst/>
+            </a:prstGeom>
+            <a:solidFill>
+              <a:schemeClr val="bg1"/>
+            </a:solidFill>
+            <a:ln w="25400" cap="flat" cmpd="sng" algn="ctr">
+              <a:noFill/>
+              <a:prstDash val="solid"/>
+            </a:ln>
+            <a:effectLst/>
+          </p:spPr>
+          <p:style>
+            <a:lnRef idx="2">
+              <a:scrgbClr r="0" g="0" b="0"/>
+            </a:lnRef>
+            <a:fillRef idx="1">
+              <a:scrgbClr r="0" g="0" b="0"/>
+            </a:fillRef>
+            <a:effectRef idx="0">
+              <a:scrgbClr r="0" g="0" b="0"/>
+            </a:effectRef>
+            <a:fontRef idx="minor">
+              <a:schemeClr val="lt1"/>
+            </a:fontRef>
+          </p:style>
+          <p:txBody>
+            <a:bodyPr spcFirstLastPara="0" vert="horz" wrap="square" lIns="6350" tIns="6350" rIns="6350" bIns="6350" numCol="1" spcCol="1270" rtlCol="0" anchor="ctr" anchorCtr="0">
+              <a:noAutofit/>
+            </a:bodyPr>
+            <a:lstStyle/>
+            <a:p>
+              <a:pPr algn="ctr" defTabSz="444500">
+                <a:lnSpc>
+                  <a:spcPct val="90000"/>
+                </a:lnSpc>
+                <a:spcBef>
+                  <a:spcPct val="0"/>
+                </a:spcBef>
+                <a:spcAft>
+                  <a:spcPct val="35000"/>
+                </a:spcAft>
+              </a:pPr>
+              <a:endParaRPr lang="es-ES" sz="1000" kern="1200" dirty="0" smtClean="0">
+                <a:solidFill>
+                  <a:srgbClr val="34342B"/>
+                </a:solidFill>
+                <a:latin typeface="Vodafone Rg" pitchFamily="34" charset="0"/>
+                <a:ea typeface="+mn-ea"/>
+                <a:cs typeface="+mn-cs"/>
+              </a:endParaRPr>
+            </a:p>
+          </p:txBody>
+        </p:sp>
+        <p:pic>
+          <p:nvPicPr>
+            <p:cNvPr id="40" name="Picture 34" descr="https://cdn3.iconfinder.com/data/icons/flat-actions-icons-9/792/Tick_Mark_Dark-512.png"/>
+            <p:cNvPicPr>
+              <a:picLocks noChangeAspect="1" noChangeArrowheads="1"/>
+            </p:cNvPicPr>
+            <p:nvPr/>
+          </p:nvPicPr>
+          <p:blipFill>
+            <a:blip r:embed="rId24" cstate="print">
+              <a:extLst>
+                <a:ext uri="{28A0092B-C50C-407E-A947-70E740481C1C}">
+                  <a14:useLocalDpi xmlns:a14="http://schemas.microsoft.com/office/drawing/2010/main" val="0"/>
+                </a:ext>
+              </a:extLst>
+            </a:blip>
+            <a:srcRect/>
+            <a:stretch>
+              <a:fillRect/>
+            </a:stretch>
+          </p:blipFill>
+          <p:spPr bwMode="auto">
+            <a:xfrm>
+              <a:off x="2321387" y="2708359"/>
+              <a:ext cx="304037" cy="401662"/>
+            </a:xfrm>
+            <a:prstGeom prst="rect">
+              <a:avLst/>
+            </a:prstGeom>
+            <a:noFill/>
+            <a:extLst>
+              <a:ext uri="{909E8E84-426E-40DD-AFC4-6F175D3DCCD1}">
+                <a14:hiddenFill xmlns:a14="http://schemas.microsoft.com/office/drawing/2010/main">
+                  <a:solidFill>
+                    <a:srgbClr val="FFFFFF"/>
+                  </a:solidFill>
+                </a14:hiddenFill>
+              </a:ext>
+            </a:extLst>
+          </p:spPr>
+        </p:pic>
+      </p:grpSp>
+      <p:sp>
+        <p:nvSpPr>
+          <p:cNvPr id="41" name="40 Pentágono"/>
+          <p:cNvSpPr/>
+          <p:nvPr>
+            <p:custDataLst>
+              <p:tags r:id="rId18"/>
+            </p:custDataLst>
+          </p:nvPr>
+        </p:nvSpPr>
+        <p:spPr>
+          <a:xfrm>
+            <a:off x="8594646" y="797796"/>
+            <a:ext cx="3105622" cy="288000"/>
+          </a:xfrm>
+          <a:prstGeom prst="homePlate">
+            <a:avLst>
+              <a:gd name="adj" fmla="val 0"/>
+            </a:avLst>
+          </a:prstGeom>
+          <a:noFill/>
+          <a:ln>
+            <a:noFill/>
+          </a:ln>
+          <a:effectLst/>
+        </p:spPr>
+        <p:style>
+          <a:lnRef idx="1">
+            <a:schemeClr val="accent5"/>
+          </a:lnRef>
+          <a:fillRef idx="3">
+            <a:schemeClr val="accent5"/>
+          </a:fillRef>
+          <a:effectRef idx="2">
+            <a:schemeClr val="accent5"/>
+          </a:effectRef>
+          <a:fontRef idx="minor">
+            <a:schemeClr val="lt1"/>
+          </a:fontRef>
+        </p:style>
+        <p:txBody>
+          <a:bodyPr spcFirstLastPara="0" vert="horz" wrap="square" lIns="36000" tIns="6350" rIns="6350" bIns="6350" numCol="1" spcCol="1270" rtlCol="0" anchor="ctr" anchorCtr="0">
+            <a:noAutofit/>
+          </a:bodyPr>
+          <a:lstStyle/>
+          <a:p>
+            <a:pPr defTabSz="444500">
+              <a:lnSpc>
+                <a:spcPts val="1400"/>
+              </a:lnSpc>
+              <a:spcBef>
+                <a:spcPts val="600"/>
+              </a:spcBef>
+              <a:spcAft>
+                <a:spcPts val="600"/>
+              </a:spcAft>
+            </a:pPr>
+            <a:r>
+              <a:rPr lang="es-ES" sz="1600" b="1" dirty="0" smtClean="0">
+                <a:solidFill>
+                  <a:srgbClr val="00B050"/>
+                </a:solidFill>
+              </a:rPr>
+              <a:t>Fecha Fin tentativa</a:t>
+            </a:r>
+            <a:endParaRPr lang="es-ES" sz="1600" b="1" dirty="0">
+              <a:solidFill>
+                <a:srgbClr val="00B050"/>
+              </a:solidFill>
+            </a:endParaRPr>
+          </a:p>
+        </p:txBody>
+      </p:sp>
+      <p:grpSp>
+        <p:nvGrpSpPr>
+          <p:cNvPr id="42" name="41 Grupo"/>
+          <p:cNvGrpSpPr>
+            <a:grpSpLocks noChangeAspect="1"/>
+          </p:cNvGrpSpPr>
+          <p:nvPr/>
+        </p:nvGrpSpPr>
+        <p:grpSpPr>
+          <a:xfrm>
+            <a:off x="8267020" y="710434"/>
+            <a:ext cx="304037" cy="401662"/>
+            <a:chOff x="2321387" y="2708359"/>
+            <a:chExt cx="304037" cy="401662"/>
+          </a:xfrm>
+        </p:grpSpPr>
+        <p:sp>
+          <p:nvSpPr>
+            <p:cNvPr id="43" name="42 Elipse"/>
+            <p:cNvSpPr/>
+            <p:nvPr/>
+          </p:nvSpPr>
+          <p:spPr>
+            <a:xfrm>
+              <a:off x="2347405" y="2783190"/>
+              <a:ext cx="252000" cy="252000"/>
+            </a:xfrm>
+            <a:prstGeom prst="ellipse">
+              <a:avLst/>
+            </a:prstGeom>
+            <a:solidFill>
+              <a:schemeClr val="bg1"/>
+            </a:solidFill>
+            <a:ln w="25400" cap="flat" cmpd="sng" algn="ctr">
+              <a:noFill/>
+              <a:prstDash val="solid"/>
+            </a:ln>
+            <a:effectLst/>
+          </p:spPr>
+          <p:style>
+            <a:lnRef idx="2">
+              <a:scrgbClr r="0" g="0" b="0"/>
+            </a:lnRef>
+            <a:fillRef idx="1">
+              <a:scrgbClr r="0" g="0" b="0"/>
+            </a:fillRef>
+            <a:effectRef idx="0">
+              <a:scrgbClr r="0" g="0" b="0"/>
+            </a:effectRef>
+            <a:fontRef idx="minor">
+              <a:schemeClr val="lt1"/>
+            </a:fontRef>
+          </p:style>
+          <p:txBody>
+            <a:bodyPr spcFirstLastPara="0" vert="horz" wrap="square" lIns="6350" tIns="6350" rIns="6350" bIns="6350" numCol="1" spcCol="1270" rtlCol="0" anchor="ctr" anchorCtr="0">
+              <a:noAutofit/>
+            </a:bodyPr>
+            <a:lstStyle/>
+            <a:p>
+              <a:pPr algn="ctr" defTabSz="444500">
+                <a:lnSpc>
+                  <a:spcPct val="90000"/>
+                </a:lnSpc>
+                <a:spcBef>
+                  <a:spcPct val="0"/>
+                </a:spcBef>
+                <a:spcAft>
+                  <a:spcPct val="35000"/>
+                </a:spcAft>
+              </a:pPr>
+              <a:endParaRPr lang="es-ES" sz="1000" kern="1200" dirty="0" smtClean="0">
+                <a:solidFill>
+                  <a:srgbClr val="34342B"/>
+                </a:solidFill>
+                <a:latin typeface="Vodafone Rg" pitchFamily="34" charset="0"/>
+                <a:ea typeface="+mn-ea"/>
+                <a:cs typeface="+mn-cs"/>
+              </a:endParaRPr>
+            </a:p>
+          </p:txBody>
+        </p:sp>
+        <p:pic>
+          <p:nvPicPr>
+            <p:cNvPr id="44" name="Picture 34" descr="https://cdn3.iconfinder.com/data/icons/flat-actions-icons-9/792/Tick_Mark_Dark-512.png"/>
+            <p:cNvPicPr>
+              <a:picLocks noChangeAspect="1" noChangeArrowheads="1"/>
+            </p:cNvPicPr>
+            <p:nvPr/>
+          </p:nvPicPr>
+          <p:blipFill>
+            <a:blip r:embed="rId24" cstate="print">
+              <a:extLst>
+                <a:ext uri="{28A0092B-C50C-407E-A947-70E740481C1C}">
+                  <a14:useLocalDpi xmlns:a14="http://schemas.microsoft.com/office/drawing/2010/main" val="0"/>
+                </a:ext>
+              </a:extLst>
+            </a:blip>
+            <a:srcRect/>
+            <a:stretch>
+              <a:fillRect/>
+            </a:stretch>
+          </p:blipFill>
+          <p:spPr bwMode="auto">
+            <a:xfrm>
+              <a:off x="2321387" y="2708359"/>
+              <a:ext cx="304037" cy="401662"/>
+            </a:xfrm>
+            <a:prstGeom prst="rect">
+              <a:avLst/>
+            </a:prstGeom>
+            <a:noFill/>
+            <a:extLst>
+              <a:ext uri="{909E8E84-426E-40DD-AFC4-6F175D3DCCD1}">
+                <a14:hiddenFill xmlns:a14="http://schemas.microsoft.com/office/drawing/2010/main">
+                  <a:solidFill>
+                    <a:srgbClr val="FFFFFF"/>
+                  </a:solidFill>
+                </a14:hiddenFill>
+              </a:ext>
+            </a:extLst>
+          </p:spPr>
+        </p:pic>
+      </p:grpSp>
+      <p:sp>
+        <p:nvSpPr>
+          <p:cNvPr id="45" name="44 Rectángulo"/>
+          <p:cNvSpPr>
+            <a:spLocks/>
+          </p:cNvSpPr>
+          <p:nvPr>
+            <p:custDataLst>
+              <p:tags r:id="rId19"/>
+            </p:custDataLst>
+          </p:nvPr>
+        </p:nvSpPr>
+        <p:spPr bwMode="auto">
+          <a:xfrm>
+            <a:off x="8823997" y="1529044"/>
+            <a:ext cx="741589" cy="216000"/>
+          </a:xfrm>
+          <a:prstGeom prst="rect">
+            <a:avLst/>
+          </a:prstGeom>
+          <a:pattFill prst="pct50">
+            <a:fgClr>
+              <a:schemeClr val="bg1">
+                <a:lumMod val="50000"/>
+              </a:schemeClr>
+            </a:fgClr>
+            <a:bgClr>
+              <a:schemeClr val="bg1"/>
+            </a:bgClr>
+          </a:pattFill>
+          <a:ln w="9525" cap="flat" cmpd="sng" algn="ctr">
+            <a:noFill/>
+            <a:prstDash val="solid"/>
+          </a:ln>
+          <a:effectLst/>
+        </p:spPr>
+        <p:style>
+          <a:lnRef idx="2">
+            <a:scrgbClr r="0" g="0" b="0"/>
+          </a:lnRef>
+          <a:fillRef idx="1">
+            <a:scrgbClr r="0" g="0" b="0"/>
+          </a:fillRef>
+          <a:effectRef idx="0">
+            <a:scrgbClr r="0" g="0" b="0"/>
+          </a:effectRef>
+          <a:fontRef idx="minor">
+            <a:schemeClr val="lt1"/>
+          </a:fontRef>
+        </p:style>
+        <p:txBody>
+          <a:bodyPr spcFirstLastPara="0" vert="horz" wrap="none" lIns="0" tIns="23813" rIns="0" bIns="23813" numCol="1" spcCol="1270" rtlCol="0" anchor="ctr" anchorCtr="0">
+            <a:noAutofit/>
+          </a:bodyPr>
+          <a:lstStyle/>
+          <a:p>
+            <a:pPr algn="ctr" defTabSz="444500">
+              <a:spcBef>
+                <a:spcPct val="0"/>
+              </a:spcBef>
+              <a:spcAft>
+                <a:spcPct val="0"/>
+              </a:spcAft>
+            </a:pPr>
+            <a:r>
+              <a:rPr lang="en-US" sz="1100" b="1" dirty="0" smtClean="0">
+                <a:solidFill>
+                  <a:schemeClr val="bg1"/>
+                </a:solidFill>
+                <a:latin typeface="Vodafone Rg"/>
+                <a:sym typeface="Vodafone Rg"/>
+              </a:rPr>
+              <a:t>w1</a:t>
+            </a:r>
+            <a:endParaRPr lang="en-US" sz="1100" b="1" kern="1200" dirty="0" smtClean="0">
+              <a:solidFill>
+                <a:schemeClr val="bg1"/>
+              </a:solidFill>
+              <a:latin typeface="Vodafone Rg"/>
+              <a:sym typeface="Vodafone Rg"/>
+            </a:endParaRPr>
+          </a:p>
+        </p:txBody>
+      </p:sp>
+      <p:sp>
+        <p:nvSpPr>
+          <p:cNvPr id="46" name="45 Rectángulo"/>
+          <p:cNvSpPr>
+            <a:spLocks/>
+          </p:cNvSpPr>
+          <p:nvPr>
+            <p:custDataLst>
+              <p:tags r:id="rId20"/>
+            </p:custDataLst>
+          </p:nvPr>
+        </p:nvSpPr>
+        <p:spPr bwMode="auto">
+          <a:xfrm>
+            <a:off x="9615205" y="1529044"/>
+            <a:ext cx="741589" cy="216000"/>
+          </a:xfrm>
+          <a:prstGeom prst="rect">
+            <a:avLst/>
+          </a:prstGeom>
+          <a:pattFill prst="pct50">
+            <a:fgClr>
+              <a:schemeClr val="bg1">
+                <a:lumMod val="50000"/>
+              </a:schemeClr>
+            </a:fgClr>
+            <a:bgClr>
+              <a:schemeClr val="bg1"/>
+            </a:bgClr>
+          </a:pattFill>
+          <a:ln w="9525" cap="flat" cmpd="sng" algn="ctr">
+            <a:noFill/>
+            <a:prstDash val="solid"/>
+          </a:ln>
+          <a:effectLst/>
+        </p:spPr>
+        <p:style>
+          <a:lnRef idx="2">
+            <a:scrgbClr r="0" g="0" b="0"/>
+          </a:lnRef>
+          <a:fillRef idx="1">
+            <a:scrgbClr r="0" g="0" b="0"/>
+          </a:fillRef>
+          <a:effectRef idx="0">
+            <a:scrgbClr r="0" g="0" b="0"/>
+          </a:effectRef>
+          <a:fontRef idx="minor">
+            <a:schemeClr val="lt1"/>
+          </a:fontRef>
+        </p:style>
+        <p:txBody>
+          <a:bodyPr spcFirstLastPara="0" vert="horz" wrap="none" lIns="0" tIns="23813" rIns="0" bIns="23813" numCol="1" spcCol="1270" rtlCol="0" anchor="ctr" anchorCtr="0">
+            <a:noAutofit/>
+          </a:bodyPr>
+          <a:lstStyle/>
+          <a:p>
+            <a:pPr algn="ctr" defTabSz="444500">
+              <a:spcBef>
+                <a:spcPct val="0"/>
+              </a:spcBef>
+              <a:spcAft>
+                <a:spcPct val="0"/>
+              </a:spcAft>
+            </a:pPr>
+            <a:r>
+              <a:rPr lang="en-US" sz="1100" b="1" dirty="0" smtClean="0">
+                <a:solidFill>
+                  <a:schemeClr val="bg1"/>
+                </a:solidFill>
+                <a:latin typeface="Vodafone Rg"/>
+                <a:sym typeface="Vodafone Rg"/>
+              </a:rPr>
+              <a:t>w2</a:t>
+            </a:r>
+            <a:endParaRPr lang="en-US" sz="1100" b="1" kern="1200" dirty="0" smtClean="0">
+              <a:solidFill>
+                <a:schemeClr val="bg1"/>
+              </a:solidFill>
+              <a:latin typeface="Vodafone Rg"/>
+              <a:sym typeface="Vodafone Rg"/>
+            </a:endParaRPr>
+          </a:p>
+        </p:txBody>
+      </p:sp>
+      <p:sp>
+        <p:nvSpPr>
+          <p:cNvPr id="47" name="46 Rectángulo"/>
+          <p:cNvSpPr>
+            <a:spLocks/>
+          </p:cNvSpPr>
+          <p:nvPr>
+            <p:custDataLst>
+              <p:tags r:id="rId21"/>
+            </p:custDataLst>
+          </p:nvPr>
+        </p:nvSpPr>
+        <p:spPr bwMode="auto">
+          <a:xfrm>
+            <a:off x="10408383" y="1530622"/>
+            <a:ext cx="741589" cy="216000"/>
+          </a:xfrm>
+          <a:prstGeom prst="rect">
+            <a:avLst/>
+          </a:prstGeom>
+          <a:pattFill prst="pct50">
+            <a:fgClr>
+              <a:schemeClr val="bg1">
+                <a:lumMod val="50000"/>
+              </a:schemeClr>
+            </a:fgClr>
+            <a:bgClr>
+              <a:schemeClr val="bg1"/>
+            </a:bgClr>
+          </a:pattFill>
+          <a:ln w="9525" cap="flat" cmpd="sng" algn="ctr">
+            <a:noFill/>
+            <a:prstDash val="solid"/>
+          </a:ln>
+          <a:effectLst/>
+        </p:spPr>
+        <p:style>
+          <a:lnRef idx="2">
+            <a:scrgbClr r="0" g="0" b="0"/>
+          </a:lnRef>
+          <a:fillRef idx="1">
+            <a:scrgbClr r="0" g="0" b="0"/>
+          </a:fillRef>
+          <a:effectRef idx="0">
+            <a:scrgbClr r="0" g="0" b="0"/>
+          </a:effectRef>
+          <a:fontRef idx="minor">
+            <a:schemeClr val="lt1"/>
+          </a:fontRef>
+        </p:style>
+        <p:txBody>
+          <a:bodyPr spcFirstLastPara="0" vert="horz" wrap="none" lIns="0" tIns="23813" rIns="0" bIns="23813" numCol="1" spcCol="1270" rtlCol="0" anchor="ctr" anchorCtr="0">
+            <a:noAutofit/>
+          </a:bodyPr>
+          <a:lstStyle/>
+          <a:p>
+            <a:pPr algn="ctr" defTabSz="444500">
+              <a:spcBef>
+                <a:spcPct val="0"/>
+              </a:spcBef>
+              <a:spcAft>
+                <a:spcPct val="0"/>
+              </a:spcAft>
+            </a:pPr>
+            <a:r>
+              <a:rPr lang="en-US" sz="1100" b="1" dirty="0" smtClean="0">
+                <a:solidFill>
+                  <a:schemeClr val="bg1"/>
+                </a:solidFill>
+                <a:latin typeface="Vodafone Rg"/>
+                <a:sym typeface="Vodafone Rg"/>
+              </a:rPr>
+              <a:t>w3</a:t>
+            </a:r>
+            <a:endParaRPr lang="en-US" sz="1100" b="1" kern="1200" dirty="0" smtClean="0">
+              <a:solidFill>
+                <a:schemeClr val="bg1"/>
+              </a:solidFill>
+              <a:latin typeface="Vodafone Rg"/>
+              <a:sym typeface="Vodafone Rg"/>
+            </a:endParaRPr>
+          </a:p>
+        </p:txBody>
+      </p:sp>
+      <p:sp>
+        <p:nvSpPr>
+          <p:cNvPr id="49" name="48 Rectángulo redondeado"/>
+          <p:cNvSpPr/>
+          <p:nvPr>
+            <p:custDataLst>
+              <p:tags r:id="rId22"/>
+            </p:custDataLst>
+          </p:nvPr>
+        </p:nvSpPr>
+        <p:spPr>
+          <a:xfrm>
+            <a:off x="508218" y="6142134"/>
+            <a:ext cx="4059392" cy="411953"/>
+          </a:xfrm>
+          <a:prstGeom prst="roundRect">
+            <a:avLst/>
+          </a:prstGeom>
+          <a:solidFill>
+            <a:srgbClr val="FFFFA7"/>
+          </a:solidFill>
+          <a:ln w="25400" cap="flat" cmpd="sng" algn="ctr">
+            <a:noFill/>
+            <a:prstDash val="solid"/>
+          </a:ln>
+          <a:effectLst>
+            <a:outerShdw blurRad="50800" dist="38100" dir="2700000" algn="tl" rotWithShape="0">
+              <a:prstClr val="black">
+                <a:alpha val="40000"/>
+              </a:prstClr>
+            </a:outerShdw>
+          </a:effectLst>
+        </p:spPr>
+        <p:style>
+          <a:lnRef idx="2">
+            <a:scrgbClr r="0" g="0" b="0"/>
+          </a:lnRef>
+          <a:fillRef idx="1">
+            <a:scrgbClr r="0" g="0" b="0"/>
+          </a:fillRef>
+          <a:effectRef idx="0">
+            <a:scrgbClr r="0" g="0" b="0"/>
+          </a:effectRef>
+          <a:fontRef idx="minor">
+            <a:schemeClr val="lt1"/>
+          </a:fontRef>
+        </p:style>
+        <p:txBody>
+          <a:bodyPr spcFirstLastPara="0" vert="horz" wrap="square" lIns="0" tIns="0" rIns="0" bIns="0" numCol="1" spcCol="1270" rtlCol="0" anchor="ctr" anchorCtr="0">
+            <a:noAutofit/>
+          </a:bodyPr>
+          <a:lstStyle/>
+          <a:p>
+            <a:pPr algn="ctr" defTabSz="444500">
+              <a:lnSpc>
+                <a:spcPts val="1000"/>
+              </a:lnSpc>
+              <a:spcBef>
+                <a:spcPct val="0"/>
+              </a:spcBef>
+            </a:pPr>
+            <a:r>
+              <a:rPr lang="en-GB" sz="1100" b="1" u="sng" dirty="0" smtClean="0">
+                <a:solidFill>
+                  <a:schemeClr val="tx1">
+                    <a:lumMod val="65000"/>
+                    <a:lumOff val="35000"/>
+                  </a:schemeClr>
+                </a:solidFill>
+              </a:rPr>
+              <a:t>NOTA</a:t>
+            </a:r>
+            <a:r>
+              <a:rPr lang="en-GB" sz="1100" b="1" dirty="0" smtClean="0">
+                <a:solidFill>
+                  <a:schemeClr val="tx1">
+                    <a:lumMod val="65000"/>
+                    <a:lumOff val="35000"/>
+                  </a:schemeClr>
+                </a:solidFill>
+              </a:rPr>
+              <a:t>: </a:t>
+            </a:r>
+            <a:r>
+              <a:rPr lang="en-GB" sz="1100" dirty="0">
+                <a:solidFill>
+                  <a:schemeClr val="tx1">
+                    <a:lumMod val="65000"/>
+                    <a:lumOff val="35000"/>
+                  </a:schemeClr>
+                </a:solidFill>
+              </a:rPr>
+              <a:t>L</a:t>
+            </a:r>
+            <a:r>
+              <a:rPr lang="en-GB" sz="1100" dirty="0" smtClean="0">
+                <a:solidFill>
+                  <a:schemeClr val="tx1">
+                    <a:lumMod val="65000"/>
+                    <a:lumOff val="35000"/>
+                  </a:schemeClr>
+                </a:solidFill>
+              </a:rPr>
+              <a:t>a </a:t>
+            </a:r>
+            <a:r>
+              <a:rPr lang="en-GB" sz="1100" dirty="0" err="1" smtClean="0">
+                <a:solidFill>
+                  <a:schemeClr val="tx1">
+                    <a:lumMod val="65000"/>
+                    <a:lumOff val="35000"/>
+                  </a:schemeClr>
+                </a:solidFill>
+              </a:rPr>
+              <a:t>fase</a:t>
+            </a:r>
+            <a:r>
+              <a:rPr lang="en-GB" sz="1100" dirty="0" smtClean="0">
+                <a:solidFill>
+                  <a:schemeClr val="tx1">
+                    <a:lumMod val="65000"/>
+                    <a:lumOff val="35000"/>
+                  </a:schemeClr>
+                </a:solidFill>
+              </a:rPr>
+              <a:t> de </a:t>
+            </a:r>
+            <a:r>
+              <a:rPr lang="en-GB" sz="1100" dirty="0" err="1" smtClean="0">
+                <a:solidFill>
+                  <a:schemeClr val="tx1">
+                    <a:lumMod val="65000"/>
+                    <a:lumOff val="35000"/>
+                  </a:schemeClr>
+                </a:solidFill>
+              </a:rPr>
+              <a:t>productivizar</a:t>
+            </a:r>
+            <a:r>
+              <a:rPr lang="en-GB" sz="1100" dirty="0" smtClean="0">
+                <a:solidFill>
+                  <a:schemeClr val="tx1">
+                    <a:lumMod val="65000"/>
+                    <a:lumOff val="35000"/>
+                  </a:schemeClr>
+                </a:solidFill>
+              </a:rPr>
+              <a:t> se </a:t>
+            </a:r>
+            <a:r>
+              <a:rPr lang="en-GB" sz="1100" dirty="0" err="1" smtClean="0">
+                <a:solidFill>
+                  <a:schemeClr val="tx1">
+                    <a:lumMod val="65000"/>
+                    <a:lumOff val="35000"/>
+                  </a:schemeClr>
+                </a:solidFill>
+              </a:rPr>
+              <a:t>solapará</a:t>
+            </a:r>
+            <a:r>
+              <a:rPr lang="en-GB" sz="1100" dirty="0" smtClean="0">
+                <a:solidFill>
+                  <a:schemeClr val="tx1">
+                    <a:lumMod val="65000"/>
+                    <a:lumOff val="35000"/>
+                  </a:schemeClr>
+                </a:solidFill>
+              </a:rPr>
+              <a:t> con el resto (</a:t>
+            </a:r>
+            <a:r>
+              <a:rPr lang="en-GB" sz="1100" dirty="0" err="1" smtClean="0">
+                <a:solidFill>
+                  <a:schemeClr val="tx1">
+                    <a:lumMod val="65000"/>
+                    <a:lumOff val="35000"/>
+                  </a:schemeClr>
+                </a:solidFill>
+              </a:rPr>
+              <a:t>por</a:t>
+            </a:r>
+            <a:r>
+              <a:rPr lang="en-GB" sz="1100" dirty="0" smtClean="0">
+                <a:solidFill>
+                  <a:schemeClr val="tx1">
+                    <a:lumMod val="65000"/>
+                    <a:lumOff val="35000"/>
+                  </a:schemeClr>
+                </a:solidFill>
+              </a:rPr>
+              <a:t> </a:t>
+            </a:r>
+            <a:r>
+              <a:rPr lang="en-GB" sz="1100" dirty="0" err="1" smtClean="0">
+                <a:solidFill>
+                  <a:schemeClr val="tx1">
+                    <a:lumMod val="65000"/>
+                    <a:lumOff val="35000"/>
+                  </a:schemeClr>
+                </a:solidFill>
+              </a:rPr>
+              <a:t>definir</a:t>
+            </a:r>
+            <a:r>
+              <a:rPr lang="en-GB" sz="1100" dirty="0" smtClean="0">
+                <a:solidFill>
+                  <a:schemeClr val="tx1">
+                    <a:lumMod val="65000"/>
+                    <a:lumOff val="35000"/>
+                  </a:schemeClr>
+                </a:solidFill>
+              </a:rPr>
+              <a:t>)</a:t>
+            </a:r>
+            <a:endParaRPr lang="en-GB" sz="1100" kern="1200" dirty="0" smtClean="0">
+              <a:solidFill>
+                <a:schemeClr val="tx1">
+                  <a:lumMod val="65000"/>
+                  <a:lumOff val="35000"/>
+                </a:schemeClr>
+              </a:solidFill>
+            </a:endParaRPr>
+          </a:p>
+        </p:txBody>
+      </p:sp>
+    </p:spTree>
+    <p:extLst>
+      <p:ext uri="{BB962C8B-B14F-4D97-AF65-F5344CB8AC3E}">
+        <p14:creationId xmlns:p14="http://schemas.microsoft.com/office/powerpoint/2010/main" val="1291387393"/>
+      </p:ext>
+    </p:extLst>
+  </p:cSld>
+  <p:clrMapOvr>
+    <a:masterClrMapping/>
+  </p:clrMapOvr>
+</p:sld>
+</file>
+
+<file path=ppt/tags/tag1.xml><?xml version="1.0" encoding="utf-8"?>
+<p:tagLst xmlns:a="http://schemas.openxmlformats.org/drawingml/2006/main" xmlns:r="http://schemas.openxmlformats.org/officeDocument/2006/relationships" xmlns:p="http://schemas.openxmlformats.org/presentationml/2006/main">
+  <p:tag name="THINKCELLSHAPEDONOTDELETE" val="pEMwUaT12dEy8AMOeZEUU5Q"/>
+</p:tagLst>
+</file>
+
+<file path=ppt/tags/tag10.xml><?xml version="1.0" encoding="utf-8"?>
+<p:tagLst xmlns:a="http://schemas.openxmlformats.org/drawingml/2006/main" xmlns:r="http://schemas.openxmlformats.org/officeDocument/2006/relationships" xmlns:p="http://schemas.openxmlformats.org/presentationml/2006/main">
+  <p:tag name="THINKCELLSHAPEDONOTDELETE" val="tJ_Kg_NWlyEOca9jnZ6q95g"/>
+</p:tagLst>
+</file>
+
+<file path=ppt/tags/tag11.xml><?xml version="1.0" encoding="utf-8"?>
+<p:tagLst xmlns:a="http://schemas.openxmlformats.org/drawingml/2006/main" xmlns:r="http://schemas.openxmlformats.org/officeDocument/2006/relationships" xmlns:p="http://schemas.openxmlformats.org/presentationml/2006/main">
+  <p:tag name="THINKCELLSHAPEDONOTDELETE" val="pzG9fJGCz0EKz1lthLgdUDg"/>
+</p:tagLst>
+</file>
+
+<file path=ppt/tags/tag12.xml><?xml version="1.0" encoding="utf-8"?>
+<p:tagLst xmlns:a="http://schemas.openxmlformats.org/drawingml/2006/main" xmlns:r="http://schemas.openxmlformats.org/officeDocument/2006/relationships" xmlns:p="http://schemas.openxmlformats.org/presentationml/2006/main">
+  <p:tag name="THINKCELLSHAPEDONOTDELETE" val="tJ_Kg_NWlyEOca9jnZ6q95g"/>
+</p:tagLst>
+</file>
+
+<file path=ppt/tags/tag13.xml><?xml version="1.0" encoding="utf-8"?>
+<p:tagLst xmlns:a="http://schemas.openxmlformats.org/drawingml/2006/main" xmlns:r="http://schemas.openxmlformats.org/officeDocument/2006/relationships" xmlns:p="http://schemas.openxmlformats.org/presentationml/2006/main">
+  <p:tag name="THINKCELLSHAPEDONOTDELETE" val="tJ_Kg_NWlyEOca9jnZ6q95g"/>
+</p:tagLst>
+</file>
+
+<file path=ppt/tags/tag14.xml><?xml version="1.0" encoding="utf-8"?>
+<p:tagLst xmlns:a="http://schemas.openxmlformats.org/drawingml/2006/main" xmlns:r="http://schemas.openxmlformats.org/officeDocument/2006/relationships" xmlns:p="http://schemas.openxmlformats.org/presentationml/2006/main">
+  <p:tag name="THINKCELLSHAPEDONOTDELETE" val="tJ_Kg_NWlyEOca9jnZ6q95g"/>
+</p:tagLst>
+</file>
+
+<file path=ppt/tags/tag15.xml><?xml version="1.0" encoding="utf-8"?>
+<p:tagLst xmlns:a="http://schemas.openxmlformats.org/drawingml/2006/main" xmlns:r="http://schemas.openxmlformats.org/officeDocument/2006/relationships" xmlns:p="http://schemas.openxmlformats.org/presentationml/2006/main">
+  <p:tag name="THINKCELLSHAPEDONOTDELETE" val="tJ_Kg_NWlyEOca9jnZ6q95g"/>
+</p:tagLst>
+</file>
+
+<file path=ppt/tags/tag16.xml><?xml version="1.0" encoding="utf-8"?>
+<p:tagLst xmlns:a="http://schemas.openxmlformats.org/drawingml/2006/main" xmlns:r="http://schemas.openxmlformats.org/officeDocument/2006/relationships" xmlns:p="http://schemas.openxmlformats.org/presentationml/2006/main">
+  <p:tag name="THINKCELLSHAPEDONOTDELETE" val="pzG9fJGCz0EKz1lthLgdUDg"/>
+</p:tagLst>
+</file>
+
+<file path=ppt/tags/tag17.xml><?xml version="1.0" encoding="utf-8"?>
+<p:tagLst xmlns:a="http://schemas.openxmlformats.org/drawingml/2006/main" xmlns:r="http://schemas.openxmlformats.org/officeDocument/2006/relationships" xmlns:p="http://schemas.openxmlformats.org/presentationml/2006/main">
+  <p:tag name="THINKCELLSHAPEDONOTDELETE" val="pzG9fJGCz0EKz1lthLgdUDg"/>
+</p:tagLst>
+</file>
+
+<file path=ppt/tags/tag18.xml><?xml version="1.0" encoding="utf-8"?>
+<p:tagLst xmlns:a="http://schemas.openxmlformats.org/drawingml/2006/main" xmlns:r="http://schemas.openxmlformats.org/officeDocument/2006/relationships" xmlns:p="http://schemas.openxmlformats.org/presentationml/2006/main">
+  <p:tag name="THINKCELLSHAPEDONOTDELETE" val="pwQUOWW35NEyP2tTZb02Vhg"/>
+</p:tagLst>
+</file>
+
+<file path=ppt/tags/tag19.xml><?xml version="1.0" encoding="utf-8"?>
+<p:tagLst xmlns:a="http://schemas.openxmlformats.org/drawingml/2006/main" xmlns:r="http://schemas.openxmlformats.org/officeDocument/2006/relationships" xmlns:p="http://schemas.openxmlformats.org/presentationml/2006/main">
+  <p:tag name="THINKCELLSHAPEDONOTDELETE" val="tJ_Kg_NWlyEOca9jnZ6q95g"/>
+</p:tagLst>
+</file>
+
+<file path=ppt/tags/tag2.xml><?xml version="1.0" encoding="utf-8"?>
+<p:tagLst xmlns:a="http://schemas.openxmlformats.org/drawingml/2006/main" xmlns:r="http://schemas.openxmlformats.org/officeDocument/2006/relationships" xmlns:p="http://schemas.openxmlformats.org/presentationml/2006/main">
+  <p:tag name="THINKCELLSHAPEDONOTDELETE" val="pzG9fJGCz0EKz1lthLgdUDg"/>
+</p:tagLst>
+</file>
+
+<file path=ppt/tags/tag20.xml><?xml version="1.0" encoding="utf-8"?>
+<p:tagLst xmlns:a="http://schemas.openxmlformats.org/drawingml/2006/main" xmlns:r="http://schemas.openxmlformats.org/officeDocument/2006/relationships" xmlns:p="http://schemas.openxmlformats.org/presentationml/2006/main">
+  <p:tag name="THINKCELLSHAPEDONOTDELETE" val="tJ_Kg_NWlyEOca9jnZ6q95g"/>
+</p:tagLst>
+</file>
+
+<file path=ppt/tags/tag21.xml><?xml version="1.0" encoding="utf-8"?>
+<p:tagLst xmlns:a="http://schemas.openxmlformats.org/drawingml/2006/main" xmlns:r="http://schemas.openxmlformats.org/officeDocument/2006/relationships" xmlns:p="http://schemas.openxmlformats.org/presentationml/2006/main">
+  <p:tag name="THINKCELLSHAPEDONOTDELETE" val="tJ_Kg_NWlyEOca9jnZ6q95g"/>
+</p:tagLst>
+</file>
+
+<file path=ppt/tags/tag22.xml><?xml version="1.0" encoding="utf-8"?>
+<p:tagLst xmlns:a="http://schemas.openxmlformats.org/drawingml/2006/main" xmlns:r="http://schemas.openxmlformats.org/officeDocument/2006/relationships" xmlns:p="http://schemas.openxmlformats.org/presentationml/2006/main">
+  <p:tag name="THINKCELLSHAPEDONOTDELETE" val="p8BcBMS5qN0yUM5Zo7LtimA"/>
+</p:tagLst>
+</file>
+
+<file path=ppt/tags/tag3.xml><?xml version="1.0" encoding="utf-8"?>
+<p:tagLst xmlns:a="http://schemas.openxmlformats.org/drawingml/2006/main" xmlns:r="http://schemas.openxmlformats.org/officeDocument/2006/relationships" xmlns:p="http://schemas.openxmlformats.org/presentationml/2006/main">
+  <p:tag name="THINKCELLSHAPEDONOTDELETE" val="tJ_Kg_NWlyEOca9jnZ6q95g"/>
+</p:tagLst>
+</file>
+
+<file path=ppt/tags/tag4.xml><?xml version="1.0" encoding="utf-8"?>
+<p:tagLst xmlns:a="http://schemas.openxmlformats.org/drawingml/2006/main" xmlns:r="http://schemas.openxmlformats.org/officeDocument/2006/relationships" xmlns:p="http://schemas.openxmlformats.org/presentationml/2006/main">
+  <p:tag name="THINKCELLSHAPEDONOTDELETE" val="t3pq4lNtyfkyfbnhYJhPRSA"/>
+</p:tagLst>
+</file>
+
+<file path=ppt/tags/tag5.xml><?xml version="1.0" encoding="utf-8"?>
+<p:tagLst xmlns:a="http://schemas.openxmlformats.org/drawingml/2006/main" xmlns:r="http://schemas.openxmlformats.org/officeDocument/2006/relationships" xmlns:p="http://schemas.openxmlformats.org/presentationml/2006/main">
+  <p:tag name="THINKCELLSHAPEDONOTDELETE" val="ty.ZqtFBDLUWT4dVRU2DkBg"/>
+</p:tagLst>
+</file>
+
+<file path=ppt/tags/tag6.xml><?xml version="1.0" encoding="utf-8"?>
+<p:tagLst xmlns:a="http://schemas.openxmlformats.org/drawingml/2006/main" xmlns:r="http://schemas.openxmlformats.org/officeDocument/2006/relationships" xmlns:p="http://schemas.openxmlformats.org/presentationml/2006/main">
+  <p:tag name="THINKCELLSHAPEDONOTDELETE" val="pzG9fJGCz0EKz1lthLgdUDg"/>
+</p:tagLst>
+</file>
+
+<file path=ppt/tags/tag7.xml><?xml version="1.0" encoding="utf-8"?>
+<p:tagLst xmlns:a="http://schemas.openxmlformats.org/drawingml/2006/main" xmlns:r="http://schemas.openxmlformats.org/officeDocument/2006/relationships" xmlns:p="http://schemas.openxmlformats.org/presentationml/2006/main">
+  <p:tag name="THINKCELLSHAPEDONOTDELETE" val="tJ_Kg_NWlyEOca9jnZ6q95g"/>
+</p:tagLst>
+</file>
+
+<file path=ppt/tags/tag8.xml><?xml version="1.0" encoding="utf-8"?>
+<p:tagLst xmlns:a="http://schemas.openxmlformats.org/drawingml/2006/main" xmlns:r="http://schemas.openxmlformats.org/officeDocument/2006/relationships" xmlns:p="http://schemas.openxmlformats.org/presentationml/2006/main">
+  <p:tag name="THINKCELLSHAPEDONOTDELETE" val="tJ_Kg_NWlyEOca9jnZ6q95g"/>
+</p:tagLst>
+</file>
+
+<file path=ppt/tags/tag9.xml><?xml version="1.0" encoding="utf-8"?>
+<p:tagLst xmlns:a="http://schemas.openxmlformats.org/drawingml/2006/main" xmlns:r="http://schemas.openxmlformats.org/officeDocument/2006/relationships" xmlns:p="http://schemas.openxmlformats.org/presentationml/2006/main">
+  <p:tag name="THINKCELLSHAPEDONOTDELETE" val="tJ_Kg_NWlyEOca9jnZ6q95g"/>
+</p:tagLst>
 </file>
 
 <file path=ppt/theme/theme1.xml><?xml version="1.0" encoding="utf-8"?>
@@ -5156,8 +9131,293 @@
   <a:extraClrSchemeLst/>
   <a:extLst>
     <a:ext uri="{05A4C25C-085E-4340-85A3-A5531E510DB2}">
-      <thm15:themeFamily xmlns:thm15="http://schemas.microsoft.com/office/thememl/2012/main" name="Office Theme" id="{62F939B6-93AF-4DB8-9C6B-D6C7DFDC589F}" vid="{4A3C46E8-61CC-4603-A589-7422A47A8E4A}"/>
+      <thm15:themeFamily xmlns="" xmlns:thm15="http://schemas.microsoft.com/office/thememl/2012/main" name="Office Theme" id="{62F939B6-93AF-4DB8-9C6B-D6C7DFDC589F}" vid="{4A3C46E8-61CC-4603-A589-7422A47A8E4A}"/>
     </a:ext>
   </a:extLst>
 </a:theme>
+</file>
+
+<file path=ppt/theme/theme2.xml><?xml version="1.0" encoding="utf-8"?>
+<a:theme xmlns:a="http://schemas.openxmlformats.org/drawingml/2006/main" name="Tema de Office">
+  <a:themeElements>
+    <a:clrScheme name="Office">
+      <a:dk1>
+        <a:sysClr val="windowText" lastClr="000000"/>
+      </a:dk1>
+      <a:lt1>
+        <a:sysClr val="window" lastClr="FFFFFF"/>
+      </a:lt1>
+      <a:dk2>
+        <a:srgbClr val="1F497D"/>
+      </a:dk2>
+      <a:lt2>
+        <a:srgbClr val="EEECE1"/>
+      </a:lt2>
+      <a:accent1>
+        <a:srgbClr val="4F81BD"/>
+      </a:accent1>
+      <a:accent2>
+        <a:srgbClr val="C0504D"/>
+      </a:accent2>
+      <a:accent3>
+        <a:srgbClr val="9BBB59"/>
+      </a:accent3>
+      <a:accent4>
+        <a:srgbClr val="8064A2"/>
+      </a:accent4>
+      <a:accent5>
+        <a:srgbClr val="4BACC6"/>
+      </a:accent5>
+      <a:accent6>
+        <a:srgbClr val="F79646"/>
+      </a:accent6>
+      <a:hlink>
+        <a:srgbClr val="0000FF"/>
+      </a:hlink>
+      <a:folHlink>
+        <a:srgbClr val="800080"/>
+      </a:folHlink>
+    </a:clrScheme>
+    <a:fontScheme name="Office">
+      <a:majorFont>
+        <a:latin typeface="Calibri"/>
+        <a:ea typeface=""/>
+        <a:cs typeface=""/>
+        <a:font script="Jpan" typeface="ＭＳ Ｐゴシック"/>
+        <a:font script="Hang" typeface="맑은 고딕"/>
+        <a:font script="Hans" typeface="宋体"/>
+        <a:font script="Hant" typeface="新細明體"/>
+        <a:font script="Arab" typeface="Times New Roman"/>
+        <a:font script="Hebr" typeface="Times New Roman"/>
+        <a:font script="Thai" typeface="Angsana New"/>
+        <a:font script="Ethi" typeface="Nyala"/>
+        <a:font script="Beng" typeface="Vrinda"/>
+        <a:font script="Gujr" typeface="Shruti"/>
+        <a:font script="Khmr" typeface="MoolBoran"/>
+        <a:font script="Knda" typeface="Tunga"/>
+        <a:font script="Guru" typeface="Raavi"/>
+        <a:font script="Cans" typeface="Euphemia"/>
+        <a:font script="Cher" typeface="Plantagenet Cherokee"/>
+        <a:font script="Yiii" typeface="Microsoft Yi Baiti"/>
+        <a:font script="Tibt" typeface="Microsoft Himalaya"/>
+        <a:font script="Thaa" typeface="MV Boli"/>
+        <a:font script="Deva" typeface="Mangal"/>
+        <a:font script="Telu" typeface="Gautami"/>
+        <a:font script="Taml" typeface="Latha"/>
+        <a:font script="Syrc" typeface="Estrangelo Edessa"/>
+        <a:font script="Orya" typeface="Kalinga"/>
+        <a:font script="Mlym" typeface="Kartika"/>
+        <a:font script="Laoo" typeface="DokChampa"/>
+        <a:font script="Sinh" typeface="Iskoola Pota"/>
+        <a:font script="Mong" typeface="Mongolian Baiti"/>
+        <a:font script="Viet" typeface="Times New Roman"/>
+        <a:font script="Uigh" typeface="Microsoft Uighur"/>
+        <a:font script="Geor" typeface="Sylfaen"/>
+      </a:majorFont>
+      <a:minorFont>
+        <a:latin typeface="Calibri"/>
+        <a:ea typeface=""/>
+        <a:cs typeface=""/>
+        <a:font script="Jpan" typeface="ＭＳ Ｐゴシック"/>
+        <a:font script="Hang" typeface="맑은 고딕"/>
+        <a:font script="Hans" typeface="宋体"/>
+        <a:font script="Hant" typeface="新細明體"/>
+        <a:font script="Arab" typeface="Arial"/>
+        <a:font script="Hebr" typeface="Arial"/>
+        <a:font script="Thai" typeface="Cordia New"/>
+        <a:font script="Ethi" typeface="Nyala"/>
+        <a:font script="Beng" typeface="Vrinda"/>
+        <a:font script="Gujr" typeface="Shruti"/>
+        <a:font script="Khmr" typeface="DaunPenh"/>
+        <a:font script="Knda" typeface="Tunga"/>
+        <a:font script="Guru" typeface="Raavi"/>
+        <a:font script="Cans" typeface="Euphemia"/>
+        <a:font script="Cher" typeface="Plantagenet Cherokee"/>
+        <a:font script="Yiii" typeface="Microsoft Yi Baiti"/>
+        <a:font script="Tibt" typeface="Microsoft Himalaya"/>
+        <a:font script="Thaa" typeface="MV Boli"/>
+        <a:font script="Deva" typeface="Mangal"/>
+        <a:font script="Telu" typeface="Gautami"/>
+        <a:font script="Taml" typeface="Latha"/>
+        <a:font script="Syrc" typeface="Estrangelo Edessa"/>
+        <a:font script="Orya" typeface="Kalinga"/>
+        <a:font script="Mlym" typeface="Kartika"/>
+        <a:font script="Laoo" typeface="DokChampa"/>
+        <a:font script="Sinh" typeface="Iskoola Pota"/>
+        <a:font script="Mong" typeface="Mongolian Baiti"/>
+        <a:font script="Viet" typeface="Arial"/>
+        <a:font script="Uigh" typeface="Microsoft Uighur"/>
+        <a:font script="Geor" typeface="Sylfaen"/>
+      </a:minorFont>
+    </a:fontScheme>
+    <a:fmtScheme name="Office">
+      <a:fillStyleLst>
+        <a:solidFill>
+          <a:schemeClr val="phClr"/>
+        </a:solidFill>
+        <a:gradFill rotWithShape="1">
+          <a:gsLst>
+            <a:gs pos="0">
+              <a:schemeClr val="phClr">
+                <a:tint val="50000"/>
+                <a:satMod val="300000"/>
+              </a:schemeClr>
+            </a:gs>
+            <a:gs pos="35000">
+              <a:schemeClr val="phClr">
+                <a:tint val="37000"/>
+                <a:satMod val="300000"/>
+              </a:schemeClr>
+            </a:gs>
+            <a:gs pos="100000">
+              <a:schemeClr val="phClr">
+                <a:tint val="15000"/>
+                <a:satMod val="350000"/>
+              </a:schemeClr>
+            </a:gs>
+          </a:gsLst>
+          <a:lin ang="16200000" scaled="1"/>
+        </a:gradFill>
+        <a:gradFill rotWithShape="1">
+          <a:gsLst>
+            <a:gs pos="0">
+              <a:schemeClr val="phClr">
+                <a:shade val="51000"/>
+                <a:satMod val="130000"/>
+              </a:schemeClr>
+            </a:gs>
+            <a:gs pos="80000">
+              <a:schemeClr val="phClr">
+                <a:shade val="93000"/>
+                <a:satMod val="130000"/>
+              </a:schemeClr>
+            </a:gs>
+            <a:gs pos="100000">
+              <a:schemeClr val="phClr">
+                <a:shade val="94000"/>
+                <a:satMod val="135000"/>
+              </a:schemeClr>
+            </a:gs>
+          </a:gsLst>
+          <a:lin ang="16200000" scaled="0"/>
+        </a:gradFill>
+      </a:fillStyleLst>
+      <a:lnStyleLst>
+        <a:ln w="9525" cap="flat" cmpd="sng" algn="ctr">
+          <a:solidFill>
+            <a:schemeClr val="phClr">
+              <a:shade val="95000"/>
+              <a:satMod val="105000"/>
+            </a:schemeClr>
+          </a:solidFill>
+          <a:prstDash val="solid"/>
+        </a:ln>
+        <a:ln w="25400" cap="flat" cmpd="sng" algn="ctr">
+          <a:solidFill>
+            <a:schemeClr val="phClr"/>
+          </a:solidFill>
+          <a:prstDash val="solid"/>
+        </a:ln>
+        <a:ln w="38100" cap="flat" cmpd="sng" algn="ctr">
+          <a:solidFill>
+            <a:schemeClr val="phClr"/>
+          </a:solidFill>
+          <a:prstDash val="solid"/>
+        </a:ln>
+      </a:lnStyleLst>
+      <a:effectStyleLst>
+        <a:effectStyle>
+          <a:effectLst>
+            <a:outerShdw blurRad="40000" dist="20000" dir="5400000" rotWithShape="0">
+              <a:srgbClr val="000000">
+                <a:alpha val="38000"/>
+              </a:srgbClr>
+            </a:outerShdw>
+          </a:effectLst>
+        </a:effectStyle>
+        <a:effectStyle>
+          <a:effectLst>
+            <a:outerShdw blurRad="40000" dist="23000" dir="5400000" rotWithShape="0">
+              <a:srgbClr val="000000">
+                <a:alpha val="35000"/>
+              </a:srgbClr>
+            </a:outerShdw>
+          </a:effectLst>
+        </a:effectStyle>
+        <a:effectStyle>
+          <a:effectLst>
+            <a:outerShdw blurRad="40000" dist="23000" dir="5400000" rotWithShape="0">
+              <a:srgbClr val="000000">
+                <a:alpha val="35000"/>
+              </a:srgbClr>
+            </a:outerShdw>
+          </a:effectLst>
+          <a:scene3d>
+            <a:camera prst="orthographicFront">
+              <a:rot lat="0" lon="0" rev="0"/>
+            </a:camera>
+            <a:lightRig rig="threePt" dir="t">
+              <a:rot lat="0" lon="0" rev="1200000"/>
+            </a:lightRig>
+          </a:scene3d>
+          <a:sp3d>
+            <a:bevelT w="63500" h="25400"/>
+          </a:sp3d>
+        </a:effectStyle>
+      </a:effectStyleLst>
+      <a:bgFillStyleLst>
+        <a:solidFill>
+          <a:schemeClr val="phClr"/>
+        </a:solidFill>
+        <a:gradFill rotWithShape="1">
+          <a:gsLst>
+            <a:gs pos="0">
+              <a:schemeClr val="phClr">
+                <a:tint val="40000"/>
+                <a:satMod val="350000"/>
+              </a:schemeClr>
+            </a:gs>
+            <a:gs pos="40000">
+              <a:schemeClr val="phClr">
+                <a:tint val="45000"/>
+                <a:shade val="99000"/>
+                <a:satMod val="350000"/>
+              </a:schemeClr>
+            </a:gs>
+            <a:gs pos="100000">
+              <a:schemeClr val="phClr">
+                <a:shade val="20000"/>
+                <a:satMod val="255000"/>
+              </a:schemeClr>
+            </a:gs>
+          </a:gsLst>
+          <a:path path="circle">
+            <a:fillToRect l="50000" t="-80000" r="50000" b="180000"/>
+          </a:path>
+        </a:gradFill>
+        <a:gradFill rotWithShape="1">
+          <a:gsLst>
+            <a:gs pos="0">
+              <a:schemeClr val="phClr">
+                <a:tint val="80000"/>
+                <a:satMod val="300000"/>
+              </a:schemeClr>
+            </a:gs>
+            <a:gs pos="100000">
+              <a:schemeClr val="phClr">
+                <a:shade val="30000"/>
+                <a:satMod val="200000"/>
+              </a:schemeClr>
+            </a:gs>
+          </a:gsLst>
+          <a:path path="circle">
+            <a:fillToRect l="50000" t="50000" r="50000" b="50000"/>
+          </a:path>
+        </a:gradFill>
+      </a:bgFillStyleLst>
+    </a:fmtScheme>
+  </a:themeElements>
+  <a:objectDefaults/>
+  <a:extraClrSchemeLst/>
+</a:theme>
 </file>